--- a/infra/Pipeline Design.pptx
+++ b/infra/Pipeline Design.pptx
@@ -5,7 +5,7 @@
     <p:sldMasterId id="2147483648" r:id="rId1"/>
   </p:sldMasterIdLst>
   <p:notesMasterIdLst>
-    <p:notesMasterId r:id="rId8"/>
+    <p:notesMasterId r:id="rId10"/>
   </p:notesMasterIdLst>
   <p:sldIdLst>
     <p:sldId id="256" r:id="rId2"/>
@@ -14,6 +14,8 @@
     <p:sldId id="263" r:id="rId5"/>
     <p:sldId id="266" r:id="rId6"/>
     <p:sldId id="265" r:id="rId7"/>
+    <p:sldId id="267" r:id="rId8"/>
+    <p:sldId id="268" r:id="rId9"/>
   </p:sldIdLst>
   <p:sldSz cx="12192000" cy="6858000"/>
   <p:notesSz cx="6858000" cy="9144000"/>
@@ -202,7 +204,7 @@
           <a:p>
             <a:fld id="{2F479A43-8AC4-44B8-A2B0-0DE1A390C16E}" type="datetimeFigureOut">
               <a:rPr lang="en-US" smtClean="0"/>
-              <a:t>5/8/2020</a:t>
+              <a:t>5/11/2020</a:t>
             </a:fld>
             <a:endParaRPr lang="en-US"/>
           </a:p>
@@ -959,6 +961,128 @@
           <a:bodyPr/>
           <a:lstStyle/>
           <a:p>
+            <a:r>
+              <a:rPr lang="en-US" b="1" dirty="0" smtClean="0"/>
+              <a:t>Create application (REST </a:t>
+            </a:r>
+            <a:r>
+              <a:rPr lang="en-US" b="1" dirty="0" err="1" smtClean="0"/>
+              <a:t>WebAPI</a:t>
+            </a:r>
+            <a:r>
+              <a:rPr lang="en-US" b="1" dirty="0" smtClean="0"/>
+              <a:t> Controller), then tie Build</a:t>
+            </a:r>
+            <a:r>
+              <a:rPr lang="en-US" b="1" baseline="0" dirty="0" smtClean="0"/>
+              <a:t> and tests together for CI </a:t>
+            </a:r>
+            <a:endParaRPr lang="en-US" b="1" dirty="0" smtClean="0"/>
+          </a:p>
+          <a:p>
+            <a:endParaRPr lang="en-US" dirty="0" smtClean="0"/>
+          </a:p>
+          <a:p>
+            <a:r>
+              <a:rPr lang="en-US" dirty="0" smtClean="0"/>
+              <a:t>Write</a:t>
+            </a:r>
+            <a:r>
+              <a:rPr lang="en-US" baseline="0" dirty="0" smtClean="0"/>
+              <a:t> app and test code using language specific tools (again .NET in this case). Run it locally.</a:t>
+            </a:r>
+          </a:p>
+          <a:p>
+            <a:endParaRPr lang="en-US" baseline="0" dirty="0" smtClean="0"/>
+          </a:p>
+          <a:p>
+            <a:r>
+              <a:rPr lang="en-US" baseline="0" dirty="0" smtClean="0"/>
+              <a:t>Add a </a:t>
+            </a:r>
+            <a:r>
+              <a:rPr lang="en-US" baseline="0" dirty="0" err="1" smtClean="0"/>
+              <a:t>dockerFile</a:t>
+            </a:r>
+            <a:r>
+              <a:rPr lang="en-US" baseline="0" dirty="0" smtClean="0"/>
+              <a:t> to build the application image</a:t>
+            </a:r>
+          </a:p>
+          <a:p>
+            <a:endParaRPr lang="en-US" baseline="0" dirty="0" smtClean="0"/>
+          </a:p>
+          <a:p>
+            <a:r>
+              <a:rPr lang="en-US" baseline="0" dirty="0" smtClean="0"/>
+              <a:t>Tag that </a:t>
+            </a:r>
+            <a:r>
+              <a:rPr lang="en-US" baseline="0" dirty="0" err="1" smtClean="0"/>
+              <a:t>dockerFile</a:t>
+            </a:r>
+            <a:r>
+              <a:rPr lang="en-US" baseline="0" dirty="0" smtClean="0"/>
+              <a:t> so it can be recalled and used via CI</a:t>
+            </a:r>
+          </a:p>
+          <a:p>
+            <a:endParaRPr lang="en-US" baseline="0" dirty="0" smtClean="0"/>
+          </a:p>
+          <a:p>
+            <a:r>
+              <a:rPr lang="en-US" baseline="0" dirty="0" smtClean="0"/>
+              <a:t>Create a </a:t>
+            </a:r>
+            <a:r>
+              <a:rPr lang="en-US" baseline="0" dirty="0" err="1" smtClean="0"/>
+              <a:t>docker</a:t>
+            </a:r>
+            <a:r>
+              <a:rPr lang="en-US" baseline="0" dirty="0" smtClean="0"/>
+              <a:t>-compose file to tie automation together:</a:t>
+            </a:r>
+          </a:p>
+          <a:p>
+            <a:pPr marL="171450" indent="-171450">
+              <a:buFont typeface="Arial" panose="020B0604020202020204" pitchFamily="34" charset="0"/>
+              <a:buChar char="•"/>
+            </a:pPr>
+            <a:r>
+              <a:rPr lang="en-US" baseline="0" dirty="0" smtClean="0"/>
+              <a:t>Run REST image (slide 4)</a:t>
+            </a:r>
+          </a:p>
+          <a:p>
+            <a:pPr marL="171450" indent="-171450">
+              <a:buFont typeface="Arial" panose="020B0604020202020204" pitchFamily="34" charset="0"/>
+              <a:buChar char="•"/>
+            </a:pPr>
+            <a:r>
+              <a:rPr lang="en-US" baseline="0" dirty="0" smtClean="0"/>
+              <a:t>Start </a:t>
+            </a:r>
+            <a:r>
+              <a:rPr lang="en-US" baseline="0" dirty="0" err="1" smtClean="0"/>
+              <a:t>MailHog</a:t>
+            </a:r>
+            <a:r>
+              <a:rPr lang="en-US" baseline="0" dirty="0" smtClean="0"/>
+              <a:t> server (SMTP so REST can actually send an email)</a:t>
+            </a:r>
+          </a:p>
+          <a:p>
+            <a:pPr marL="171450" indent="-171450">
+              <a:buFont typeface="Arial" panose="020B0604020202020204" pitchFamily="34" charset="0"/>
+              <a:buChar char="•"/>
+            </a:pPr>
+            <a:r>
+              <a:rPr lang="en-US" baseline="0" dirty="0" smtClean="0"/>
+              <a:t>Run integration tests</a:t>
+            </a:r>
+            <a:endParaRPr lang="en-US" dirty="0" smtClean="0"/>
+          </a:p>
+          <a:p>
             <a:endParaRPr lang="en-US" dirty="0"/>
           </a:p>
         </p:txBody>
@@ -1158,6 +1282,301 @@
     <p:extLst>
       <p:ext uri="{BB962C8B-B14F-4D97-AF65-F5344CB8AC3E}">
         <p14:creationId xmlns:p14="http://schemas.microsoft.com/office/powerpoint/2010/main" val="2414693430"/>
+      </p:ext>
+    </p:extLst>
+  </p:cSld>
+  <p:clrMapOvr>
+    <a:masterClrMapping/>
+  </p:clrMapOvr>
+</p:notes>
+</file>
+
+<file path=ppt/notesSlides/notesSlide6.xml><?xml version="1.0" encoding="utf-8"?>
+<p:notes xmlns:a="http://schemas.openxmlformats.org/drawingml/2006/main" xmlns:r="http://schemas.openxmlformats.org/officeDocument/2006/relationships" xmlns:p="http://schemas.openxmlformats.org/presentationml/2006/main">
+  <p:cSld>
+    <p:spTree>
+      <p:nvGrpSpPr>
+        <p:cNvPr id="1" name=""/>
+        <p:cNvGrpSpPr/>
+        <p:nvPr/>
+      </p:nvGrpSpPr>
+      <p:grpSpPr>
+        <a:xfrm>
+          <a:off x="0" y="0"/>
+          <a:ext cx="0" cy="0"/>
+          <a:chOff x="0" y="0"/>
+          <a:chExt cx="0" cy="0"/>
+        </a:xfrm>
+      </p:grpSpPr>
+      <p:sp>
+        <p:nvSpPr>
+          <p:cNvPr id="2" name="Slide Image Placeholder 1"/>
+          <p:cNvSpPr>
+            <a:spLocks noGrp="1" noRot="1" noChangeAspect="1"/>
+          </p:cNvSpPr>
+          <p:nvPr>
+            <p:ph type="sldImg"/>
+          </p:nvPr>
+        </p:nvSpPr>
+        <p:spPr/>
+      </p:sp>
+      <p:sp>
+        <p:nvSpPr>
+          <p:cNvPr id="3" name="Notes Placeholder 2"/>
+          <p:cNvSpPr>
+            <a:spLocks noGrp="1"/>
+          </p:cNvSpPr>
+          <p:nvPr>
+            <p:ph type="body" idx="1"/>
+          </p:nvPr>
+        </p:nvSpPr>
+        <p:spPr/>
+        <p:txBody>
+          <a:bodyPr/>
+          <a:lstStyle/>
+          <a:p>
+            <a:r>
+              <a:rPr lang="en-US" b="1" dirty="0" smtClean="0"/>
+              <a:t>Create Integration application, then tie Build</a:t>
+            </a:r>
+            <a:r>
+              <a:rPr lang="en-US" b="1" baseline="0" dirty="0" smtClean="0"/>
+              <a:t>, Infrastructure (</a:t>
+            </a:r>
+            <a:r>
+              <a:rPr lang="en-US" b="1" baseline="0" dirty="0" err="1" smtClean="0"/>
+              <a:t>Mailhog</a:t>
+            </a:r>
+            <a:r>
+              <a:rPr lang="en-US" b="1" baseline="0" dirty="0" smtClean="0"/>
+              <a:t>) and Integration tests together for CI </a:t>
+            </a:r>
+            <a:endParaRPr lang="en-US" b="1" dirty="0" smtClean="0"/>
+          </a:p>
+          <a:p>
+            <a:endParaRPr lang="en-US" dirty="0" smtClean="0"/>
+          </a:p>
+          <a:p>
+            <a:r>
+              <a:rPr lang="en-US" dirty="0" smtClean="0"/>
+              <a:t>Write</a:t>
+            </a:r>
+            <a:r>
+              <a:rPr lang="en-US" baseline="0" dirty="0" smtClean="0"/>
+              <a:t> integration tests and use language specific tools (again .NET in this case)</a:t>
+            </a:r>
+          </a:p>
+          <a:p>
+            <a:endParaRPr lang="en-US" baseline="0" dirty="0" smtClean="0"/>
+          </a:p>
+          <a:p>
+            <a:r>
+              <a:rPr lang="en-US" baseline="0" dirty="0" smtClean="0"/>
+              <a:t>Add a </a:t>
+            </a:r>
+            <a:r>
+              <a:rPr lang="en-US" baseline="0" dirty="0" err="1" smtClean="0"/>
+              <a:t>dockerFile</a:t>
+            </a:r>
+            <a:r>
+              <a:rPr lang="en-US" baseline="0" dirty="0" smtClean="0"/>
+              <a:t> to create a integration test image that can be run… Note: not being built every time for efficiency</a:t>
+            </a:r>
+          </a:p>
+          <a:p>
+            <a:endParaRPr lang="en-US" baseline="0" dirty="0" smtClean="0"/>
+          </a:p>
+          <a:p>
+            <a:r>
+              <a:rPr lang="en-US" baseline="0" dirty="0" smtClean="0"/>
+              <a:t>Tag that </a:t>
+            </a:r>
+            <a:r>
+              <a:rPr lang="en-US" baseline="0" dirty="0" err="1" smtClean="0"/>
+              <a:t>dockerFile</a:t>
+            </a:r>
+            <a:r>
+              <a:rPr lang="en-US" baseline="0" dirty="0" smtClean="0"/>
+              <a:t> so it can be recalled and used via CI</a:t>
+            </a:r>
+          </a:p>
+          <a:p>
+            <a:endParaRPr lang="en-US" baseline="0" dirty="0" smtClean="0"/>
+          </a:p>
+          <a:p>
+            <a:r>
+              <a:rPr lang="en-US" baseline="0" dirty="0" smtClean="0"/>
+              <a:t>Create a </a:t>
+            </a:r>
+            <a:r>
+              <a:rPr lang="en-US" baseline="0" dirty="0" err="1" smtClean="0"/>
+              <a:t>docker</a:t>
+            </a:r>
+            <a:r>
+              <a:rPr lang="en-US" baseline="0" dirty="0" smtClean="0"/>
+              <a:t>-compose file to tie automation together:</a:t>
+            </a:r>
+          </a:p>
+          <a:p>
+            <a:pPr marL="171450" indent="-171450">
+              <a:buFont typeface="Arial" panose="020B0604020202020204" pitchFamily="34" charset="0"/>
+              <a:buChar char="•"/>
+            </a:pPr>
+            <a:r>
+              <a:rPr lang="en-US" baseline="0" dirty="0" smtClean="0"/>
+              <a:t>Run </a:t>
+            </a:r>
+            <a:r>
+              <a:rPr lang="en-US" baseline="0" dirty="0" smtClean="0"/>
+              <a:t>REST </a:t>
+            </a:r>
+            <a:r>
+              <a:rPr lang="en-US" baseline="0" dirty="0" smtClean="0"/>
+              <a:t>image (slide 4)</a:t>
+            </a:r>
+          </a:p>
+          <a:p>
+            <a:pPr marL="171450" indent="-171450">
+              <a:buFont typeface="Arial" panose="020B0604020202020204" pitchFamily="34" charset="0"/>
+              <a:buChar char="•"/>
+            </a:pPr>
+            <a:r>
+              <a:rPr lang="en-US" baseline="0" dirty="0" smtClean="0"/>
+              <a:t>Start </a:t>
+            </a:r>
+            <a:r>
+              <a:rPr lang="en-US" baseline="0" dirty="0" err="1" smtClean="0"/>
+              <a:t>MailHog</a:t>
+            </a:r>
+            <a:r>
+              <a:rPr lang="en-US" baseline="0" dirty="0" smtClean="0"/>
+              <a:t> server (SMTP so REST can actually send an email)</a:t>
+            </a:r>
+          </a:p>
+          <a:p>
+            <a:pPr marL="171450" indent="-171450">
+              <a:buFont typeface="Arial" panose="020B0604020202020204" pitchFamily="34" charset="0"/>
+              <a:buChar char="•"/>
+            </a:pPr>
+            <a:r>
+              <a:rPr lang="en-US" baseline="0" dirty="0" smtClean="0"/>
+              <a:t>Run integration tests</a:t>
+            </a:r>
+            <a:endParaRPr lang="en-US" dirty="0"/>
+          </a:p>
+        </p:txBody>
+      </p:sp>
+      <p:sp>
+        <p:nvSpPr>
+          <p:cNvPr id="4" name="Slide Number Placeholder 3"/>
+          <p:cNvSpPr>
+            <a:spLocks noGrp="1"/>
+          </p:cNvSpPr>
+          <p:nvPr>
+            <p:ph type="sldNum" sz="quarter" idx="10"/>
+          </p:nvPr>
+        </p:nvSpPr>
+        <p:spPr/>
+        <p:txBody>
+          <a:bodyPr/>
+          <a:lstStyle/>
+          <a:p>
+            <a:fld id="{3115089C-FA7F-4ED1-B884-9FD8C1D022EA}" type="slidenum">
+              <a:rPr lang="en-US" smtClean="0"/>
+              <a:t>7</a:t>
+            </a:fld>
+            <a:endParaRPr lang="en-US"/>
+          </a:p>
+        </p:txBody>
+      </p:sp>
+    </p:spTree>
+    <p:extLst>
+      <p:ext uri="{BB962C8B-B14F-4D97-AF65-F5344CB8AC3E}">
+        <p14:creationId xmlns:p14="http://schemas.microsoft.com/office/powerpoint/2010/main" val="3542886446"/>
+      </p:ext>
+    </p:extLst>
+  </p:cSld>
+  <p:clrMapOvr>
+    <a:masterClrMapping/>
+  </p:clrMapOvr>
+</p:notes>
+</file>
+
+<file path=ppt/notesSlides/notesSlide7.xml><?xml version="1.0" encoding="utf-8"?>
+<p:notes xmlns:a="http://schemas.openxmlformats.org/drawingml/2006/main" xmlns:r="http://schemas.openxmlformats.org/officeDocument/2006/relationships" xmlns:p="http://schemas.openxmlformats.org/presentationml/2006/main">
+  <p:cSld>
+    <p:spTree>
+      <p:nvGrpSpPr>
+        <p:cNvPr id="1" name=""/>
+        <p:cNvGrpSpPr/>
+        <p:nvPr/>
+      </p:nvGrpSpPr>
+      <p:grpSpPr>
+        <a:xfrm>
+          <a:off x="0" y="0"/>
+          <a:ext cx="0" cy="0"/>
+          <a:chOff x="0" y="0"/>
+          <a:chExt cx="0" cy="0"/>
+        </a:xfrm>
+      </p:grpSpPr>
+      <p:sp>
+        <p:nvSpPr>
+          <p:cNvPr id="2" name="Slide Image Placeholder 1"/>
+          <p:cNvSpPr>
+            <a:spLocks noGrp="1" noRot="1" noChangeAspect="1"/>
+          </p:cNvSpPr>
+          <p:nvPr>
+            <p:ph type="sldImg"/>
+          </p:nvPr>
+        </p:nvSpPr>
+        <p:spPr/>
+      </p:sp>
+      <p:sp>
+        <p:nvSpPr>
+          <p:cNvPr id="3" name="Notes Placeholder 2"/>
+          <p:cNvSpPr>
+            <a:spLocks noGrp="1"/>
+          </p:cNvSpPr>
+          <p:nvPr>
+            <p:ph type="body" idx="1"/>
+          </p:nvPr>
+        </p:nvSpPr>
+        <p:spPr/>
+        <p:txBody>
+          <a:bodyPr/>
+          <a:lstStyle/>
+          <a:p>
+            <a:endParaRPr lang="en-US" dirty="0"/>
+          </a:p>
+        </p:txBody>
+      </p:sp>
+      <p:sp>
+        <p:nvSpPr>
+          <p:cNvPr id="4" name="Slide Number Placeholder 3"/>
+          <p:cNvSpPr>
+            <a:spLocks noGrp="1"/>
+          </p:cNvSpPr>
+          <p:nvPr>
+            <p:ph type="sldNum" sz="quarter" idx="10"/>
+          </p:nvPr>
+        </p:nvSpPr>
+        <p:spPr/>
+        <p:txBody>
+          <a:bodyPr/>
+          <a:lstStyle/>
+          <a:p>
+            <a:fld id="{3115089C-FA7F-4ED1-B884-9FD8C1D022EA}" type="slidenum">
+              <a:rPr lang="en-US" smtClean="0"/>
+              <a:t>8</a:t>
+            </a:fld>
+            <a:endParaRPr lang="en-US"/>
+          </a:p>
+        </p:txBody>
+      </p:sp>
+    </p:spTree>
+    <p:extLst>
+      <p:ext uri="{BB962C8B-B14F-4D97-AF65-F5344CB8AC3E}">
+        <p14:creationId xmlns:p14="http://schemas.microsoft.com/office/powerpoint/2010/main" val="1220013536"/>
       </p:ext>
     </p:extLst>
   </p:cSld>
@@ -1298,7 +1717,7 @@
           <a:p>
             <a:fld id="{0D5AADF0-24E5-42BB-97C5-B057390FDDD7}" type="datetimeFigureOut">
               <a:rPr lang="en-US" smtClean="0"/>
-              <a:t>5/8/2020</a:t>
+              <a:t>5/11/2020</a:t>
             </a:fld>
             <a:endParaRPr lang="en-US"/>
           </a:p>
@@ -1468,7 +1887,7 @@
           <a:p>
             <a:fld id="{0D5AADF0-24E5-42BB-97C5-B057390FDDD7}" type="datetimeFigureOut">
               <a:rPr lang="en-US" smtClean="0"/>
-              <a:t>5/8/2020</a:t>
+              <a:t>5/11/2020</a:t>
             </a:fld>
             <a:endParaRPr lang="en-US"/>
           </a:p>
@@ -1648,7 +2067,7 @@
           <a:p>
             <a:fld id="{0D5AADF0-24E5-42BB-97C5-B057390FDDD7}" type="datetimeFigureOut">
               <a:rPr lang="en-US" smtClean="0"/>
-              <a:t>5/8/2020</a:t>
+              <a:t>5/11/2020</a:t>
             </a:fld>
             <a:endParaRPr lang="en-US"/>
           </a:p>
@@ -1818,7 +2237,7 @@
           <a:p>
             <a:fld id="{0D5AADF0-24E5-42BB-97C5-B057390FDDD7}" type="datetimeFigureOut">
               <a:rPr lang="en-US" smtClean="0"/>
-              <a:t>5/8/2020</a:t>
+              <a:t>5/11/2020</a:t>
             </a:fld>
             <a:endParaRPr lang="en-US"/>
           </a:p>
@@ -2064,7 +2483,7 @@
           <a:p>
             <a:fld id="{0D5AADF0-24E5-42BB-97C5-B057390FDDD7}" type="datetimeFigureOut">
               <a:rPr lang="en-US" smtClean="0"/>
-              <a:t>5/8/2020</a:t>
+              <a:t>5/11/2020</a:t>
             </a:fld>
             <a:endParaRPr lang="en-US"/>
           </a:p>
@@ -2296,7 +2715,7 @@
           <a:p>
             <a:fld id="{0D5AADF0-24E5-42BB-97C5-B057390FDDD7}" type="datetimeFigureOut">
               <a:rPr lang="en-US" smtClean="0"/>
-              <a:t>5/8/2020</a:t>
+              <a:t>5/11/2020</a:t>
             </a:fld>
             <a:endParaRPr lang="en-US"/>
           </a:p>
@@ -2663,7 +3082,7 @@
           <a:p>
             <a:fld id="{0D5AADF0-24E5-42BB-97C5-B057390FDDD7}" type="datetimeFigureOut">
               <a:rPr lang="en-US" smtClean="0"/>
-              <a:t>5/8/2020</a:t>
+              <a:t>5/11/2020</a:t>
             </a:fld>
             <a:endParaRPr lang="en-US"/>
           </a:p>
@@ -2781,7 +3200,7 @@
           <a:p>
             <a:fld id="{0D5AADF0-24E5-42BB-97C5-B057390FDDD7}" type="datetimeFigureOut">
               <a:rPr lang="en-US" smtClean="0"/>
-              <a:t>5/8/2020</a:t>
+              <a:t>5/11/2020</a:t>
             </a:fld>
             <a:endParaRPr lang="en-US"/>
           </a:p>
@@ -2876,7 +3295,7 @@
           <a:p>
             <a:fld id="{0D5AADF0-24E5-42BB-97C5-B057390FDDD7}" type="datetimeFigureOut">
               <a:rPr lang="en-US" smtClean="0"/>
-              <a:t>5/8/2020</a:t>
+              <a:t>5/11/2020</a:t>
             </a:fld>
             <a:endParaRPr lang="en-US"/>
           </a:p>
@@ -3153,7 +3572,7 @@
           <a:p>
             <a:fld id="{0D5AADF0-24E5-42BB-97C5-B057390FDDD7}" type="datetimeFigureOut">
               <a:rPr lang="en-US" smtClean="0"/>
-              <a:t>5/8/2020</a:t>
+              <a:t>5/11/2020</a:t>
             </a:fld>
             <a:endParaRPr lang="en-US"/>
           </a:p>
@@ -3406,7 +3825,7 @@
           <a:p>
             <a:fld id="{0D5AADF0-24E5-42BB-97C5-B057390FDDD7}" type="datetimeFigureOut">
               <a:rPr lang="en-US" smtClean="0"/>
-              <a:t>5/8/2020</a:t>
+              <a:t>5/11/2020</a:t>
             </a:fld>
             <a:endParaRPr lang="en-US"/>
           </a:p>
@@ -3619,7 +4038,7 @@
           <a:p>
             <a:fld id="{0D5AADF0-24E5-42BB-97C5-B057390FDDD7}" type="datetimeFigureOut">
               <a:rPr lang="en-US" smtClean="0"/>
-              <a:t>5/8/2020</a:t>
+              <a:t>5/11/2020</a:t>
             </a:fld>
             <a:endParaRPr lang="en-US"/>
           </a:p>
@@ -4260,6 +4679,49 @@
           </a:p>
         </p:txBody>
       </p:sp>
+      <p:sp>
+        <p:nvSpPr>
+          <p:cNvPr id="9" name="Rectangle 8"/>
+          <p:cNvSpPr/>
+          <p:nvPr/>
+        </p:nvSpPr>
+        <p:spPr>
+          <a:xfrm>
+            <a:off x="1692819" y="707984"/>
+            <a:ext cx="1771319" cy="646331"/>
+          </a:xfrm>
+          <a:prstGeom prst="rect">
+            <a:avLst/>
+          </a:prstGeom>
+        </p:spPr>
+        <p:txBody>
+          <a:bodyPr wrap="none">
+            <a:spAutoFit/>
+          </a:bodyPr>
+          <a:lstStyle/>
+          <a:p>
+            <a:pPr marL="285750" indent="-285750">
+              <a:buFontTx/>
+              <a:buChar char="-"/>
+            </a:pPr>
+            <a:r>
+              <a:rPr lang="en-US" dirty="0" smtClean="0"/>
+              <a:t>Check in code</a:t>
+            </a:r>
+          </a:p>
+          <a:p>
+            <a:pPr marL="285750" indent="-285750">
+              <a:buFontTx/>
+              <a:buChar char="-"/>
+            </a:pPr>
+            <a:r>
+              <a:rPr lang="en-US" dirty="0" smtClean="0"/>
+              <a:t>Kicks off build</a:t>
+            </a:r>
+            <a:endParaRPr lang="en-US" dirty="0"/>
+          </a:p>
+        </p:txBody>
+      </p:sp>
     </p:spTree>
     <p:extLst>
       <p:ext uri="{BB962C8B-B14F-4D97-AF65-F5344CB8AC3E}">
@@ -4543,7 +5005,7 @@
         </p:nvSpPr>
         <p:spPr>
           <a:xfrm>
-            <a:off x="8935548" y="2200783"/>
+            <a:off x="8790715" y="2025972"/>
             <a:ext cx="2830583" cy="1200329"/>
           </a:xfrm>
           <a:prstGeom prst="rect">
@@ -4675,6 +5137,173 @@
               <a:rPr lang="en-US" dirty="0" smtClean="0"/>
               <a:t>Container</a:t>
             </a:r>
+          </a:p>
+        </p:txBody>
+      </p:sp>
+      <p:sp>
+        <p:nvSpPr>
+          <p:cNvPr id="2" name="Rectangle 1"/>
+          <p:cNvSpPr/>
+          <p:nvPr/>
+        </p:nvSpPr>
+        <p:spPr>
+          <a:xfrm>
+            <a:off x="5881155" y="2691300"/>
+            <a:ext cx="755335" cy="600164"/>
+          </a:xfrm>
+          <a:prstGeom prst="rect">
+            <a:avLst/>
+          </a:prstGeom>
+        </p:spPr>
+        <p:txBody>
+          <a:bodyPr wrap="none">
+            <a:spAutoFit/>
+          </a:bodyPr>
+          <a:lstStyle/>
+          <a:p>
+            <a:r>
+              <a:rPr lang="en-US" sz="1100" dirty="0" smtClean="0"/>
+              <a:t>Generate </a:t>
+            </a:r>
+          </a:p>
+          <a:p>
+            <a:r>
+              <a:rPr lang="en-US" sz="1100" dirty="0" smtClean="0"/>
+              <a:t>Email </a:t>
+            </a:r>
+          </a:p>
+          <a:p>
+            <a:r>
+              <a:rPr lang="en-US" sz="1100" dirty="0" smtClean="0"/>
+              <a:t>Please</a:t>
+            </a:r>
+            <a:endParaRPr lang="en-US" sz="1100" dirty="0"/>
+          </a:p>
+        </p:txBody>
+      </p:sp>
+      <p:sp>
+        <p:nvSpPr>
+          <p:cNvPr id="12" name="Rectangle 11"/>
+          <p:cNvSpPr/>
+          <p:nvPr/>
+        </p:nvSpPr>
+        <p:spPr>
+          <a:xfrm>
+            <a:off x="4164942" y="3481678"/>
+            <a:ext cx="811441" cy="261610"/>
+          </a:xfrm>
+          <a:prstGeom prst="rect">
+            <a:avLst/>
+          </a:prstGeom>
+        </p:spPr>
+        <p:txBody>
+          <a:bodyPr wrap="none">
+            <a:spAutoFit/>
+          </a:bodyPr>
+          <a:lstStyle/>
+          <a:p>
+            <a:r>
+              <a:rPr lang="en-US" sz="1100" dirty="0" smtClean="0"/>
+              <a:t>Send Email</a:t>
+            </a:r>
+            <a:endParaRPr lang="en-US" sz="1100" dirty="0"/>
+          </a:p>
+        </p:txBody>
+      </p:sp>
+      <p:sp>
+        <p:nvSpPr>
+          <p:cNvPr id="13" name="Rectangle 12"/>
+          <p:cNvSpPr/>
+          <p:nvPr/>
+        </p:nvSpPr>
+        <p:spPr>
+          <a:xfrm>
+            <a:off x="5483193" y="4129922"/>
+            <a:ext cx="2045753" cy="430887"/>
+          </a:xfrm>
+          <a:prstGeom prst="rect">
+            <a:avLst/>
+          </a:prstGeom>
+        </p:spPr>
+        <p:txBody>
+          <a:bodyPr wrap="none">
+            <a:spAutoFit/>
+          </a:bodyPr>
+          <a:lstStyle/>
+          <a:p>
+            <a:r>
+              <a:rPr lang="en-US" sz="1100" dirty="0" smtClean="0"/>
+              <a:t>Was it sent?</a:t>
+            </a:r>
+          </a:p>
+          <a:p>
+            <a:r>
+              <a:rPr lang="en-US" sz="1100" dirty="0" smtClean="0"/>
+              <a:t>Did it contain expected content?</a:t>
+            </a:r>
+            <a:endParaRPr lang="en-US" sz="1100" dirty="0"/>
+          </a:p>
+        </p:txBody>
+      </p:sp>
+      <p:sp>
+        <p:nvSpPr>
+          <p:cNvPr id="3" name="Rectangle 2"/>
+          <p:cNvSpPr/>
+          <p:nvPr/>
+        </p:nvSpPr>
+        <p:spPr>
+          <a:xfrm>
+            <a:off x="2568261" y="5801140"/>
+            <a:ext cx="3865225" cy="369332"/>
+          </a:xfrm>
+          <a:prstGeom prst="rect">
+            <a:avLst/>
+          </a:prstGeom>
+        </p:spPr>
+        <p:txBody>
+          <a:bodyPr wrap="none">
+            <a:spAutoFit/>
+          </a:bodyPr>
+          <a:lstStyle/>
+          <a:p>
+            <a:r>
+              <a:rPr lang="en-US" dirty="0">
+                <a:hlinkClick r:id="rId4"/>
+              </a:rPr>
+              <a:t>http://localhost:8025/api/v2/messages</a:t>
+            </a:r>
+            <a:endParaRPr lang="en-US" dirty="0"/>
+          </a:p>
+        </p:txBody>
+      </p:sp>
+      <p:sp>
+        <p:nvSpPr>
+          <p:cNvPr id="14" name="Rectangle 13"/>
+          <p:cNvSpPr/>
+          <p:nvPr/>
+        </p:nvSpPr>
+        <p:spPr>
+          <a:xfrm>
+            <a:off x="3719001" y="961097"/>
+            <a:ext cx="3142014" cy="369332"/>
+          </a:xfrm>
+          <a:prstGeom prst="rect">
+            <a:avLst/>
+          </a:prstGeom>
+        </p:spPr>
+        <p:txBody>
+          <a:bodyPr wrap="none">
+            <a:spAutoFit/>
+          </a:bodyPr>
+          <a:lstStyle/>
+          <a:p>
+            <a:r>
+              <a:rPr lang="en-US" dirty="0">
+                <a:hlinkClick r:id="rId5"/>
+              </a:rPr>
+              <a:t>http://localhost:8080/swagger/</a:t>
+            </a:r>
+            <a:endParaRPr lang="en-US" dirty="0"/>
           </a:p>
         </p:txBody>
       </p:sp>
@@ -4835,7 +5464,7 @@
         <p:spPr>
           <a:xfrm>
             <a:off x="7183968" y="168384"/>
-            <a:ext cx="4019690" cy="646331"/>
+            <a:ext cx="3795206" cy="369332"/>
           </a:xfrm>
           <a:prstGeom prst="rect">
             <a:avLst/>
@@ -4853,15 +5482,7 @@
             </a:r>
             <a:r>
               <a:rPr lang="en-US" b="1" dirty="0" smtClean="0"/>
-              <a:t>Multi-Stage </a:t>
-            </a:r>
-            <a:r>
-              <a:rPr lang="en-US" b="1" dirty="0"/>
-              <a:t>Docker </a:t>
-            </a:r>
-            <a:r>
-              <a:rPr lang="en-US" b="1" dirty="0" smtClean="0"/>
-              <a:t>File </a:t>
+              <a:t>Docker Compose File </a:t>
             </a:r>
             <a:r>
               <a:rPr lang="en-US" b="1" dirty="0"/>
@@ -4879,13 +5500,7 @@
               <a:rPr lang="en-US" b="1" dirty="0" smtClean="0"/>
               <a:t>)</a:t>
             </a:r>
-            <a:endParaRPr lang="en-US" b="1" dirty="0"/>
-          </a:p>
-          <a:p>
-            <a:r>
-              <a:rPr lang="en-US" b="1" dirty="0" smtClean="0"/>
-              <a:t> </a:t>
-            </a:r>
+            <a:endParaRPr lang="en-US" b="1" dirty="0" smtClean="0"/>
           </a:p>
         </p:txBody>
       </p:sp>
@@ -5067,7 +5682,7 @@
         <p:spPr>
           <a:xfrm>
             <a:off x="3072960" y="3679676"/>
-            <a:ext cx="3454344" cy="830997"/>
+            <a:ext cx="3454344" cy="1077218"/>
           </a:xfrm>
           <a:prstGeom prst="rect">
             <a:avLst/>
@@ -5083,103 +5698,118 @@
           <a:lstStyle/>
           <a:p>
             <a:r>
+              <a:rPr lang="en-US" sz="1600" b="1" i="1" dirty="0">
+                <a:solidFill>
+                  <a:schemeClr val="bg1"/>
+                </a:solidFill>
+              </a:rPr>
+              <a:t>&gt; </a:t>
+            </a:r>
+            <a:r>
+              <a:rPr lang="en-US" sz="1600" b="1" i="1" dirty="0" err="1">
+                <a:solidFill>
+                  <a:schemeClr val="bg1"/>
+                </a:solidFill>
+              </a:rPr>
+              <a:t>docker</a:t>
+            </a:r>
+            <a:r>
+              <a:rPr lang="en-US" sz="1600" b="1" i="1" dirty="0">
+                <a:solidFill>
+                  <a:schemeClr val="bg1"/>
+                </a:solidFill>
+              </a:rPr>
+              <a:t> build </a:t>
+            </a:r>
+            <a:r>
               <a:rPr lang="en-US" sz="1600" b="1" i="1" dirty="0" smtClean="0">
                 <a:solidFill>
                   <a:schemeClr val="bg1"/>
                 </a:solidFill>
               </a:rPr>
-              <a:t>&gt; </a:t>
-            </a:r>
-            <a:r>
-              <a:rPr lang="en-US" sz="1600" b="1" i="1" dirty="0" err="1" smtClean="0">
-                <a:solidFill>
-                  <a:schemeClr val="bg1"/>
-                </a:solidFill>
-              </a:rPr>
-              <a:t>docker</a:t>
-            </a:r>
-            <a:r>
-              <a:rPr lang="en-US" sz="1600" b="1" i="1" dirty="0" smtClean="0">
-                <a:solidFill>
-                  <a:schemeClr val="bg1"/>
-                </a:solidFill>
-              </a:rPr>
-              <a:t> </a:t>
-            </a:r>
-            <a:r>
-              <a:rPr lang="en-US" sz="1600" b="1" i="1" dirty="0">
-                <a:solidFill>
-                  <a:schemeClr val="bg1"/>
-                </a:solidFill>
-              </a:rPr>
-              <a:t>build -t </a:t>
-            </a:r>
-            <a:r>
-              <a:rPr lang="en-US" sz="1600" b="1" i="1" dirty="0" smtClean="0">
-                <a:solidFill>
-                  <a:schemeClr val="bg1"/>
-                </a:solidFill>
-              </a:rPr>
-              <a:t>testing .</a:t>
-            </a:r>
-          </a:p>
-          <a:p>
-            <a:r>
-              <a:rPr lang="en-US" sz="1600" b="1" i="1" dirty="0">
-                <a:solidFill>
-                  <a:schemeClr val="bg1"/>
-                </a:solidFill>
-              </a:rPr>
-              <a:t>&gt; </a:t>
-            </a:r>
-            <a:r>
-              <a:rPr lang="en-US" sz="1600" b="1" i="1" dirty="0" err="1" smtClean="0">
-                <a:solidFill>
-                  <a:schemeClr val="bg1"/>
-                </a:solidFill>
-              </a:rPr>
-              <a:t>docker</a:t>
-            </a:r>
-            <a:r>
-              <a:rPr lang="en-US" sz="1600" b="1" i="1" dirty="0" smtClean="0">
-                <a:solidFill>
-                  <a:schemeClr val="bg1"/>
-                </a:solidFill>
-              </a:rPr>
-              <a:t> </a:t>
-            </a:r>
-            <a:r>
-              <a:rPr lang="en-US" sz="1600" b="1" i="1" dirty="0">
-                <a:solidFill>
-                  <a:schemeClr val="bg1"/>
-                </a:solidFill>
-              </a:rPr>
-              <a:t>run --</a:t>
-            </a:r>
-            <a:r>
-              <a:rPr lang="en-US" sz="1600" b="1" i="1" dirty="0" err="1">
-                <a:solidFill>
-                  <a:schemeClr val="bg1"/>
-                </a:solidFill>
-              </a:rPr>
-              <a:t>rm</a:t>
-            </a:r>
-            <a:r>
-              <a:rPr lang="en-US" sz="1600" b="1" i="1" dirty="0">
-                <a:solidFill>
-                  <a:schemeClr val="bg1"/>
-                </a:solidFill>
-              </a:rPr>
-              <a:t> -it -p 8080:80 testing</a:t>
-            </a:r>
-          </a:p>
-          <a:p>
+              <a:t>.</a:t>
+            </a:r>
             <a:endParaRPr lang="en-US" sz="1600" b="1" i="1" dirty="0">
               <a:solidFill>
                 <a:schemeClr val="bg1"/>
               </a:solidFill>
             </a:endParaRPr>
           </a:p>
+          <a:p>
+            <a:r>
+              <a:rPr lang="en-US" sz="1600" b="1" i="1" dirty="0" smtClean="0">
+                <a:solidFill>
+                  <a:schemeClr val="bg1"/>
+                </a:solidFill>
+              </a:rPr>
+              <a:t>&gt; </a:t>
+            </a:r>
+            <a:r>
+              <a:rPr lang="en-US" sz="1600" b="1" i="1" dirty="0" err="1" smtClean="0">
+                <a:solidFill>
+                  <a:schemeClr val="bg1"/>
+                </a:solidFill>
+              </a:rPr>
+              <a:t>docker</a:t>
+            </a:r>
+            <a:r>
+              <a:rPr lang="en-US" sz="1600" b="1" i="1" dirty="0" smtClean="0">
+                <a:solidFill>
+                  <a:schemeClr val="bg1"/>
+                </a:solidFill>
+              </a:rPr>
+              <a:t> build -t testing .</a:t>
+            </a:r>
+          </a:p>
+          <a:p>
+            <a:r>
+              <a:rPr lang="en-US" sz="1600" b="1" i="1" dirty="0" smtClean="0">
+                <a:solidFill>
+                  <a:schemeClr val="bg1"/>
+                </a:solidFill>
+              </a:rPr>
+              <a:t>&gt; </a:t>
+            </a:r>
+            <a:r>
+              <a:rPr lang="en-US" sz="1600" b="1" i="1" dirty="0" err="1" smtClean="0">
+                <a:solidFill>
+                  <a:schemeClr val="bg1"/>
+                </a:solidFill>
+              </a:rPr>
+              <a:t>docker</a:t>
+            </a:r>
+            <a:r>
+              <a:rPr lang="en-US" sz="1600" b="1" i="1" dirty="0" smtClean="0">
+                <a:solidFill>
+                  <a:schemeClr val="bg1"/>
+                </a:solidFill>
+              </a:rPr>
+              <a:t> run --</a:t>
+            </a:r>
+            <a:r>
+              <a:rPr lang="en-US" sz="1600" b="1" i="1" dirty="0" err="1" smtClean="0">
+                <a:solidFill>
+                  <a:schemeClr val="bg1"/>
+                </a:solidFill>
+              </a:rPr>
+              <a:t>rm</a:t>
+            </a:r>
+            <a:r>
+              <a:rPr lang="en-US" sz="1600" b="1" i="1" dirty="0" smtClean="0">
+                <a:solidFill>
+                  <a:schemeClr val="bg1"/>
+                </a:solidFill>
+              </a:rPr>
+              <a:t> -it -p 8080:80 testing</a:t>
+            </a:r>
+          </a:p>
+          <a:p>
+            <a:endParaRPr lang="en-US" sz="1600" b="1" i="1" dirty="0">
+              <a:solidFill>
+                <a:schemeClr val="bg1"/>
+              </a:solidFill>
+            </a:endParaRPr>
+          </a:p>
         </p:txBody>
       </p:sp>
       <p:sp>
@@ -5515,7 +6145,7 @@
         <p:spPr>
           <a:xfrm>
             <a:off x="9193813" y="1648000"/>
-            <a:ext cx="2818657" cy="338554"/>
+            <a:ext cx="2825069" cy="338554"/>
           </a:xfrm>
           <a:prstGeom prst="rect">
             <a:avLst/>
@@ -5552,8 +6182,21 @@
                   <a:schemeClr val="bg1"/>
                 </a:solidFill>
               </a:rPr>
-              <a:t>-compose up –d –build</a:t>
-            </a:r>
+              <a:t>-compose </a:t>
+            </a:r>
+            <a:r>
+              <a:rPr lang="en-US" sz="1600" b="1" i="1" dirty="0" smtClean="0">
+                <a:solidFill>
+                  <a:schemeClr val="bg1"/>
+                </a:solidFill>
+              </a:rPr>
+              <a:t>up –d  -build</a:t>
+            </a:r>
+            <a:endParaRPr lang="en-US" sz="1600" b="1" i="1" dirty="0">
+              <a:solidFill>
+                <a:schemeClr val="bg1"/>
+              </a:solidFill>
+            </a:endParaRPr>
           </a:p>
         </p:txBody>
       </p:sp>
@@ -5646,6 +6289,104 @@
               </a:rPr>
               <a:t>2</a:t>
             </a:r>
+          </a:p>
+        </p:txBody>
+      </p:sp>
+      <p:sp>
+        <p:nvSpPr>
+          <p:cNvPr id="16" name="Rectangle 15"/>
+          <p:cNvSpPr/>
+          <p:nvPr/>
+        </p:nvSpPr>
+        <p:spPr>
+          <a:xfrm>
+            <a:off x="2407837" y="3660897"/>
+            <a:ext cx="673582" cy="923330"/>
+          </a:xfrm>
+          <a:prstGeom prst="rect">
+            <a:avLst/>
+          </a:prstGeom>
+        </p:spPr>
+        <p:txBody>
+          <a:bodyPr wrap="none">
+            <a:spAutoFit/>
+          </a:bodyPr>
+          <a:lstStyle/>
+          <a:p>
+            <a:pPr algn="r"/>
+            <a:r>
+              <a:rPr lang="en-US" b="1" dirty="0" smtClean="0">
+                <a:solidFill>
+                  <a:srgbClr val="00B050"/>
+                </a:solidFill>
+              </a:rPr>
+              <a:t>Build</a:t>
+            </a:r>
+          </a:p>
+          <a:p>
+            <a:pPr algn="r"/>
+            <a:r>
+              <a:rPr lang="en-US" b="1" dirty="0" smtClean="0">
+                <a:solidFill>
+                  <a:srgbClr val="00B050"/>
+                </a:solidFill>
+              </a:rPr>
+              <a:t>Tag</a:t>
+            </a:r>
+          </a:p>
+          <a:p>
+            <a:pPr algn="r"/>
+            <a:r>
+              <a:rPr lang="en-US" b="1" dirty="0" smtClean="0">
+                <a:solidFill>
+                  <a:srgbClr val="00B050"/>
+                </a:solidFill>
+              </a:rPr>
+              <a:t>Run</a:t>
+            </a:r>
+            <a:endParaRPr lang="en-US" sz="2000" b="1" dirty="0" smtClean="0">
+              <a:solidFill>
+                <a:srgbClr val="00B050"/>
+              </a:solidFill>
+            </a:endParaRPr>
+          </a:p>
+        </p:txBody>
+      </p:sp>
+      <p:sp>
+        <p:nvSpPr>
+          <p:cNvPr id="17" name="Rectangle 16"/>
+          <p:cNvSpPr/>
+          <p:nvPr/>
+        </p:nvSpPr>
+        <p:spPr>
+          <a:xfrm>
+            <a:off x="6492427" y="1605346"/>
+            <a:ext cx="2710422" cy="369332"/>
+          </a:xfrm>
+          <a:prstGeom prst="rect">
+            <a:avLst/>
+          </a:prstGeom>
+        </p:spPr>
+        <p:txBody>
+          <a:bodyPr wrap="none">
+            <a:spAutoFit/>
+          </a:bodyPr>
+          <a:lstStyle/>
+          <a:p>
+            <a:pPr algn="r"/>
+            <a:r>
+              <a:rPr lang="en-US" b="1" dirty="0" smtClean="0">
+                <a:solidFill>
+                  <a:srgbClr val="00B050"/>
+                </a:solidFill>
+              </a:rPr>
+              <a:t>Deploy Multi-Stage  Image</a:t>
+            </a:r>
+            <a:endParaRPr lang="en-US" sz="2000" b="1" dirty="0" smtClean="0">
+              <a:solidFill>
+                <a:srgbClr val="00B050"/>
+              </a:solidFill>
+            </a:endParaRPr>
           </a:p>
         </p:txBody>
       </p:sp>
@@ -6395,7 +7136,7 @@
         <p:spPr>
           <a:xfrm>
             <a:off x="0" y="0"/>
-            <a:ext cx="4101764" cy="523220"/>
+            <a:ext cx="6104043" cy="523220"/>
           </a:xfrm>
           <a:prstGeom prst="rect">
             <a:avLst/>
@@ -6409,8 +7150,13 @@
           <a:p>
             <a:r>
               <a:rPr lang="en-US" sz="2800" b="1" dirty="0" smtClean="0"/>
-              <a:t>CI Server - Tie All Together</a:t>
-            </a:r>
+              <a:t>CI Server </a:t>
+            </a:r>
+            <a:r>
+              <a:rPr lang="en-US" sz="2800" b="1" dirty="0" smtClean="0"/>
+              <a:t>– Attach build with Repository</a:t>
+            </a:r>
+            <a:endParaRPr lang="en-US" sz="2800" b="1" dirty="0" smtClean="0"/>
           </a:p>
         </p:txBody>
       </p:sp>
@@ -6694,6 +7440,2066 @@
     <p:extLst>
       <p:ext uri="{BB962C8B-B14F-4D97-AF65-F5344CB8AC3E}">
         <p14:creationId xmlns:p14="http://schemas.microsoft.com/office/powerpoint/2010/main" val="337418092"/>
+      </p:ext>
+    </p:extLst>
+  </p:cSld>
+  <p:clrMapOvr>
+    <a:masterClrMapping/>
+  </p:clrMapOvr>
+  <p:timing>
+    <p:tnLst>
+      <p:par>
+        <p:cTn id="1" dur="indefinite" restart="never" nodeType="tmRoot"/>
+      </p:par>
+    </p:tnLst>
+  </p:timing>
+</p:sld>
+</file>
+
+<file path=ppt/slides/slide7.xml><?xml version="1.0" encoding="utf-8"?>
+<p:sld xmlns:a="http://schemas.openxmlformats.org/drawingml/2006/main" xmlns:r="http://schemas.openxmlformats.org/officeDocument/2006/relationships" xmlns:p="http://schemas.openxmlformats.org/presentationml/2006/main">
+  <p:cSld>
+    <p:spTree>
+      <p:nvGrpSpPr>
+        <p:cNvPr id="1" name=""/>
+        <p:cNvGrpSpPr/>
+        <p:nvPr/>
+      </p:nvGrpSpPr>
+      <p:grpSpPr>
+        <a:xfrm>
+          <a:off x="0" y="0"/>
+          <a:ext cx="0" cy="0"/>
+          <a:chOff x="0" y="0"/>
+          <a:chExt cx="0" cy="0"/>
+        </a:xfrm>
+      </p:grpSpPr>
+      <p:sp>
+        <p:nvSpPr>
+          <p:cNvPr id="4" name="Rectangle 3"/>
+          <p:cNvSpPr/>
+          <p:nvPr/>
+        </p:nvSpPr>
+        <p:spPr>
+          <a:xfrm>
+            <a:off x="0" y="0"/>
+            <a:ext cx="2958374" cy="523220"/>
+          </a:xfrm>
+          <a:prstGeom prst="rect">
+            <a:avLst/>
+          </a:prstGeom>
+        </p:spPr>
+        <p:txBody>
+          <a:bodyPr wrap="none">
+            <a:spAutoFit/>
+          </a:bodyPr>
+          <a:lstStyle/>
+          <a:p>
+            <a:r>
+              <a:rPr lang="en-US" sz="2800" b="1" dirty="0" smtClean="0"/>
+              <a:t>Integration </a:t>
+            </a:r>
+            <a:r>
+              <a:rPr lang="en-US" sz="2800" b="1" dirty="0" smtClean="0"/>
+              <a:t>Testing</a:t>
+            </a:r>
+            <a:endParaRPr lang="en-US" sz="2800" b="1" dirty="0" smtClean="0"/>
+          </a:p>
+        </p:txBody>
+      </p:sp>
+      <p:sp>
+        <p:nvSpPr>
+          <p:cNvPr id="2" name="Rectangle 1"/>
+          <p:cNvSpPr/>
+          <p:nvPr/>
+        </p:nvSpPr>
+        <p:spPr>
+          <a:xfrm>
+            <a:off x="6081988" y="73212"/>
+            <a:ext cx="6096000" cy="369332"/>
+          </a:xfrm>
+          <a:prstGeom prst="rect">
+            <a:avLst/>
+          </a:prstGeom>
+        </p:spPr>
+        <p:txBody>
+          <a:bodyPr>
+            <a:spAutoFit/>
+          </a:bodyPr>
+          <a:lstStyle/>
+          <a:p>
+            <a:r>
+              <a:rPr lang="en-US" b="1" dirty="0" smtClean="0"/>
+              <a:t>separate </a:t>
+            </a:r>
+            <a:r>
+              <a:rPr lang="en-US" b="1" dirty="0"/>
+              <a:t>project to request from REST, test receipt by </a:t>
+            </a:r>
+            <a:r>
+              <a:rPr lang="en-US" b="1" dirty="0" err="1"/>
+              <a:t>Mailhog</a:t>
+            </a:r>
+            <a:endParaRPr lang="en-US" dirty="0"/>
+          </a:p>
+        </p:txBody>
+      </p:sp>
+      <p:sp>
+        <p:nvSpPr>
+          <p:cNvPr id="5" name="Rectangle 4"/>
+          <p:cNvSpPr/>
+          <p:nvPr/>
+        </p:nvSpPr>
+        <p:spPr>
+          <a:xfrm>
+            <a:off x="756913" y="3667566"/>
+            <a:ext cx="6096000" cy="2862322"/>
+          </a:xfrm>
+          <a:prstGeom prst="rect">
+            <a:avLst/>
+          </a:prstGeom>
+        </p:spPr>
+        <p:txBody>
+          <a:bodyPr>
+            <a:spAutoFit/>
+          </a:bodyPr>
+          <a:lstStyle/>
+          <a:p>
+            <a:r>
+              <a:rPr lang="en-US" dirty="0" smtClean="0">
+                <a:solidFill>
+                  <a:srgbClr val="569CD6"/>
+                </a:solidFill>
+                <a:latin typeface="Consolas" panose="020B0609020204030204" pitchFamily="49" charset="0"/>
+              </a:rPr>
+              <a:t>FROM</a:t>
+            </a:r>
+            <a:r>
+              <a:rPr lang="en-US" dirty="0" smtClean="0">
+                <a:solidFill>
+                  <a:srgbClr val="D4D4D4"/>
+                </a:solidFill>
+                <a:latin typeface="Consolas" panose="020B0609020204030204" pitchFamily="49" charset="0"/>
+              </a:rPr>
+              <a:t> </a:t>
+            </a:r>
+            <a:r>
+              <a:rPr lang="en-US" dirty="0" err="1" smtClean="0">
+                <a:solidFill>
+                  <a:srgbClr val="D4D4D4"/>
+                </a:solidFill>
+                <a:latin typeface="Consolas" panose="020B0609020204030204" pitchFamily="49" charset="0"/>
+              </a:rPr>
+              <a:t>microsoft</a:t>
+            </a:r>
+            <a:r>
+              <a:rPr lang="en-US" dirty="0" smtClean="0">
+                <a:solidFill>
+                  <a:srgbClr val="D4D4D4"/>
+                </a:solidFill>
+                <a:latin typeface="Consolas" panose="020B0609020204030204" pitchFamily="49" charset="0"/>
+              </a:rPr>
+              <a:t>/dotnet:2-sdk</a:t>
+            </a:r>
+          </a:p>
+          <a:p>
+            <a:r>
+              <a:rPr lang="en-US" dirty="0" smtClean="0">
+                <a:solidFill>
+                  <a:srgbClr val="569CD6"/>
+                </a:solidFill>
+                <a:latin typeface="Consolas" panose="020B0609020204030204" pitchFamily="49" charset="0"/>
+              </a:rPr>
+              <a:t>WORKDIR</a:t>
+            </a:r>
+            <a:r>
+              <a:rPr lang="en-US" dirty="0" smtClean="0">
+                <a:solidFill>
+                  <a:srgbClr val="D4D4D4"/>
+                </a:solidFill>
+                <a:latin typeface="Consolas" panose="020B0609020204030204" pitchFamily="49" charset="0"/>
+              </a:rPr>
+              <a:t> /integration</a:t>
+            </a:r>
+          </a:p>
+          <a:p>
+            <a:r>
+              <a:rPr lang="en-US" dirty="0" smtClean="0">
+                <a:solidFill>
+                  <a:srgbClr val="D4D4D4"/>
+                </a:solidFill>
+                <a:latin typeface="Consolas" panose="020B0609020204030204" pitchFamily="49" charset="0"/>
+              </a:rPr>
+              <a:t/>
+            </a:r>
+            <a:br>
+              <a:rPr lang="en-US" dirty="0" smtClean="0">
+                <a:solidFill>
+                  <a:srgbClr val="D4D4D4"/>
+                </a:solidFill>
+                <a:latin typeface="Consolas" panose="020B0609020204030204" pitchFamily="49" charset="0"/>
+              </a:rPr>
+            </a:br>
+            <a:r>
+              <a:rPr lang="en-US" dirty="0" smtClean="0">
+                <a:solidFill>
+                  <a:srgbClr val="569CD6"/>
+                </a:solidFill>
+                <a:latin typeface="Consolas" panose="020B0609020204030204" pitchFamily="49" charset="0"/>
+              </a:rPr>
+              <a:t>COPY</a:t>
+            </a:r>
+            <a:r>
+              <a:rPr lang="en-US" dirty="0" smtClean="0">
+                <a:solidFill>
+                  <a:srgbClr val="D4D4D4"/>
+                </a:solidFill>
+                <a:latin typeface="Consolas" panose="020B0609020204030204" pitchFamily="49" charset="0"/>
+              </a:rPr>
+              <a:t> </a:t>
+            </a:r>
+            <a:r>
+              <a:rPr lang="en-US" dirty="0" err="1" smtClean="0">
+                <a:solidFill>
+                  <a:srgbClr val="D4D4D4"/>
+                </a:solidFill>
+                <a:latin typeface="Consolas" panose="020B0609020204030204" pitchFamily="49" charset="0"/>
+              </a:rPr>
+              <a:t>integration.csproj</a:t>
+            </a:r>
+            <a:r>
+              <a:rPr lang="en-US" dirty="0" smtClean="0">
+                <a:solidFill>
+                  <a:srgbClr val="D4D4D4"/>
+                </a:solidFill>
+                <a:latin typeface="Consolas" panose="020B0609020204030204" pitchFamily="49" charset="0"/>
+              </a:rPr>
+              <a:t> .</a:t>
+            </a:r>
+          </a:p>
+          <a:p>
+            <a:r>
+              <a:rPr lang="en-US" dirty="0" smtClean="0">
+                <a:solidFill>
+                  <a:srgbClr val="569CD6"/>
+                </a:solidFill>
+                <a:latin typeface="Consolas" panose="020B0609020204030204" pitchFamily="49" charset="0"/>
+              </a:rPr>
+              <a:t>RUN</a:t>
+            </a:r>
+            <a:r>
+              <a:rPr lang="en-US" dirty="0" smtClean="0">
+                <a:solidFill>
+                  <a:srgbClr val="D4D4D4"/>
+                </a:solidFill>
+                <a:latin typeface="Consolas" panose="020B0609020204030204" pitchFamily="49" charset="0"/>
+              </a:rPr>
+              <a:t> </a:t>
+            </a:r>
+            <a:r>
+              <a:rPr lang="en-US" dirty="0" err="1" smtClean="0">
+                <a:solidFill>
+                  <a:srgbClr val="D4D4D4"/>
+                </a:solidFill>
+                <a:latin typeface="Consolas" panose="020B0609020204030204" pitchFamily="49" charset="0"/>
+              </a:rPr>
+              <a:t>dotnet</a:t>
+            </a:r>
+            <a:r>
+              <a:rPr lang="en-US" dirty="0" smtClean="0">
+                <a:solidFill>
+                  <a:srgbClr val="D4D4D4"/>
+                </a:solidFill>
+                <a:latin typeface="Consolas" panose="020B0609020204030204" pitchFamily="49" charset="0"/>
+              </a:rPr>
+              <a:t> restore</a:t>
+            </a:r>
+          </a:p>
+          <a:p>
+            <a:r>
+              <a:rPr lang="en-US" dirty="0" smtClean="0">
+                <a:solidFill>
+                  <a:srgbClr val="D4D4D4"/>
+                </a:solidFill>
+                <a:latin typeface="Consolas" panose="020B0609020204030204" pitchFamily="49" charset="0"/>
+              </a:rPr>
+              <a:t/>
+            </a:r>
+            <a:br>
+              <a:rPr lang="en-US" dirty="0" smtClean="0">
+                <a:solidFill>
+                  <a:srgbClr val="D4D4D4"/>
+                </a:solidFill>
+                <a:latin typeface="Consolas" panose="020B0609020204030204" pitchFamily="49" charset="0"/>
+              </a:rPr>
+            </a:br>
+            <a:r>
+              <a:rPr lang="en-US" dirty="0" smtClean="0">
+                <a:solidFill>
+                  <a:srgbClr val="569CD6"/>
+                </a:solidFill>
+                <a:latin typeface="Consolas" panose="020B0609020204030204" pitchFamily="49" charset="0"/>
+              </a:rPr>
+              <a:t>COPY</a:t>
+            </a:r>
+            <a:r>
+              <a:rPr lang="en-US" dirty="0" smtClean="0">
+                <a:solidFill>
+                  <a:srgbClr val="D4D4D4"/>
+                </a:solidFill>
+                <a:latin typeface="Consolas" panose="020B0609020204030204" pitchFamily="49" charset="0"/>
+              </a:rPr>
+              <a:t> . .</a:t>
+            </a:r>
+          </a:p>
+          <a:p>
+            <a:r>
+              <a:rPr lang="en-US" dirty="0" smtClean="0">
+                <a:solidFill>
+                  <a:srgbClr val="569CD6"/>
+                </a:solidFill>
+                <a:latin typeface="Consolas" panose="020B0609020204030204" pitchFamily="49" charset="0"/>
+              </a:rPr>
+              <a:t>ENTRYPOINT</a:t>
+            </a:r>
+            <a:r>
+              <a:rPr lang="en-US" dirty="0" smtClean="0">
+                <a:solidFill>
+                  <a:srgbClr val="D4D4D4"/>
+                </a:solidFill>
+                <a:latin typeface="Consolas" panose="020B0609020204030204" pitchFamily="49" charset="0"/>
+              </a:rPr>
+              <a:t> [</a:t>
+            </a:r>
+            <a:r>
+              <a:rPr lang="en-US" dirty="0" smtClean="0">
+                <a:solidFill>
+                  <a:srgbClr val="CE9178"/>
+                </a:solidFill>
+                <a:latin typeface="Consolas" panose="020B0609020204030204" pitchFamily="49" charset="0"/>
+              </a:rPr>
+              <a:t>"</a:t>
+            </a:r>
+            <a:r>
+              <a:rPr lang="en-US" dirty="0" err="1" smtClean="0">
+                <a:solidFill>
+                  <a:srgbClr val="CE9178"/>
+                </a:solidFill>
+                <a:latin typeface="Consolas" panose="020B0609020204030204" pitchFamily="49" charset="0"/>
+              </a:rPr>
+              <a:t>dotnet</a:t>
+            </a:r>
+            <a:r>
+              <a:rPr lang="en-US" dirty="0" smtClean="0">
+                <a:solidFill>
+                  <a:srgbClr val="CE9178"/>
+                </a:solidFill>
+                <a:latin typeface="Consolas" panose="020B0609020204030204" pitchFamily="49" charset="0"/>
+              </a:rPr>
+              <a:t>"</a:t>
+            </a:r>
+            <a:r>
+              <a:rPr lang="en-US" dirty="0" smtClean="0">
+                <a:solidFill>
+                  <a:srgbClr val="D4D4D4"/>
+                </a:solidFill>
+                <a:latin typeface="Consolas" panose="020B0609020204030204" pitchFamily="49" charset="0"/>
+              </a:rPr>
+              <a:t>, </a:t>
+            </a:r>
+            <a:r>
+              <a:rPr lang="en-US" dirty="0" smtClean="0">
+                <a:solidFill>
+                  <a:srgbClr val="CE9178"/>
+                </a:solidFill>
+                <a:latin typeface="Consolas" panose="020B0609020204030204" pitchFamily="49" charset="0"/>
+              </a:rPr>
+              <a:t>"test"</a:t>
+            </a:r>
+            <a:r>
+              <a:rPr lang="en-US" dirty="0" smtClean="0">
+                <a:solidFill>
+                  <a:srgbClr val="D4D4D4"/>
+                </a:solidFill>
+                <a:latin typeface="Consolas" panose="020B0609020204030204" pitchFamily="49" charset="0"/>
+              </a:rPr>
+              <a:t>]</a:t>
+            </a:r>
+          </a:p>
+          <a:p>
+            <a:r>
+              <a:rPr lang="en-US" dirty="0" smtClean="0">
+                <a:solidFill>
+                  <a:srgbClr val="D4D4D4"/>
+                </a:solidFill>
+                <a:latin typeface="Consolas" panose="020B0609020204030204" pitchFamily="49" charset="0"/>
+              </a:rPr>
+              <a:t/>
+            </a:r>
+            <a:br>
+              <a:rPr lang="en-US" dirty="0" smtClean="0">
+                <a:solidFill>
+                  <a:srgbClr val="D4D4D4"/>
+                </a:solidFill>
+                <a:latin typeface="Consolas" panose="020B0609020204030204" pitchFamily="49" charset="0"/>
+              </a:rPr>
+            </a:br>
+            <a:endParaRPr lang="en-US" b="0" dirty="0">
+              <a:solidFill>
+                <a:srgbClr val="D4D4D4"/>
+              </a:solidFill>
+              <a:effectLst/>
+              <a:latin typeface="Consolas" panose="020B0609020204030204" pitchFamily="49" charset="0"/>
+            </a:endParaRPr>
+          </a:p>
+        </p:txBody>
+      </p:sp>
+      <p:sp>
+        <p:nvSpPr>
+          <p:cNvPr id="8" name="Rectangle 7"/>
+          <p:cNvSpPr/>
+          <p:nvPr/>
+        </p:nvSpPr>
+        <p:spPr>
+          <a:xfrm>
+            <a:off x="7353628" y="6211669"/>
+            <a:ext cx="6096000" cy="646331"/>
+          </a:xfrm>
+          <a:prstGeom prst="rect">
+            <a:avLst/>
+          </a:prstGeom>
+        </p:spPr>
+        <p:txBody>
+          <a:bodyPr>
+            <a:spAutoFit/>
+          </a:bodyPr>
+          <a:lstStyle/>
+          <a:p>
+            <a:r>
+              <a:rPr lang="en-US" dirty="0" err="1" smtClean="0"/>
+              <a:t>MailHog</a:t>
+            </a:r>
+            <a:r>
+              <a:rPr lang="en-US" dirty="0"/>
+              <a:t>: </a:t>
+            </a:r>
+            <a:r>
+              <a:rPr lang="en-US" dirty="0">
+                <a:hlinkClick r:id="rId3"/>
+              </a:rPr>
+              <a:t>http://localhost:8025/api/v2/messages</a:t>
+            </a:r>
+            <a:endParaRPr lang="en-US" dirty="0"/>
+          </a:p>
+          <a:p>
+            <a:r>
+              <a:rPr lang="en-US" dirty="0" smtClean="0"/>
+              <a:t>Generator </a:t>
+            </a:r>
+            <a:r>
+              <a:rPr lang="en-US" dirty="0"/>
+              <a:t>API: </a:t>
+            </a:r>
+            <a:r>
+              <a:rPr lang="en-US" dirty="0">
+                <a:hlinkClick r:id="rId3"/>
+              </a:rPr>
+              <a:t>http://</a:t>
+            </a:r>
+            <a:r>
+              <a:rPr lang="en-US" dirty="0" smtClean="0">
+                <a:hlinkClick r:id="rId3"/>
+              </a:rPr>
+              <a:t>localhost:8080</a:t>
+            </a:r>
+            <a:r>
+              <a:rPr lang="en-US" dirty="0" smtClean="0"/>
+              <a:t>/swagger      </a:t>
+            </a:r>
+            <a:endParaRPr lang="en-US" dirty="0"/>
+          </a:p>
+        </p:txBody>
+      </p:sp>
+      <p:sp>
+        <p:nvSpPr>
+          <p:cNvPr id="11" name="Rectangle 10"/>
+          <p:cNvSpPr/>
+          <p:nvPr/>
+        </p:nvSpPr>
+        <p:spPr>
+          <a:xfrm>
+            <a:off x="423717" y="3144346"/>
+            <a:ext cx="5617170" cy="646331"/>
+          </a:xfrm>
+          <a:prstGeom prst="rect">
+            <a:avLst/>
+          </a:prstGeom>
+        </p:spPr>
+        <p:txBody>
+          <a:bodyPr wrap="square">
+            <a:spAutoFit/>
+          </a:bodyPr>
+          <a:lstStyle/>
+          <a:p>
+            <a:r>
+              <a:rPr lang="en-US" b="1" dirty="0"/>
+              <a:t>Developing Project Docker </a:t>
+            </a:r>
+            <a:r>
+              <a:rPr lang="en-US" b="1" dirty="0" smtClean="0"/>
+              <a:t>File: </a:t>
+            </a:r>
+            <a:r>
+              <a:rPr lang="en-US" dirty="0"/>
+              <a:t>/integration/</a:t>
+            </a:r>
+            <a:r>
+              <a:rPr lang="en-US" dirty="0" err="1"/>
+              <a:t>dockerfile</a:t>
+            </a:r>
+            <a:endParaRPr lang="en-US" dirty="0"/>
+          </a:p>
+          <a:p>
+            <a:endParaRPr lang="en-US" b="1" dirty="0"/>
+          </a:p>
+        </p:txBody>
+      </p:sp>
+      <p:sp>
+        <p:nvSpPr>
+          <p:cNvPr id="12" name="Rectangle 11"/>
+          <p:cNvSpPr/>
+          <p:nvPr/>
+        </p:nvSpPr>
+        <p:spPr>
+          <a:xfrm>
+            <a:off x="6415904" y="2012125"/>
+            <a:ext cx="5357942" cy="369332"/>
+          </a:xfrm>
+          <a:prstGeom prst="rect">
+            <a:avLst/>
+          </a:prstGeom>
+        </p:spPr>
+        <p:txBody>
+          <a:bodyPr wrap="none">
+            <a:spAutoFit/>
+          </a:bodyPr>
+          <a:lstStyle/>
+          <a:p>
+            <a:r>
+              <a:rPr lang="en-US" dirty="0"/>
+              <a:t>- </a:t>
+            </a:r>
+            <a:r>
+              <a:rPr lang="en-US" b="1" dirty="0" smtClean="0"/>
+              <a:t>Docker Compose File </a:t>
+            </a:r>
+            <a:r>
+              <a:rPr lang="en-US" dirty="0" smtClean="0"/>
+              <a:t>/integration/</a:t>
+            </a:r>
+            <a:r>
+              <a:rPr lang="en-US" dirty="0" err="1" smtClean="0"/>
+              <a:t>docker-compse.yml</a:t>
+            </a:r>
+            <a:endParaRPr lang="en-US" dirty="0"/>
+          </a:p>
+        </p:txBody>
+      </p:sp>
+      <p:sp>
+        <p:nvSpPr>
+          <p:cNvPr id="14" name="Rectangle 13"/>
+          <p:cNvSpPr/>
+          <p:nvPr/>
+        </p:nvSpPr>
+        <p:spPr>
+          <a:xfrm>
+            <a:off x="90521" y="3144346"/>
+            <a:ext cx="367408" cy="523220"/>
+          </a:xfrm>
+          <a:prstGeom prst="rect">
+            <a:avLst/>
+          </a:prstGeom>
+        </p:spPr>
+        <p:txBody>
+          <a:bodyPr wrap="none">
+            <a:spAutoFit/>
+          </a:bodyPr>
+          <a:lstStyle/>
+          <a:p>
+            <a:r>
+              <a:rPr lang="en-US" sz="2800" b="1" dirty="0" smtClean="0">
+                <a:solidFill>
+                  <a:srgbClr val="00B050"/>
+                </a:solidFill>
+              </a:rPr>
+              <a:t>2</a:t>
+            </a:r>
+            <a:endParaRPr lang="en-US" sz="2800" b="1" dirty="0">
+              <a:solidFill>
+                <a:srgbClr val="00B050"/>
+              </a:solidFill>
+            </a:endParaRPr>
+          </a:p>
+        </p:txBody>
+      </p:sp>
+      <p:sp>
+        <p:nvSpPr>
+          <p:cNvPr id="15" name="Rectangle 14"/>
+          <p:cNvSpPr/>
+          <p:nvPr/>
+        </p:nvSpPr>
+        <p:spPr>
+          <a:xfrm>
+            <a:off x="56733" y="456768"/>
+            <a:ext cx="367408" cy="523220"/>
+          </a:xfrm>
+          <a:prstGeom prst="rect">
+            <a:avLst/>
+          </a:prstGeom>
+        </p:spPr>
+        <p:txBody>
+          <a:bodyPr wrap="none">
+            <a:spAutoFit/>
+          </a:bodyPr>
+          <a:lstStyle/>
+          <a:p>
+            <a:r>
+              <a:rPr lang="en-US" sz="2800" b="1" dirty="0" smtClean="0">
+                <a:solidFill>
+                  <a:srgbClr val="00B050"/>
+                </a:solidFill>
+              </a:rPr>
+              <a:t>1</a:t>
+            </a:r>
+            <a:endParaRPr lang="en-US" sz="2800" b="1" dirty="0">
+              <a:solidFill>
+                <a:srgbClr val="00B050"/>
+              </a:solidFill>
+            </a:endParaRPr>
+          </a:p>
+        </p:txBody>
+      </p:sp>
+      <p:sp>
+        <p:nvSpPr>
+          <p:cNvPr id="16" name="Rectangle 15"/>
+          <p:cNvSpPr/>
+          <p:nvPr/>
+        </p:nvSpPr>
+        <p:spPr>
+          <a:xfrm>
+            <a:off x="709297" y="909059"/>
+            <a:ext cx="2752360" cy="2031325"/>
+          </a:xfrm>
+          <a:prstGeom prst="rect">
+            <a:avLst/>
+          </a:prstGeom>
+          <a:solidFill>
+            <a:schemeClr val="tx1"/>
+          </a:solidFill>
+        </p:spPr>
+        <p:txBody>
+          <a:bodyPr wrap="square">
+            <a:spAutoFit/>
+          </a:bodyPr>
+          <a:lstStyle/>
+          <a:p>
+            <a:r>
+              <a:rPr lang="en-US" dirty="0" smtClean="0">
+                <a:solidFill>
+                  <a:schemeClr val="bg1"/>
+                </a:solidFill>
+              </a:rPr>
+              <a:t>&gt; </a:t>
+            </a:r>
+            <a:r>
+              <a:rPr lang="en-US" dirty="0" err="1" smtClean="0">
+                <a:solidFill>
+                  <a:schemeClr val="bg1"/>
+                </a:solidFill>
+              </a:rPr>
+              <a:t>Mkdir</a:t>
+            </a:r>
+            <a:r>
+              <a:rPr lang="en-US" dirty="0" smtClean="0">
+                <a:solidFill>
+                  <a:schemeClr val="bg1"/>
+                </a:solidFill>
+              </a:rPr>
+              <a:t> ./integrations</a:t>
+            </a:r>
+          </a:p>
+          <a:p>
+            <a:r>
+              <a:rPr lang="en-US" dirty="0">
+                <a:solidFill>
+                  <a:schemeClr val="bg1"/>
+                </a:solidFill>
+              </a:rPr>
+              <a:t>&gt; </a:t>
+            </a:r>
+            <a:r>
+              <a:rPr lang="en-US" dirty="0" err="1" smtClean="0">
+                <a:solidFill>
+                  <a:schemeClr val="bg1"/>
+                </a:solidFill>
+              </a:rPr>
+              <a:t>dotnet</a:t>
+            </a:r>
+            <a:r>
+              <a:rPr lang="en-US" dirty="0" smtClean="0">
+                <a:solidFill>
+                  <a:schemeClr val="bg1"/>
+                </a:solidFill>
+              </a:rPr>
+              <a:t> add package …</a:t>
+            </a:r>
+          </a:p>
+          <a:p>
+            <a:r>
+              <a:rPr lang="en-US" dirty="0">
+                <a:solidFill>
+                  <a:schemeClr val="bg1"/>
+                </a:solidFill>
+              </a:rPr>
+              <a:t>&gt; </a:t>
+            </a:r>
+            <a:r>
+              <a:rPr lang="en-US" dirty="0" err="1" smtClean="0">
+                <a:solidFill>
+                  <a:schemeClr val="bg1"/>
+                </a:solidFill>
+              </a:rPr>
+              <a:t>dotnet</a:t>
+            </a:r>
+            <a:r>
+              <a:rPr lang="en-US" dirty="0" smtClean="0">
+                <a:solidFill>
+                  <a:schemeClr val="bg1"/>
+                </a:solidFill>
+              </a:rPr>
+              <a:t> new </a:t>
+            </a:r>
+            <a:r>
+              <a:rPr lang="en-US" dirty="0" err="1" smtClean="0">
+                <a:solidFill>
+                  <a:schemeClr val="bg1"/>
+                </a:solidFill>
+              </a:rPr>
+              <a:t>xunit</a:t>
+            </a:r>
+            <a:endParaRPr lang="en-US" dirty="0" smtClean="0">
+              <a:solidFill>
+                <a:schemeClr val="bg1"/>
+              </a:solidFill>
+            </a:endParaRPr>
+          </a:p>
+          <a:p>
+            <a:r>
+              <a:rPr lang="en-US" dirty="0" smtClean="0">
+                <a:solidFill>
+                  <a:schemeClr val="bg1"/>
+                </a:solidFill>
+              </a:rPr>
+              <a:t>Write </a:t>
+            </a:r>
+            <a:r>
+              <a:rPr lang="en-US" dirty="0" err="1" smtClean="0">
+                <a:solidFill>
+                  <a:schemeClr val="bg1"/>
+                </a:solidFill>
+              </a:rPr>
+              <a:t>testd</a:t>
+            </a:r>
+            <a:r>
+              <a:rPr lang="en-US" dirty="0" smtClean="0">
+                <a:solidFill>
+                  <a:schemeClr val="bg1"/>
+                </a:solidFill>
+              </a:rPr>
+              <a:t> code</a:t>
+            </a:r>
+          </a:p>
+          <a:p>
+            <a:r>
+              <a:rPr lang="en-US" dirty="0">
+                <a:solidFill>
+                  <a:schemeClr val="bg1"/>
+                </a:solidFill>
+              </a:rPr>
+              <a:t>&gt; </a:t>
+            </a:r>
+            <a:r>
+              <a:rPr lang="en-US" dirty="0" err="1" smtClean="0">
+                <a:solidFill>
+                  <a:schemeClr val="bg1"/>
+                </a:solidFill>
+              </a:rPr>
+              <a:t>dotnet</a:t>
+            </a:r>
+            <a:r>
+              <a:rPr lang="en-US" dirty="0" smtClean="0">
+                <a:solidFill>
+                  <a:schemeClr val="bg1"/>
+                </a:solidFill>
+              </a:rPr>
+              <a:t> restore</a:t>
+            </a:r>
+          </a:p>
+          <a:p>
+            <a:r>
+              <a:rPr lang="en-US" dirty="0">
+                <a:solidFill>
+                  <a:schemeClr val="bg1"/>
+                </a:solidFill>
+              </a:rPr>
+              <a:t>&gt; </a:t>
+            </a:r>
+            <a:r>
+              <a:rPr lang="en-US" dirty="0" err="1" smtClean="0">
+                <a:solidFill>
+                  <a:schemeClr val="bg1"/>
+                </a:solidFill>
+              </a:rPr>
+              <a:t>dotnet</a:t>
+            </a:r>
+            <a:r>
+              <a:rPr lang="en-US" dirty="0" smtClean="0">
+                <a:solidFill>
+                  <a:schemeClr val="bg1"/>
+                </a:solidFill>
+              </a:rPr>
+              <a:t> build</a:t>
+            </a:r>
+          </a:p>
+          <a:p>
+            <a:r>
+              <a:rPr lang="en-US" dirty="0">
+                <a:solidFill>
+                  <a:schemeClr val="bg1"/>
+                </a:solidFill>
+              </a:rPr>
+              <a:t>&gt; </a:t>
+            </a:r>
+            <a:r>
+              <a:rPr lang="en-US" dirty="0" err="1" smtClean="0">
+                <a:solidFill>
+                  <a:schemeClr val="bg1"/>
+                </a:solidFill>
+              </a:rPr>
+              <a:t>dotnet</a:t>
+            </a:r>
+            <a:r>
+              <a:rPr lang="en-US" dirty="0" smtClean="0">
+                <a:solidFill>
+                  <a:schemeClr val="bg1"/>
+                </a:solidFill>
+              </a:rPr>
+              <a:t> test</a:t>
+            </a:r>
+            <a:endParaRPr lang="en-US" dirty="0">
+              <a:solidFill>
+                <a:schemeClr val="bg1"/>
+              </a:solidFill>
+            </a:endParaRPr>
+          </a:p>
+        </p:txBody>
+      </p:sp>
+      <p:sp>
+        <p:nvSpPr>
+          <p:cNvPr id="17" name="Rectangle 16"/>
+          <p:cNvSpPr/>
+          <p:nvPr/>
+        </p:nvSpPr>
+        <p:spPr>
+          <a:xfrm>
+            <a:off x="423717" y="587536"/>
+            <a:ext cx="3644909" cy="369332"/>
+          </a:xfrm>
+          <a:prstGeom prst="rect">
+            <a:avLst/>
+          </a:prstGeom>
+        </p:spPr>
+        <p:txBody>
+          <a:bodyPr wrap="none">
+            <a:spAutoFit/>
+          </a:bodyPr>
+          <a:lstStyle/>
+          <a:p>
+            <a:r>
+              <a:rPr lang="en-US" b="1" dirty="0"/>
+              <a:t>Developing </a:t>
+            </a:r>
+            <a:r>
+              <a:rPr lang="en-US" b="1" dirty="0" smtClean="0"/>
+              <a:t>Integration Test Project: </a:t>
+            </a:r>
+            <a:endParaRPr lang="en-US" dirty="0"/>
+          </a:p>
+        </p:txBody>
+      </p:sp>
+      <p:sp>
+        <p:nvSpPr>
+          <p:cNvPr id="18" name="Rectangle 17"/>
+          <p:cNvSpPr/>
+          <p:nvPr/>
+        </p:nvSpPr>
+        <p:spPr>
+          <a:xfrm>
+            <a:off x="5630635" y="523567"/>
+            <a:ext cx="367408" cy="523220"/>
+          </a:xfrm>
+          <a:prstGeom prst="rect">
+            <a:avLst/>
+          </a:prstGeom>
+        </p:spPr>
+        <p:txBody>
+          <a:bodyPr wrap="none">
+            <a:spAutoFit/>
+          </a:bodyPr>
+          <a:lstStyle/>
+          <a:p>
+            <a:r>
+              <a:rPr lang="en-US" sz="2800" b="1" dirty="0" smtClean="0">
+                <a:solidFill>
+                  <a:srgbClr val="00B050"/>
+                </a:solidFill>
+              </a:rPr>
+              <a:t>3</a:t>
+            </a:r>
+            <a:endParaRPr lang="en-US" sz="2800" b="1" dirty="0">
+              <a:solidFill>
+                <a:srgbClr val="00B050"/>
+              </a:solidFill>
+            </a:endParaRPr>
+          </a:p>
+        </p:txBody>
+      </p:sp>
+      <p:sp>
+        <p:nvSpPr>
+          <p:cNvPr id="19" name="Rectangle 18"/>
+          <p:cNvSpPr/>
+          <p:nvPr/>
+        </p:nvSpPr>
+        <p:spPr>
+          <a:xfrm>
+            <a:off x="6215277" y="1091032"/>
+            <a:ext cx="5603970" cy="646331"/>
+          </a:xfrm>
+          <a:prstGeom prst="rect">
+            <a:avLst/>
+          </a:prstGeom>
+          <a:solidFill>
+            <a:schemeClr val="tx1"/>
+          </a:solidFill>
+        </p:spPr>
+        <p:txBody>
+          <a:bodyPr wrap="none">
+            <a:spAutoFit/>
+          </a:bodyPr>
+          <a:lstStyle/>
+          <a:p>
+            <a:pPr marL="285750" indent="-285750">
+              <a:buFont typeface="Wingdings" panose="05000000000000000000" pitchFamily="2" charset="2"/>
+              <a:buChar char="Ø"/>
+            </a:pPr>
+            <a:r>
+              <a:rPr lang="en-US" dirty="0" err="1" smtClean="0">
+                <a:solidFill>
+                  <a:schemeClr val="bg1"/>
+                </a:solidFill>
+              </a:rPr>
+              <a:t>docker</a:t>
+            </a:r>
+            <a:r>
+              <a:rPr lang="en-US" dirty="0" smtClean="0">
+                <a:solidFill>
+                  <a:schemeClr val="bg1"/>
+                </a:solidFill>
+              </a:rPr>
+              <a:t> build –t localhost:55000/gen:integration-10 .</a:t>
+            </a:r>
+          </a:p>
+          <a:p>
+            <a:pPr marL="285750" indent="-285750">
+              <a:buFont typeface="Wingdings" panose="05000000000000000000" pitchFamily="2" charset="2"/>
+              <a:buChar char="Ø"/>
+            </a:pPr>
+            <a:r>
+              <a:rPr lang="en-US" dirty="0" err="1" smtClean="0">
+                <a:solidFill>
+                  <a:schemeClr val="bg1"/>
+                </a:solidFill>
+              </a:rPr>
+              <a:t>docker</a:t>
+            </a:r>
+            <a:r>
+              <a:rPr lang="en-US" dirty="0" smtClean="0">
+                <a:solidFill>
+                  <a:schemeClr val="bg1"/>
+                </a:solidFill>
+              </a:rPr>
+              <a:t> run --</a:t>
+            </a:r>
+            <a:r>
+              <a:rPr lang="en-US" dirty="0" err="1" smtClean="0">
+                <a:solidFill>
+                  <a:schemeClr val="bg1"/>
+                </a:solidFill>
+              </a:rPr>
+              <a:t>rm</a:t>
+            </a:r>
+            <a:r>
+              <a:rPr lang="en-US" dirty="0" smtClean="0">
+                <a:solidFill>
+                  <a:schemeClr val="bg1"/>
+                </a:solidFill>
+              </a:rPr>
+              <a:t> </a:t>
+            </a:r>
+            <a:r>
+              <a:rPr lang="en-US" dirty="0">
+                <a:solidFill>
+                  <a:schemeClr val="bg1"/>
+                </a:solidFill>
+              </a:rPr>
+              <a:t>–it </a:t>
+            </a:r>
+            <a:r>
+              <a:rPr lang="en-US" dirty="0" smtClean="0">
+                <a:solidFill>
+                  <a:schemeClr val="bg1"/>
+                </a:solidFill>
+              </a:rPr>
+              <a:t>localhost:55000/gen:integration-10</a:t>
+            </a:r>
+            <a:endParaRPr lang="en-US" dirty="0">
+              <a:solidFill>
+                <a:schemeClr val="bg1"/>
+              </a:solidFill>
+            </a:endParaRPr>
+          </a:p>
+        </p:txBody>
+      </p:sp>
+      <p:sp>
+        <p:nvSpPr>
+          <p:cNvPr id="20" name="Rectangle 19"/>
+          <p:cNvSpPr/>
+          <p:nvPr/>
+        </p:nvSpPr>
+        <p:spPr>
+          <a:xfrm>
+            <a:off x="5969262" y="662322"/>
+            <a:ext cx="6096000" cy="369332"/>
+          </a:xfrm>
+          <a:prstGeom prst="rect">
+            <a:avLst/>
+          </a:prstGeom>
+        </p:spPr>
+        <p:txBody>
+          <a:bodyPr>
+            <a:spAutoFit/>
+          </a:bodyPr>
+          <a:lstStyle/>
+          <a:p>
+            <a:r>
+              <a:rPr lang="en-US" b="1" dirty="0" smtClean="0"/>
+              <a:t>Create integration test image… for reuse</a:t>
+            </a:r>
+            <a:endParaRPr lang="en-US" dirty="0"/>
+          </a:p>
+        </p:txBody>
+      </p:sp>
+      <p:sp>
+        <p:nvSpPr>
+          <p:cNvPr id="21" name="Rectangle 20"/>
+          <p:cNvSpPr/>
+          <p:nvPr/>
+        </p:nvSpPr>
+        <p:spPr>
+          <a:xfrm>
+            <a:off x="6136782" y="1882515"/>
+            <a:ext cx="367408" cy="523220"/>
+          </a:xfrm>
+          <a:prstGeom prst="rect">
+            <a:avLst/>
+          </a:prstGeom>
+        </p:spPr>
+        <p:txBody>
+          <a:bodyPr wrap="square">
+            <a:spAutoFit/>
+          </a:bodyPr>
+          <a:lstStyle/>
+          <a:p>
+            <a:r>
+              <a:rPr lang="en-US" sz="2800" b="1" dirty="0" smtClean="0">
+                <a:solidFill>
+                  <a:srgbClr val="00B050"/>
+                </a:solidFill>
+              </a:rPr>
+              <a:t>4</a:t>
+            </a:r>
+            <a:endParaRPr lang="en-US" sz="2800" b="1" dirty="0">
+              <a:solidFill>
+                <a:srgbClr val="00B050"/>
+              </a:solidFill>
+            </a:endParaRPr>
+          </a:p>
+        </p:txBody>
+      </p:sp>
+      <p:sp>
+        <p:nvSpPr>
+          <p:cNvPr id="22" name="Rectangle 21"/>
+          <p:cNvSpPr/>
+          <p:nvPr/>
+        </p:nvSpPr>
+        <p:spPr>
+          <a:xfrm>
+            <a:off x="1708890" y="6364372"/>
+            <a:ext cx="1741759" cy="369332"/>
+          </a:xfrm>
+          <a:prstGeom prst="rect">
+            <a:avLst/>
+          </a:prstGeom>
+          <a:solidFill>
+            <a:schemeClr val="tx1"/>
+          </a:solidFill>
+        </p:spPr>
+        <p:txBody>
+          <a:bodyPr wrap="none">
+            <a:spAutoFit/>
+          </a:bodyPr>
+          <a:lstStyle/>
+          <a:p>
+            <a:pPr marL="285750" indent="-285750">
+              <a:buFont typeface="Wingdings" panose="05000000000000000000" pitchFamily="2" charset="2"/>
+              <a:buChar char="Ø"/>
+            </a:pPr>
+            <a:r>
+              <a:rPr lang="en-US" dirty="0" err="1">
+                <a:solidFill>
+                  <a:schemeClr val="bg1"/>
+                </a:solidFill>
+              </a:rPr>
+              <a:t>docker</a:t>
+            </a:r>
+            <a:r>
+              <a:rPr lang="en-US" dirty="0">
+                <a:solidFill>
+                  <a:schemeClr val="bg1"/>
+                </a:solidFill>
+              </a:rPr>
+              <a:t> </a:t>
+            </a:r>
+            <a:r>
+              <a:rPr lang="en-US" dirty="0" smtClean="0">
+                <a:solidFill>
+                  <a:schemeClr val="bg1"/>
+                </a:solidFill>
+              </a:rPr>
+              <a:t>build .</a:t>
+            </a:r>
+            <a:endParaRPr lang="en-US" dirty="0">
+              <a:solidFill>
+                <a:schemeClr val="bg1"/>
+              </a:solidFill>
+            </a:endParaRPr>
+          </a:p>
+        </p:txBody>
+      </p:sp>
+      <p:sp>
+        <p:nvSpPr>
+          <p:cNvPr id="23" name="Rectangle 22"/>
+          <p:cNvSpPr/>
+          <p:nvPr/>
+        </p:nvSpPr>
+        <p:spPr>
+          <a:xfrm>
+            <a:off x="6329569" y="2317763"/>
+            <a:ext cx="6096000" cy="3416320"/>
+          </a:xfrm>
+          <a:prstGeom prst="rect">
+            <a:avLst/>
+          </a:prstGeom>
+        </p:spPr>
+        <p:txBody>
+          <a:bodyPr>
+            <a:spAutoFit/>
+          </a:bodyPr>
+          <a:lstStyle/>
+          <a:p>
+            <a:r>
+              <a:rPr lang="en-US" dirty="0">
+                <a:solidFill>
+                  <a:srgbClr val="569CD6"/>
+                </a:solidFill>
+                <a:latin typeface="Consolas" panose="020B0609020204030204" pitchFamily="49" charset="0"/>
+              </a:rPr>
+              <a:t>services</a:t>
+            </a:r>
+            <a:r>
+              <a:rPr lang="en-US" dirty="0">
+                <a:solidFill>
+                  <a:srgbClr val="D4D4D4"/>
+                </a:solidFill>
+                <a:latin typeface="Consolas" panose="020B0609020204030204" pitchFamily="49" charset="0"/>
+              </a:rPr>
+              <a:t>:</a:t>
+            </a:r>
+          </a:p>
+          <a:p>
+            <a:r>
+              <a:rPr lang="en-US" dirty="0">
+                <a:solidFill>
+                  <a:srgbClr val="D4D4D4"/>
+                </a:solidFill>
+                <a:latin typeface="Consolas" panose="020B0609020204030204" pitchFamily="49" charset="0"/>
+              </a:rPr>
+              <a:t>  </a:t>
+            </a:r>
+            <a:r>
+              <a:rPr lang="en-US" dirty="0">
+                <a:solidFill>
+                  <a:srgbClr val="569CD6"/>
+                </a:solidFill>
+                <a:latin typeface="Consolas" panose="020B0609020204030204" pitchFamily="49" charset="0"/>
+              </a:rPr>
+              <a:t>generator</a:t>
+            </a:r>
+            <a:r>
+              <a:rPr lang="en-US" dirty="0">
+                <a:solidFill>
+                  <a:srgbClr val="D4D4D4"/>
+                </a:solidFill>
+                <a:latin typeface="Consolas" panose="020B0609020204030204" pitchFamily="49" charset="0"/>
+              </a:rPr>
+              <a:t>:</a:t>
+            </a:r>
+          </a:p>
+          <a:p>
+            <a:r>
+              <a:rPr lang="en-US" dirty="0">
+                <a:solidFill>
+                  <a:srgbClr val="D4D4D4"/>
+                </a:solidFill>
+                <a:latin typeface="Consolas" panose="020B0609020204030204" pitchFamily="49" charset="0"/>
+              </a:rPr>
+              <a:t>    </a:t>
+            </a:r>
+            <a:r>
+              <a:rPr lang="en-US" dirty="0">
+                <a:solidFill>
+                  <a:srgbClr val="569CD6"/>
+                </a:solidFill>
+                <a:latin typeface="Consolas" panose="020B0609020204030204" pitchFamily="49" charset="0"/>
+              </a:rPr>
+              <a:t>image</a:t>
+            </a:r>
+            <a:r>
+              <a:rPr lang="en-US" dirty="0">
+                <a:solidFill>
+                  <a:srgbClr val="D4D4D4"/>
+                </a:solidFill>
+                <a:latin typeface="Consolas" panose="020B0609020204030204" pitchFamily="49" charset="0"/>
+              </a:rPr>
+              <a:t>: </a:t>
+            </a:r>
+            <a:r>
+              <a:rPr lang="en-US" dirty="0">
+                <a:solidFill>
+                  <a:srgbClr val="CE9178"/>
+                </a:solidFill>
+                <a:latin typeface="Consolas" panose="020B0609020204030204" pitchFamily="49" charset="0"/>
+              </a:rPr>
+              <a:t>localhost:55000/gen:man_ci-01</a:t>
+            </a:r>
+            <a:endParaRPr lang="en-US" dirty="0">
+              <a:solidFill>
+                <a:srgbClr val="D4D4D4"/>
+              </a:solidFill>
+              <a:latin typeface="Consolas" panose="020B0609020204030204" pitchFamily="49" charset="0"/>
+            </a:endParaRPr>
+          </a:p>
+          <a:p>
+            <a:r>
+              <a:rPr lang="en-US" dirty="0">
+                <a:solidFill>
+                  <a:srgbClr val="D4D4D4"/>
+                </a:solidFill>
+                <a:latin typeface="Consolas" panose="020B0609020204030204" pitchFamily="49" charset="0"/>
+              </a:rPr>
+              <a:t>    </a:t>
+            </a:r>
+            <a:r>
+              <a:rPr lang="en-US" dirty="0">
+                <a:solidFill>
+                  <a:srgbClr val="569CD6"/>
+                </a:solidFill>
+                <a:latin typeface="Consolas" panose="020B0609020204030204" pitchFamily="49" charset="0"/>
+              </a:rPr>
+              <a:t>ports</a:t>
+            </a:r>
+            <a:r>
+              <a:rPr lang="en-US" dirty="0">
+                <a:solidFill>
+                  <a:srgbClr val="D4D4D4"/>
+                </a:solidFill>
+                <a:latin typeface="Consolas" panose="020B0609020204030204" pitchFamily="49" charset="0"/>
+              </a:rPr>
+              <a:t>:</a:t>
+            </a:r>
+          </a:p>
+          <a:p>
+            <a:r>
+              <a:rPr lang="en-US" dirty="0">
+                <a:solidFill>
+                  <a:srgbClr val="D4D4D4"/>
+                </a:solidFill>
+                <a:latin typeface="Consolas" panose="020B0609020204030204" pitchFamily="49" charset="0"/>
+              </a:rPr>
+              <a:t>      - </a:t>
+            </a:r>
+            <a:r>
+              <a:rPr lang="en-US" dirty="0">
+                <a:solidFill>
+                  <a:srgbClr val="CE9178"/>
+                </a:solidFill>
+                <a:latin typeface="Consolas" panose="020B0609020204030204" pitchFamily="49" charset="0"/>
+              </a:rPr>
+              <a:t>"8080:80"</a:t>
+            </a:r>
+            <a:endParaRPr lang="en-US" dirty="0">
+              <a:solidFill>
+                <a:srgbClr val="D4D4D4"/>
+              </a:solidFill>
+              <a:latin typeface="Consolas" panose="020B0609020204030204" pitchFamily="49" charset="0"/>
+            </a:endParaRPr>
+          </a:p>
+          <a:p>
+            <a:r>
+              <a:rPr lang="en-US" dirty="0">
+                <a:solidFill>
+                  <a:srgbClr val="D4D4D4"/>
+                </a:solidFill>
+                <a:latin typeface="Consolas" panose="020B0609020204030204" pitchFamily="49" charset="0"/>
+              </a:rPr>
+              <a:t>  </a:t>
+            </a:r>
+            <a:r>
+              <a:rPr lang="en-US" dirty="0">
+                <a:solidFill>
+                  <a:srgbClr val="569CD6"/>
+                </a:solidFill>
+                <a:latin typeface="Consolas" panose="020B0609020204030204" pitchFamily="49" charset="0"/>
+              </a:rPr>
+              <a:t>mail</a:t>
+            </a:r>
+            <a:r>
+              <a:rPr lang="en-US" dirty="0">
+                <a:solidFill>
+                  <a:srgbClr val="D4D4D4"/>
+                </a:solidFill>
+                <a:latin typeface="Consolas" panose="020B0609020204030204" pitchFamily="49" charset="0"/>
+              </a:rPr>
+              <a:t>:</a:t>
+            </a:r>
+          </a:p>
+          <a:p>
+            <a:r>
+              <a:rPr lang="en-US" dirty="0">
+                <a:solidFill>
+                  <a:srgbClr val="D4D4D4"/>
+                </a:solidFill>
+                <a:latin typeface="Consolas" panose="020B0609020204030204" pitchFamily="49" charset="0"/>
+              </a:rPr>
+              <a:t>    </a:t>
+            </a:r>
+            <a:r>
+              <a:rPr lang="en-US" dirty="0">
+                <a:solidFill>
+                  <a:srgbClr val="569CD6"/>
+                </a:solidFill>
+                <a:latin typeface="Consolas" panose="020B0609020204030204" pitchFamily="49" charset="0"/>
+              </a:rPr>
+              <a:t>image</a:t>
+            </a:r>
+            <a:r>
+              <a:rPr lang="en-US" dirty="0">
+                <a:solidFill>
+                  <a:srgbClr val="D4D4D4"/>
+                </a:solidFill>
+                <a:latin typeface="Consolas" panose="020B0609020204030204" pitchFamily="49" charset="0"/>
+              </a:rPr>
+              <a:t>: </a:t>
+            </a:r>
+            <a:r>
+              <a:rPr lang="en-US" dirty="0" err="1">
+                <a:solidFill>
+                  <a:srgbClr val="CE9178"/>
+                </a:solidFill>
+                <a:latin typeface="Consolas" panose="020B0609020204030204" pitchFamily="49" charset="0"/>
+              </a:rPr>
+              <a:t>mailhog</a:t>
+            </a:r>
+            <a:r>
+              <a:rPr lang="en-US" dirty="0">
+                <a:solidFill>
+                  <a:srgbClr val="CE9178"/>
+                </a:solidFill>
+                <a:latin typeface="Consolas" panose="020B0609020204030204" pitchFamily="49" charset="0"/>
+              </a:rPr>
+              <a:t>/</a:t>
+            </a:r>
+            <a:r>
+              <a:rPr lang="en-US" dirty="0" err="1">
+                <a:solidFill>
+                  <a:srgbClr val="CE9178"/>
+                </a:solidFill>
+                <a:latin typeface="Consolas" panose="020B0609020204030204" pitchFamily="49" charset="0"/>
+              </a:rPr>
+              <a:t>mailhog</a:t>
+            </a:r>
+            <a:endParaRPr lang="en-US" dirty="0">
+              <a:solidFill>
+                <a:srgbClr val="D4D4D4"/>
+              </a:solidFill>
+              <a:latin typeface="Consolas" panose="020B0609020204030204" pitchFamily="49" charset="0"/>
+            </a:endParaRPr>
+          </a:p>
+          <a:p>
+            <a:r>
+              <a:rPr lang="en-US" dirty="0">
+                <a:solidFill>
+                  <a:srgbClr val="D4D4D4"/>
+                </a:solidFill>
+                <a:latin typeface="Consolas" panose="020B0609020204030204" pitchFamily="49" charset="0"/>
+              </a:rPr>
+              <a:t>    </a:t>
+            </a:r>
+            <a:r>
+              <a:rPr lang="en-US" dirty="0">
+                <a:solidFill>
+                  <a:srgbClr val="569CD6"/>
+                </a:solidFill>
+                <a:latin typeface="Consolas" panose="020B0609020204030204" pitchFamily="49" charset="0"/>
+              </a:rPr>
+              <a:t>ports</a:t>
+            </a:r>
+            <a:r>
+              <a:rPr lang="en-US" dirty="0">
+                <a:solidFill>
+                  <a:srgbClr val="D4D4D4"/>
+                </a:solidFill>
+                <a:latin typeface="Consolas" panose="020B0609020204030204" pitchFamily="49" charset="0"/>
+              </a:rPr>
+              <a:t>:</a:t>
+            </a:r>
+          </a:p>
+          <a:p>
+            <a:r>
+              <a:rPr lang="en-US" dirty="0">
+                <a:solidFill>
+                  <a:srgbClr val="D4D4D4"/>
+                </a:solidFill>
+                <a:latin typeface="Consolas" panose="020B0609020204030204" pitchFamily="49" charset="0"/>
+              </a:rPr>
+              <a:t>      - </a:t>
+            </a:r>
+            <a:r>
+              <a:rPr lang="en-US" dirty="0">
+                <a:solidFill>
+                  <a:srgbClr val="CE9178"/>
+                </a:solidFill>
+                <a:latin typeface="Consolas" panose="020B0609020204030204" pitchFamily="49" charset="0"/>
+              </a:rPr>
+              <a:t>"8025:8025"</a:t>
+            </a:r>
+            <a:endParaRPr lang="en-US" dirty="0">
+              <a:solidFill>
+                <a:srgbClr val="D4D4D4"/>
+              </a:solidFill>
+              <a:latin typeface="Consolas" panose="020B0609020204030204" pitchFamily="49" charset="0"/>
+            </a:endParaRPr>
+          </a:p>
+          <a:p>
+            <a:r>
+              <a:rPr lang="en-US" dirty="0">
+                <a:solidFill>
+                  <a:srgbClr val="D4D4D4"/>
+                </a:solidFill>
+                <a:latin typeface="Consolas" panose="020B0609020204030204" pitchFamily="49" charset="0"/>
+              </a:rPr>
+              <a:t>  </a:t>
+            </a:r>
+            <a:r>
+              <a:rPr lang="en-US" dirty="0">
+                <a:solidFill>
+                  <a:srgbClr val="569CD6"/>
+                </a:solidFill>
+                <a:latin typeface="Consolas" panose="020B0609020204030204" pitchFamily="49" charset="0"/>
+              </a:rPr>
+              <a:t>integration</a:t>
+            </a:r>
+            <a:r>
+              <a:rPr lang="en-US" dirty="0">
+                <a:solidFill>
+                  <a:srgbClr val="D4D4D4"/>
+                </a:solidFill>
+                <a:latin typeface="Consolas" panose="020B0609020204030204" pitchFamily="49" charset="0"/>
+              </a:rPr>
+              <a:t>:</a:t>
+            </a:r>
+          </a:p>
+          <a:p>
+            <a:r>
+              <a:rPr lang="en-US" dirty="0">
+                <a:solidFill>
+                  <a:srgbClr val="D4D4D4"/>
+                </a:solidFill>
+                <a:latin typeface="Consolas" panose="020B0609020204030204" pitchFamily="49" charset="0"/>
+              </a:rPr>
+              <a:t>    </a:t>
+            </a:r>
+            <a:r>
+              <a:rPr lang="en-US" dirty="0">
+                <a:solidFill>
+                  <a:srgbClr val="569CD6"/>
+                </a:solidFill>
+                <a:latin typeface="Consolas" panose="020B0609020204030204" pitchFamily="49" charset="0"/>
+              </a:rPr>
+              <a:t>image</a:t>
+            </a:r>
+            <a:r>
+              <a:rPr lang="en-US" dirty="0">
+                <a:solidFill>
+                  <a:srgbClr val="D4D4D4"/>
+                </a:solidFill>
+                <a:latin typeface="Consolas" panose="020B0609020204030204" pitchFamily="49" charset="0"/>
+              </a:rPr>
+              <a:t>: </a:t>
+            </a:r>
+            <a:r>
+              <a:rPr lang="en-US" dirty="0">
+                <a:solidFill>
+                  <a:srgbClr val="CE9178"/>
+                </a:solidFill>
+                <a:latin typeface="Consolas" panose="020B0609020204030204" pitchFamily="49" charset="0"/>
+              </a:rPr>
+              <a:t>localhost:55000/gen:integration-10</a:t>
+            </a:r>
+            <a:endParaRPr lang="en-US" dirty="0">
+              <a:solidFill>
+                <a:srgbClr val="D4D4D4"/>
+              </a:solidFill>
+              <a:latin typeface="Consolas" panose="020B0609020204030204" pitchFamily="49" charset="0"/>
+            </a:endParaRPr>
+          </a:p>
+          <a:p>
+            <a:r>
+              <a:rPr lang="en-US" dirty="0">
+                <a:solidFill>
+                  <a:srgbClr val="D4D4D4"/>
+                </a:solidFill>
+                <a:latin typeface="Consolas" panose="020B0609020204030204" pitchFamily="49" charset="0"/>
+              </a:rPr>
+              <a:t>    </a:t>
+            </a:r>
+            <a:r>
+              <a:rPr lang="en-US" dirty="0">
+                <a:solidFill>
+                  <a:srgbClr val="569CD6"/>
+                </a:solidFill>
+                <a:latin typeface="Consolas" panose="020B0609020204030204" pitchFamily="49" charset="0"/>
+              </a:rPr>
+              <a:t>build</a:t>
+            </a:r>
+            <a:r>
+              <a:rPr lang="en-US" dirty="0">
+                <a:solidFill>
+                  <a:srgbClr val="D4D4D4"/>
+                </a:solidFill>
+                <a:latin typeface="Consolas" panose="020B0609020204030204" pitchFamily="49" charset="0"/>
+              </a:rPr>
+              <a:t>: </a:t>
+            </a:r>
+            <a:r>
+              <a:rPr lang="en-US" dirty="0" smtClean="0">
+                <a:solidFill>
+                  <a:srgbClr val="B5CEA8"/>
+                </a:solidFill>
+                <a:latin typeface="Consolas" panose="020B0609020204030204" pitchFamily="49" charset="0"/>
+              </a:rPr>
+              <a:t>.</a:t>
+            </a:r>
+            <a:endParaRPr lang="en-US" dirty="0">
+              <a:solidFill>
+                <a:srgbClr val="D4D4D4"/>
+              </a:solidFill>
+              <a:latin typeface="Consolas" panose="020B0609020204030204" pitchFamily="49" charset="0"/>
+            </a:endParaRPr>
+          </a:p>
+        </p:txBody>
+      </p:sp>
+      <p:sp>
+        <p:nvSpPr>
+          <p:cNvPr id="24" name="Rectangle 23"/>
+          <p:cNvSpPr/>
+          <p:nvPr/>
+        </p:nvSpPr>
+        <p:spPr>
+          <a:xfrm>
+            <a:off x="8341057" y="5649711"/>
+            <a:ext cx="2507674" cy="646331"/>
+          </a:xfrm>
+          <a:prstGeom prst="rect">
+            <a:avLst/>
+          </a:prstGeom>
+          <a:solidFill>
+            <a:schemeClr val="tx1"/>
+          </a:solidFill>
+        </p:spPr>
+        <p:txBody>
+          <a:bodyPr wrap="none">
+            <a:spAutoFit/>
+          </a:bodyPr>
+          <a:lstStyle/>
+          <a:p>
+            <a:r>
+              <a:rPr lang="en-US" dirty="0" err="1" smtClean="0">
+                <a:solidFill>
+                  <a:schemeClr val="bg1"/>
+                </a:solidFill>
+              </a:rPr>
+              <a:t>docker</a:t>
+            </a:r>
+            <a:r>
+              <a:rPr lang="en-US" dirty="0" smtClean="0">
+                <a:solidFill>
+                  <a:schemeClr val="bg1"/>
+                </a:solidFill>
+              </a:rPr>
+              <a:t>-compose up </a:t>
+            </a:r>
+            <a:r>
+              <a:rPr lang="en-US" dirty="0" err="1" smtClean="0">
+                <a:solidFill>
+                  <a:schemeClr val="bg1"/>
+                </a:solidFill>
+              </a:rPr>
+              <a:t>buld</a:t>
+            </a:r>
+            <a:endParaRPr lang="en-US" dirty="0" smtClean="0">
+              <a:solidFill>
+                <a:schemeClr val="bg1"/>
+              </a:solidFill>
+            </a:endParaRPr>
+          </a:p>
+          <a:p>
+            <a:r>
+              <a:rPr lang="en-US" dirty="0" err="1" smtClean="0">
+                <a:solidFill>
+                  <a:schemeClr val="bg1"/>
+                </a:solidFill>
+              </a:rPr>
+              <a:t>docker</a:t>
+            </a:r>
+            <a:r>
+              <a:rPr lang="en-US" dirty="0" smtClean="0">
+                <a:solidFill>
+                  <a:schemeClr val="bg1"/>
+                </a:solidFill>
+              </a:rPr>
+              <a:t>-compose </a:t>
+            </a:r>
+            <a:r>
+              <a:rPr lang="en-US" dirty="0">
+                <a:solidFill>
+                  <a:schemeClr val="bg1"/>
+                </a:solidFill>
+              </a:rPr>
+              <a:t>up –d</a:t>
+            </a:r>
+            <a:endParaRPr lang="en-US" dirty="0">
+              <a:solidFill>
+                <a:schemeClr val="bg1"/>
+              </a:solidFill>
+            </a:endParaRPr>
+          </a:p>
+        </p:txBody>
+      </p:sp>
+      <p:sp>
+        <p:nvSpPr>
+          <p:cNvPr id="25" name="Rectangle 24"/>
+          <p:cNvSpPr/>
+          <p:nvPr/>
+        </p:nvSpPr>
+        <p:spPr>
+          <a:xfrm>
+            <a:off x="-162366" y="1205406"/>
+            <a:ext cx="805605" cy="1754326"/>
+          </a:xfrm>
+          <a:prstGeom prst="rect">
+            <a:avLst/>
+          </a:prstGeom>
+        </p:spPr>
+        <p:txBody>
+          <a:bodyPr wrap="none">
+            <a:spAutoFit/>
+          </a:bodyPr>
+          <a:lstStyle/>
+          <a:p>
+            <a:pPr algn="r"/>
+            <a:r>
+              <a:rPr lang="en-US" b="1" dirty="0" smtClean="0">
+                <a:solidFill>
+                  <a:srgbClr val="00B050"/>
+                </a:solidFill>
+              </a:rPr>
+              <a:t>Create</a:t>
+            </a:r>
+          </a:p>
+          <a:p>
+            <a:pPr algn="r"/>
+            <a:endParaRPr lang="en-US" b="1" dirty="0" smtClean="0">
+              <a:solidFill>
+                <a:srgbClr val="00B050"/>
+              </a:solidFill>
+            </a:endParaRPr>
+          </a:p>
+          <a:p>
+            <a:pPr algn="r"/>
+            <a:r>
+              <a:rPr lang="en-US" b="1" dirty="0" smtClean="0">
+                <a:solidFill>
+                  <a:srgbClr val="00B050"/>
+                </a:solidFill>
+              </a:rPr>
+              <a:t/>
+            </a:r>
+            <a:br>
+              <a:rPr lang="en-US" b="1" dirty="0" smtClean="0">
+                <a:solidFill>
+                  <a:srgbClr val="00B050"/>
+                </a:solidFill>
+              </a:rPr>
+            </a:br>
+            <a:endParaRPr lang="en-US" b="1" dirty="0" smtClean="0">
+              <a:solidFill>
+                <a:srgbClr val="00B050"/>
+              </a:solidFill>
+            </a:endParaRPr>
+          </a:p>
+          <a:p>
+            <a:pPr algn="r"/>
+            <a:r>
+              <a:rPr lang="en-US" b="1" dirty="0" smtClean="0">
+                <a:solidFill>
+                  <a:srgbClr val="00B050"/>
+                </a:solidFill>
+              </a:rPr>
+              <a:t>Build</a:t>
+            </a:r>
+            <a:br>
+              <a:rPr lang="en-US" b="1" dirty="0" smtClean="0">
+                <a:solidFill>
+                  <a:srgbClr val="00B050"/>
+                </a:solidFill>
+              </a:rPr>
+            </a:br>
+            <a:r>
+              <a:rPr lang="en-US" b="1" dirty="0" smtClean="0">
+                <a:solidFill>
+                  <a:srgbClr val="00B050"/>
+                </a:solidFill>
+              </a:rPr>
+              <a:t>Run</a:t>
+            </a:r>
+            <a:endParaRPr lang="en-US" sz="2000" b="1" dirty="0" smtClean="0">
+              <a:solidFill>
+                <a:srgbClr val="00B050"/>
+              </a:solidFill>
+            </a:endParaRPr>
+          </a:p>
+        </p:txBody>
+      </p:sp>
+      <p:sp>
+        <p:nvSpPr>
+          <p:cNvPr id="26" name="Rectangle 25"/>
+          <p:cNvSpPr/>
+          <p:nvPr/>
+        </p:nvSpPr>
+        <p:spPr>
+          <a:xfrm>
+            <a:off x="4993536" y="1154372"/>
+            <a:ext cx="1198470" cy="646331"/>
+          </a:xfrm>
+          <a:prstGeom prst="rect">
+            <a:avLst/>
+          </a:prstGeom>
+        </p:spPr>
+        <p:txBody>
+          <a:bodyPr wrap="none">
+            <a:spAutoFit/>
+          </a:bodyPr>
+          <a:lstStyle/>
+          <a:p>
+            <a:pPr algn="r"/>
+            <a:r>
+              <a:rPr lang="en-US" b="1" dirty="0" smtClean="0">
+                <a:solidFill>
+                  <a:srgbClr val="00B050"/>
+                </a:solidFill>
+              </a:rPr>
+              <a:t>Tag Image</a:t>
+            </a:r>
+          </a:p>
+          <a:p>
+            <a:pPr algn="r"/>
+            <a:r>
+              <a:rPr lang="en-US" b="1" dirty="0" smtClean="0">
+                <a:solidFill>
+                  <a:srgbClr val="00B050"/>
+                </a:solidFill>
+              </a:rPr>
+              <a:t>Run Image</a:t>
+            </a:r>
+            <a:endParaRPr lang="en-US" sz="2000" b="1" dirty="0" smtClean="0">
+              <a:solidFill>
+                <a:srgbClr val="00B050"/>
+              </a:solidFill>
+            </a:endParaRPr>
+          </a:p>
+        </p:txBody>
+      </p:sp>
+      <p:sp>
+        <p:nvSpPr>
+          <p:cNvPr id="27" name="Rectangle 26"/>
+          <p:cNvSpPr/>
+          <p:nvPr/>
+        </p:nvSpPr>
+        <p:spPr>
+          <a:xfrm>
+            <a:off x="435585" y="6345222"/>
+            <a:ext cx="1310680" cy="369332"/>
+          </a:xfrm>
+          <a:prstGeom prst="rect">
+            <a:avLst/>
+          </a:prstGeom>
+        </p:spPr>
+        <p:txBody>
+          <a:bodyPr wrap="none">
+            <a:spAutoFit/>
+          </a:bodyPr>
+          <a:lstStyle/>
+          <a:p>
+            <a:pPr algn="r"/>
+            <a:r>
+              <a:rPr lang="en-US" b="1" dirty="0" smtClean="0">
+                <a:solidFill>
+                  <a:srgbClr val="00B050"/>
+                </a:solidFill>
+              </a:rPr>
+              <a:t>Build Image</a:t>
+            </a:r>
+            <a:endParaRPr lang="en-US" sz="2000" b="1" dirty="0" smtClean="0">
+              <a:solidFill>
+                <a:srgbClr val="00B050"/>
+              </a:solidFill>
+            </a:endParaRPr>
+          </a:p>
+        </p:txBody>
+      </p:sp>
+      <p:sp>
+        <p:nvSpPr>
+          <p:cNvPr id="28" name="Rectangle 27"/>
+          <p:cNvSpPr/>
+          <p:nvPr/>
+        </p:nvSpPr>
+        <p:spPr>
+          <a:xfrm>
+            <a:off x="5630571" y="5638521"/>
+            <a:ext cx="2710486" cy="646331"/>
+          </a:xfrm>
+          <a:prstGeom prst="rect">
+            <a:avLst/>
+          </a:prstGeom>
+        </p:spPr>
+        <p:txBody>
+          <a:bodyPr wrap="none">
+            <a:spAutoFit/>
+          </a:bodyPr>
+          <a:lstStyle/>
+          <a:p>
+            <a:pPr algn="r"/>
+            <a:r>
+              <a:rPr lang="en-US" b="1" dirty="0" smtClean="0">
+                <a:solidFill>
+                  <a:srgbClr val="00B050"/>
+                </a:solidFill>
+              </a:rPr>
+              <a:t>Build Multi-stage </a:t>
+            </a:r>
+            <a:r>
+              <a:rPr lang="en-US" b="1" dirty="0" smtClean="0">
+                <a:solidFill>
+                  <a:srgbClr val="00B050"/>
+                </a:solidFill>
+              </a:rPr>
+              <a:t>Image</a:t>
+            </a:r>
+            <a:endParaRPr lang="en-US" b="1" dirty="0" smtClean="0">
+              <a:solidFill>
+                <a:srgbClr val="00B050"/>
+              </a:solidFill>
+            </a:endParaRPr>
+          </a:p>
+          <a:p>
+            <a:pPr algn="r"/>
+            <a:r>
+              <a:rPr lang="en-US" b="1" dirty="0" smtClean="0">
+                <a:solidFill>
+                  <a:srgbClr val="00B050"/>
+                </a:solidFill>
+              </a:rPr>
+              <a:t>Deploy Multi-Stage  Image</a:t>
+            </a:r>
+            <a:endParaRPr lang="en-US" sz="2000" b="1" dirty="0" smtClean="0">
+              <a:solidFill>
+                <a:srgbClr val="00B050"/>
+              </a:solidFill>
+            </a:endParaRPr>
+          </a:p>
+        </p:txBody>
+      </p:sp>
+    </p:spTree>
+    <p:extLst>
+      <p:ext uri="{BB962C8B-B14F-4D97-AF65-F5344CB8AC3E}">
+        <p14:creationId xmlns:p14="http://schemas.microsoft.com/office/powerpoint/2010/main" val="1979007786"/>
+      </p:ext>
+    </p:extLst>
+  </p:cSld>
+  <p:clrMapOvr>
+    <a:masterClrMapping/>
+  </p:clrMapOvr>
+  <p:timing>
+    <p:tnLst>
+      <p:par>
+        <p:cTn id="1" dur="indefinite" restart="never" nodeType="tmRoot"/>
+      </p:par>
+    </p:tnLst>
+  </p:timing>
+</p:sld>
+</file>
+
+<file path=ppt/slides/slide8.xml><?xml version="1.0" encoding="utf-8"?>
+<p:sld xmlns:a="http://schemas.openxmlformats.org/drawingml/2006/main" xmlns:r="http://schemas.openxmlformats.org/officeDocument/2006/relationships" xmlns:p="http://schemas.openxmlformats.org/presentationml/2006/main">
+  <p:cSld>
+    <p:spTree>
+      <p:nvGrpSpPr>
+        <p:cNvPr id="1" name=""/>
+        <p:cNvGrpSpPr/>
+        <p:nvPr/>
+      </p:nvGrpSpPr>
+      <p:grpSpPr>
+        <a:xfrm>
+          <a:off x="0" y="0"/>
+          <a:ext cx="0" cy="0"/>
+          <a:chOff x="0" y="0"/>
+          <a:chExt cx="0" cy="0"/>
+        </a:xfrm>
+      </p:grpSpPr>
+      <p:sp>
+        <p:nvSpPr>
+          <p:cNvPr id="6" name="Rectangle 5"/>
+          <p:cNvSpPr/>
+          <p:nvPr/>
+        </p:nvSpPr>
+        <p:spPr>
+          <a:xfrm>
+            <a:off x="0" y="0"/>
+            <a:ext cx="5056128" cy="523220"/>
+          </a:xfrm>
+          <a:prstGeom prst="rect">
+            <a:avLst/>
+          </a:prstGeom>
+        </p:spPr>
+        <p:txBody>
+          <a:bodyPr wrap="none">
+            <a:spAutoFit/>
+          </a:bodyPr>
+          <a:lstStyle/>
+          <a:p>
+            <a:r>
+              <a:rPr lang="en-US" sz="2800" b="1" dirty="0" smtClean="0"/>
+              <a:t>CI Server </a:t>
+            </a:r>
+            <a:r>
+              <a:rPr lang="en-US" sz="2800" b="1" dirty="0" smtClean="0"/>
+              <a:t>– Add Integration stage</a:t>
+            </a:r>
+            <a:endParaRPr lang="en-US" sz="2800" b="1" dirty="0" smtClean="0"/>
+          </a:p>
+        </p:txBody>
+      </p:sp>
+      <p:pic>
+        <p:nvPicPr>
+          <p:cNvPr id="2" name="Picture 1"/>
+          <p:cNvPicPr>
+            <a:picLocks noChangeAspect="1"/>
+          </p:cNvPicPr>
+          <p:nvPr/>
+        </p:nvPicPr>
+        <p:blipFill>
+          <a:blip r:embed="rId3"/>
+          <a:stretch>
+            <a:fillRect/>
+          </a:stretch>
+        </p:blipFill>
+        <p:spPr>
+          <a:xfrm>
+            <a:off x="285069" y="735466"/>
+            <a:ext cx="11153050" cy="5839505"/>
+          </a:xfrm>
+          <a:prstGeom prst="rect">
+            <a:avLst/>
+          </a:prstGeom>
+        </p:spPr>
+      </p:pic>
+      <p:sp>
+        <p:nvSpPr>
+          <p:cNvPr id="20" name="Rectangle 19"/>
+          <p:cNvSpPr/>
+          <p:nvPr/>
+        </p:nvSpPr>
+        <p:spPr>
+          <a:xfrm>
+            <a:off x="6111361" y="5078092"/>
+            <a:ext cx="6080639" cy="461665"/>
+          </a:xfrm>
+          <a:prstGeom prst="rect">
+            <a:avLst/>
+          </a:prstGeom>
+        </p:spPr>
+        <p:txBody>
+          <a:bodyPr wrap="none">
+            <a:spAutoFit/>
+          </a:bodyPr>
+          <a:lstStyle/>
+          <a:p>
+            <a:r>
+              <a:rPr lang="en-US" sz="2400" dirty="0" smtClean="0"/>
+              <a:t>Build </a:t>
+            </a:r>
+            <a:r>
+              <a:rPr lang="en-US" sz="2400" dirty="0" smtClean="0"/>
+              <a:t>&amp; Test code, Tag &amp; Push Image to Registry</a:t>
+            </a:r>
+            <a:endParaRPr lang="en-US" sz="2800" dirty="0" smtClean="0"/>
+          </a:p>
+        </p:txBody>
+      </p:sp>
+    </p:spTree>
+    <p:extLst>
+      <p:ext uri="{BB962C8B-B14F-4D97-AF65-F5344CB8AC3E}">
+        <p14:creationId xmlns:p14="http://schemas.microsoft.com/office/powerpoint/2010/main" val="3325914770"/>
       </p:ext>
     </p:extLst>
   </p:cSld>

--- a/infra/Pipeline Design.pptx
+++ b/infra/Pipeline Design.pptx
@@ -9441,7 +9441,7 @@
       </p:sp>
       <p:pic>
         <p:nvPicPr>
-          <p:cNvPr id="2" name="Picture 1"/>
+          <p:cNvPr id="12" name="Picture 11"/>
           <p:cNvPicPr>
             <a:picLocks noChangeAspect="1"/>
           </p:cNvPicPr>
@@ -9455,8 +9455,8 @@
         </p:blipFill>
         <p:spPr>
           <a:xfrm>
-            <a:off x="285069" y="735466"/>
-            <a:ext cx="11153050" cy="5839505"/>
+            <a:off x="244564" y="681978"/>
+            <a:ext cx="11843448" cy="2747022"/>
           </a:xfrm>
           <a:prstGeom prst="rect">
             <a:avLst/>
@@ -9471,12 +9471,15 @@
         </p:nvSpPr>
         <p:spPr>
           <a:xfrm>
-            <a:off x="6111361" y="5078092"/>
-            <a:ext cx="6080639" cy="461665"/>
+            <a:off x="5056128" y="1824656"/>
+            <a:ext cx="6217921" cy="461665"/>
           </a:xfrm>
           <a:prstGeom prst="rect">
             <a:avLst/>
           </a:prstGeom>
+          <a:solidFill>
+            <a:schemeClr val="accent2"/>
+          </a:solidFill>
         </p:spPr>
         <p:txBody>
           <a:bodyPr wrap="none">
@@ -9485,14 +9488,14 @@
           <a:lstStyle/>
           <a:p>
             <a:r>
-              <a:rPr lang="en-US" sz="2400" dirty="0" smtClean="0"/>
+              <a:rPr lang="en-US" sz="2400" b="1" dirty="0" smtClean="0"/>
               <a:t>Build </a:t>
             </a:r>
             <a:r>
-              <a:rPr lang="en-US" sz="2400" dirty="0" smtClean="0"/>
+              <a:rPr lang="en-US" sz="2400" b="1" dirty="0" smtClean="0"/>
               <a:t>&amp; Test code, Tag &amp; Push Image to Registry</a:t>
             </a:r>
-            <a:endParaRPr lang="en-US" sz="2800" dirty="0" smtClean="0"/>
+            <a:endParaRPr lang="en-US" sz="2800" b="1" dirty="0" smtClean="0"/>
           </a:p>
         </p:txBody>
       </p:sp>

--- a/infra/Pipeline Design.pptx
+++ b/infra/Pipeline Design.pptx
@@ -5,7 +5,7 @@
     <p:sldMasterId id="2147483648" r:id="rId1"/>
   </p:sldMasterIdLst>
   <p:notesMasterIdLst>
-    <p:notesMasterId r:id="rId10"/>
+    <p:notesMasterId r:id="rId14"/>
   </p:notesMasterIdLst>
   <p:sldIdLst>
     <p:sldId id="256" r:id="rId2"/>
@@ -16,6 +16,10 @@
     <p:sldId id="265" r:id="rId7"/>
     <p:sldId id="267" r:id="rId8"/>
     <p:sldId id="268" r:id="rId9"/>
+    <p:sldId id="269" r:id="rId10"/>
+    <p:sldId id="270" r:id="rId11"/>
+    <p:sldId id="271" r:id="rId12"/>
+    <p:sldId id="272" r:id="rId13"/>
   </p:sldIdLst>
   <p:sldSz cx="12192000" cy="6858000"/>
   <p:notesSz cx="6858000" cy="9144000"/>
@@ -516,6 +520,36 @@
           <a:bodyPr/>
           <a:lstStyle/>
           <a:p>
+            <a:pPr marL="0" marR="0" lvl="0" indent="0" algn="l" defTabSz="914400" rtl="0" eaLnBrk="1" fontAlgn="auto" latinLnBrk="0" hangingPunct="1">
+              <a:lnSpc>
+                <a:spcPct val="100000"/>
+              </a:lnSpc>
+              <a:spcBef>
+                <a:spcPts val="0"/>
+              </a:spcBef>
+              <a:spcAft>
+                <a:spcPts val="0"/>
+              </a:spcAft>
+              <a:buClrTx/>
+              <a:buSzTx/>
+              <a:buFontTx/>
+              <a:buNone/>
+              <a:tabLst/>
+              <a:defRPr/>
+            </a:pPr>
+            <a:r>
+              <a:rPr lang="en-US" sz="1400" b="1" dirty="0" smtClean="0"/>
+              <a:t>Image Sources: </a:t>
+            </a:r>
+            <a:r>
+              <a:rPr lang="en-US" dirty="0" smtClean="0">
+                <a:hlinkClick r:id="rId3"/>
+              </a:rPr>
+              <a:t>https://app.pluralsight.com/library/courses/deployment-pipeline-aspdotnet-core-docker/table-of-contents</a:t>
+            </a:r>
+            <a:endParaRPr lang="en-US" dirty="0" smtClean="0"/>
+          </a:p>
+          <a:p>
             <a:endParaRPr lang="en-US" dirty="0" smtClean="0"/>
           </a:p>
           <a:p>
@@ -810,6 +844,258 @@
     <p:extLst>
       <p:ext uri="{BB962C8B-B14F-4D97-AF65-F5344CB8AC3E}">
         <p14:creationId xmlns:p14="http://schemas.microsoft.com/office/powerpoint/2010/main" val="1098322064"/>
+      </p:ext>
+    </p:extLst>
+  </p:cSld>
+  <p:clrMapOvr>
+    <a:masterClrMapping/>
+  </p:clrMapOvr>
+</p:notes>
+</file>
+
+<file path=ppt/notesSlides/notesSlide10.xml><?xml version="1.0" encoding="utf-8"?>
+<p:notes xmlns:a="http://schemas.openxmlformats.org/drawingml/2006/main" xmlns:r="http://schemas.openxmlformats.org/officeDocument/2006/relationships" xmlns:p="http://schemas.openxmlformats.org/presentationml/2006/main">
+  <p:cSld>
+    <p:spTree>
+      <p:nvGrpSpPr>
+        <p:cNvPr id="1" name=""/>
+        <p:cNvGrpSpPr/>
+        <p:nvPr/>
+      </p:nvGrpSpPr>
+      <p:grpSpPr>
+        <a:xfrm>
+          <a:off x="0" y="0"/>
+          <a:ext cx="0" cy="0"/>
+          <a:chOff x="0" y="0"/>
+          <a:chExt cx="0" cy="0"/>
+        </a:xfrm>
+      </p:grpSpPr>
+      <p:sp>
+        <p:nvSpPr>
+          <p:cNvPr id="2" name="Slide Image Placeholder 1"/>
+          <p:cNvSpPr>
+            <a:spLocks noGrp="1" noRot="1" noChangeAspect="1"/>
+          </p:cNvSpPr>
+          <p:nvPr>
+            <p:ph type="sldImg"/>
+          </p:nvPr>
+        </p:nvSpPr>
+        <p:spPr/>
+      </p:sp>
+      <p:sp>
+        <p:nvSpPr>
+          <p:cNvPr id="3" name="Notes Placeholder 2"/>
+          <p:cNvSpPr>
+            <a:spLocks noGrp="1"/>
+          </p:cNvSpPr>
+          <p:nvPr>
+            <p:ph type="body" idx="1"/>
+          </p:nvPr>
+        </p:nvSpPr>
+        <p:spPr/>
+        <p:txBody>
+          <a:bodyPr/>
+          <a:lstStyle/>
+          <a:p>
+            <a:endParaRPr lang="en-US" dirty="0"/>
+          </a:p>
+        </p:txBody>
+      </p:sp>
+      <p:sp>
+        <p:nvSpPr>
+          <p:cNvPr id="4" name="Slide Number Placeholder 3"/>
+          <p:cNvSpPr>
+            <a:spLocks noGrp="1"/>
+          </p:cNvSpPr>
+          <p:nvPr>
+            <p:ph type="sldNum" sz="quarter" idx="10"/>
+          </p:nvPr>
+        </p:nvSpPr>
+        <p:spPr/>
+        <p:txBody>
+          <a:bodyPr/>
+          <a:lstStyle/>
+          <a:p>
+            <a:fld id="{3115089C-FA7F-4ED1-B884-9FD8C1D022EA}" type="slidenum">
+              <a:rPr lang="en-US" smtClean="0"/>
+              <a:t>10</a:t>
+            </a:fld>
+            <a:endParaRPr lang="en-US"/>
+          </a:p>
+        </p:txBody>
+      </p:sp>
+    </p:spTree>
+    <p:extLst>
+      <p:ext uri="{BB962C8B-B14F-4D97-AF65-F5344CB8AC3E}">
+        <p14:creationId xmlns:p14="http://schemas.microsoft.com/office/powerpoint/2010/main" val="705697832"/>
+      </p:ext>
+    </p:extLst>
+  </p:cSld>
+  <p:clrMapOvr>
+    <a:masterClrMapping/>
+  </p:clrMapOvr>
+</p:notes>
+</file>
+
+<file path=ppt/notesSlides/notesSlide11.xml><?xml version="1.0" encoding="utf-8"?>
+<p:notes xmlns:a="http://schemas.openxmlformats.org/drawingml/2006/main" xmlns:r="http://schemas.openxmlformats.org/officeDocument/2006/relationships" xmlns:p="http://schemas.openxmlformats.org/presentationml/2006/main">
+  <p:cSld>
+    <p:spTree>
+      <p:nvGrpSpPr>
+        <p:cNvPr id="1" name=""/>
+        <p:cNvGrpSpPr/>
+        <p:nvPr/>
+      </p:nvGrpSpPr>
+      <p:grpSpPr>
+        <a:xfrm>
+          <a:off x="0" y="0"/>
+          <a:ext cx="0" cy="0"/>
+          <a:chOff x="0" y="0"/>
+          <a:chExt cx="0" cy="0"/>
+        </a:xfrm>
+      </p:grpSpPr>
+      <p:sp>
+        <p:nvSpPr>
+          <p:cNvPr id="2" name="Slide Image Placeholder 1"/>
+          <p:cNvSpPr>
+            <a:spLocks noGrp="1" noRot="1" noChangeAspect="1"/>
+          </p:cNvSpPr>
+          <p:nvPr>
+            <p:ph type="sldImg"/>
+          </p:nvPr>
+        </p:nvSpPr>
+        <p:spPr/>
+      </p:sp>
+      <p:sp>
+        <p:nvSpPr>
+          <p:cNvPr id="3" name="Notes Placeholder 2"/>
+          <p:cNvSpPr>
+            <a:spLocks noGrp="1"/>
+          </p:cNvSpPr>
+          <p:nvPr>
+            <p:ph type="body" idx="1"/>
+          </p:nvPr>
+        </p:nvSpPr>
+        <p:spPr/>
+        <p:txBody>
+          <a:bodyPr/>
+          <a:lstStyle/>
+          <a:p>
+            <a:endParaRPr lang="en-US" dirty="0"/>
+          </a:p>
+        </p:txBody>
+      </p:sp>
+      <p:sp>
+        <p:nvSpPr>
+          <p:cNvPr id="4" name="Slide Number Placeholder 3"/>
+          <p:cNvSpPr>
+            <a:spLocks noGrp="1"/>
+          </p:cNvSpPr>
+          <p:nvPr>
+            <p:ph type="sldNum" sz="quarter" idx="10"/>
+          </p:nvPr>
+        </p:nvSpPr>
+        <p:spPr/>
+        <p:txBody>
+          <a:bodyPr/>
+          <a:lstStyle/>
+          <a:p>
+            <a:fld id="{3115089C-FA7F-4ED1-B884-9FD8C1D022EA}" type="slidenum">
+              <a:rPr lang="en-US" smtClean="0"/>
+              <a:t>11</a:t>
+            </a:fld>
+            <a:endParaRPr lang="en-US"/>
+          </a:p>
+        </p:txBody>
+      </p:sp>
+    </p:spTree>
+    <p:extLst>
+      <p:ext uri="{BB962C8B-B14F-4D97-AF65-F5344CB8AC3E}">
+        <p14:creationId xmlns:p14="http://schemas.microsoft.com/office/powerpoint/2010/main" val="12386780"/>
+      </p:ext>
+    </p:extLst>
+  </p:cSld>
+  <p:clrMapOvr>
+    <a:masterClrMapping/>
+  </p:clrMapOvr>
+</p:notes>
+</file>
+
+<file path=ppt/notesSlides/notesSlide12.xml><?xml version="1.0" encoding="utf-8"?>
+<p:notes xmlns:a="http://schemas.openxmlformats.org/drawingml/2006/main" xmlns:r="http://schemas.openxmlformats.org/officeDocument/2006/relationships" xmlns:p="http://schemas.openxmlformats.org/presentationml/2006/main">
+  <p:cSld>
+    <p:spTree>
+      <p:nvGrpSpPr>
+        <p:cNvPr id="1" name=""/>
+        <p:cNvGrpSpPr/>
+        <p:nvPr/>
+      </p:nvGrpSpPr>
+      <p:grpSpPr>
+        <a:xfrm>
+          <a:off x="0" y="0"/>
+          <a:ext cx="0" cy="0"/>
+          <a:chOff x="0" y="0"/>
+          <a:chExt cx="0" cy="0"/>
+        </a:xfrm>
+      </p:grpSpPr>
+      <p:sp>
+        <p:nvSpPr>
+          <p:cNvPr id="2" name="Slide Image Placeholder 1"/>
+          <p:cNvSpPr>
+            <a:spLocks noGrp="1" noRot="1" noChangeAspect="1"/>
+          </p:cNvSpPr>
+          <p:nvPr>
+            <p:ph type="sldImg"/>
+          </p:nvPr>
+        </p:nvSpPr>
+        <p:spPr/>
+      </p:sp>
+      <p:sp>
+        <p:nvSpPr>
+          <p:cNvPr id="3" name="Notes Placeholder 2"/>
+          <p:cNvSpPr>
+            <a:spLocks noGrp="1"/>
+          </p:cNvSpPr>
+          <p:nvPr>
+            <p:ph type="body" idx="1"/>
+          </p:nvPr>
+        </p:nvSpPr>
+        <p:spPr/>
+        <p:txBody>
+          <a:bodyPr/>
+          <a:lstStyle/>
+          <a:p>
+            <a:endParaRPr lang="en-US" dirty="0"/>
+          </a:p>
+        </p:txBody>
+      </p:sp>
+      <p:sp>
+        <p:nvSpPr>
+          <p:cNvPr id="4" name="Slide Number Placeholder 3"/>
+          <p:cNvSpPr>
+            <a:spLocks noGrp="1"/>
+          </p:cNvSpPr>
+          <p:nvPr>
+            <p:ph type="sldNum" sz="quarter" idx="10"/>
+          </p:nvPr>
+        </p:nvSpPr>
+        <p:spPr/>
+        <p:txBody>
+          <a:bodyPr/>
+          <a:lstStyle/>
+          <a:p>
+            <a:fld id="{3115089C-FA7F-4ED1-B884-9FD8C1D022EA}" type="slidenum">
+              <a:rPr lang="en-US" smtClean="0"/>
+              <a:t>12</a:t>
+            </a:fld>
+            <a:endParaRPr lang="en-US"/>
+          </a:p>
+        </p:txBody>
+      </p:sp>
+    </p:spTree>
+    <p:extLst>
+      <p:ext uri="{BB962C8B-B14F-4D97-AF65-F5344CB8AC3E}">
+        <p14:creationId xmlns:p14="http://schemas.microsoft.com/office/powerpoint/2010/main" val="3339759399"/>
       </p:ext>
     </p:extLst>
   </p:cSld>
@@ -864,20 +1150,16 @@
           <a:lstStyle/>
           <a:p>
             <a:r>
-              <a:rPr lang="en-US" dirty="0" smtClean="0"/>
-              <a:t>.NET App</a:t>
-            </a:r>
-          </a:p>
-          <a:p>
-            <a:r>
-              <a:rPr lang="en-US" dirty="0" smtClean="0"/>
-              <a:t>NGINX</a:t>
-            </a:r>
-            <a:r>
-              <a:rPr lang="en-US" baseline="0" dirty="0" smtClean="0"/>
-              <a:t> web server</a:t>
-            </a:r>
-            <a:endParaRPr lang="en-US" dirty="0"/>
+              <a:rPr lang="en-US" sz="1400" b="1" dirty="0" smtClean="0"/>
+              <a:t>Image Sources: </a:t>
+            </a:r>
+            <a:r>
+              <a:rPr lang="en-US" dirty="0" smtClean="0">
+                <a:hlinkClick r:id="rId3"/>
+              </a:rPr>
+              <a:t>https://app.pluralsight.com/library/courses/deployment-pipeline-aspdotnet-core-docker/table-of-contents</a:t>
+            </a:r>
+            <a:endParaRPr lang="en-US" dirty="0" smtClean="0"/>
           </a:p>
         </p:txBody>
       </p:sp>
@@ -898,7 +1180,7 @@
           <a:p>
             <a:fld id="{3115089C-FA7F-4ED1-B884-9FD8C1D022EA}" type="slidenum">
               <a:rPr lang="en-US" smtClean="0"/>
-              <a:t>3</a:t>
+              <a:t>2</a:t>
             </a:fld>
             <a:endParaRPr lang="en-US"/>
           </a:p>
@@ -907,7 +1189,7 @@
     </p:spTree>
     <p:extLst>
       <p:ext uri="{BB962C8B-B14F-4D97-AF65-F5344CB8AC3E}">
-        <p14:creationId xmlns:p14="http://schemas.microsoft.com/office/powerpoint/2010/main" val="2430158805"/>
+        <p14:creationId xmlns:p14="http://schemas.microsoft.com/office/powerpoint/2010/main" val="2223196170"/>
       </p:ext>
     </p:extLst>
   </p:cSld>
@@ -962,123 +1244,50 @@
           <a:lstStyle/>
           <a:p>
             <a:r>
-              <a:rPr lang="en-US" b="1" dirty="0" smtClean="0"/>
-              <a:t>Create application (REST </a:t>
-            </a:r>
-            <a:r>
-              <a:rPr lang="en-US" b="1" dirty="0" err="1" smtClean="0"/>
-              <a:t>WebAPI</a:t>
-            </a:r>
-            <a:r>
-              <a:rPr lang="en-US" b="1" dirty="0" smtClean="0"/>
-              <a:t> Controller), then tie Build</a:t>
-            </a:r>
-            <a:r>
-              <a:rPr lang="en-US" b="1" baseline="0" dirty="0" smtClean="0"/>
-              <a:t> and tests together for CI </a:t>
-            </a:r>
-            <a:endParaRPr lang="en-US" b="1" dirty="0" smtClean="0"/>
-          </a:p>
-          <a:p>
-            <a:endParaRPr lang="en-US" dirty="0" smtClean="0"/>
-          </a:p>
-          <a:p>
-            <a:r>
               <a:rPr lang="en-US" dirty="0" smtClean="0"/>
-              <a:t>Write</a:t>
-            </a:r>
-            <a:r>
-              <a:rPr lang="en-US" baseline="0" dirty="0" smtClean="0"/>
-              <a:t> app and test code using language specific tools (again .NET in this case). Run it locally.</a:t>
-            </a:r>
-          </a:p>
-          <a:p>
+              <a:t>.NET App</a:t>
+            </a:r>
+          </a:p>
+          <a:p>
+            <a:r>
+              <a:rPr lang="en-US" dirty="0" err="1" smtClean="0"/>
+              <a:t>MailHog</a:t>
+            </a:r>
             <a:endParaRPr lang="en-US" baseline="0" dirty="0" smtClean="0"/>
           </a:p>
           <a:p>
-            <a:r>
-              <a:rPr lang="en-US" baseline="0" dirty="0" smtClean="0"/>
-              <a:t>Add a </a:t>
-            </a:r>
-            <a:r>
-              <a:rPr lang="en-US" baseline="0" dirty="0" err="1" smtClean="0"/>
-              <a:t>dockerFile</a:t>
-            </a:r>
-            <a:r>
-              <a:rPr lang="en-US" baseline="0" dirty="0" smtClean="0"/>
-              <a:t> to build the application image</a:t>
-            </a:r>
-          </a:p>
-          <a:p>
             <a:endParaRPr lang="en-US" baseline="0" dirty="0" smtClean="0"/>
           </a:p>
           <a:p>
-            <a:r>
-              <a:rPr lang="en-US" baseline="0" dirty="0" smtClean="0"/>
-              <a:t>Tag that </a:t>
-            </a:r>
-            <a:r>
-              <a:rPr lang="en-US" baseline="0" dirty="0" err="1" smtClean="0"/>
-              <a:t>dockerFile</a:t>
-            </a:r>
-            <a:r>
-              <a:rPr lang="en-US" baseline="0" dirty="0" smtClean="0"/>
-              <a:t> so it can be recalled and used via CI</a:t>
-            </a:r>
-          </a:p>
-          <a:p>
             <a:endParaRPr lang="en-US" baseline="0" dirty="0" smtClean="0"/>
           </a:p>
           <a:p>
-            <a:r>
-              <a:rPr lang="en-US" baseline="0" dirty="0" smtClean="0"/>
-              <a:t>Create a </a:t>
-            </a:r>
-            <a:r>
-              <a:rPr lang="en-US" baseline="0" dirty="0" err="1" smtClean="0"/>
-              <a:t>docker</a:t>
-            </a:r>
-            <a:r>
-              <a:rPr lang="en-US" baseline="0" dirty="0" smtClean="0"/>
-              <a:t>-compose file to tie automation together:</a:t>
-            </a:r>
-          </a:p>
-          <a:p>
-            <a:pPr marL="171450" indent="-171450">
-              <a:buFont typeface="Arial" panose="020B0604020202020204" pitchFamily="34" charset="0"/>
-              <a:buChar char="•"/>
+            <a:pPr marL="0" marR="0" lvl="0" indent="0" algn="l" defTabSz="914400" rtl="0" eaLnBrk="1" fontAlgn="auto" latinLnBrk="0" hangingPunct="1">
+              <a:lnSpc>
+                <a:spcPct val="100000"/>
+              </a:lnSpc>
+              <a:spcBef>
+                <a:spcPts val="0"/>
+              </a:spcBef>
+              <a:spcAft>
+                <a:spcPts val="0"/>
+              </a:spcAft>
+              <a:buClrTx/>
+              <a:buSzTx/>
+              <a:buFontTx/>
+              <a:buNone/>
+              <a:tabLst/>
+              <a:defRPr/>
             </a:pPr>
             <a:r>
-              <a:rPr lang="en-US" baseline="0" dirty="0" smtClean="0"/>
-              <a:t>Run REST image (slide 4)</a:t>
-            </a:r>
-          </a:p>
-          <a:p>
-            <a:pPr marL="171450" indent="-171450">
-              <a:buFont typeface="Arial" panose="020B0604020202020204" pitchFamily="34" charset="0"/>
-              <a:buChar char="•"/>
-            </a:pPr>
-            <a:r>
-              <a:rPr lang="en-US" baseline="0" dirty="0" smtClean="0"/>
-              <a:t>Start </a:t>
-            </a:r>
-            <a:r>
-              <a:rPr lang="en-US" baseline="0" dirty="0" err="1" smtClean="0"/>
-              <a:t>MailHog</a:t>
-            </a:r>
-            <a:r>
-              <a:rPr lang="en-US" baseline="0" dirty="0" smtClean="0"/>
-              <a:t> server (SMTP so REST can actually send an email)</a:t>
-            </a:r>
-          </a:p>
-          <a:p>
-            <a:pPr marL="171450" indent="-171450">
-              <a:buFont typeface="Arial" panose="020B0604020202020204" pitchFamily="34" charset="0"/>
-              <a:buChar char="•"/>
-            </a:pPr>
-            <a:r>
-              <a:rPr lang="en-US" baseline="0" dirty="0" smtClean="0"/>
-              <a:t>Run integration tests</a:t>
+              <a:rPr lang="en-US" sz="1400" b="1" dirty="0" smtClean="0"/>
+              <a:t>Image Sources: </a:t>
+            </a:r>
+            <a:r>
+              <a:rPr lang="en-US" dirty="0" smtClean="0">
+                <a:hlinkClick r:id="rId3"/>
+              </a:rPr>
+              <a:t>https://app.pluralsight.com/library/courses/deployment-pipeline-aspdotnet-core-docker/table-of-contents</a:t>
             </a:r>
             <a:endParaRPr lang="en-US" dirty="0" smtClean="0"/>
           </a:p>
@@ -1104,7 +1313,7 @@
           <a:p>
             <a:fld id="{3115089C-FA7F-4ED1-B884-9FD8C1D022EA}" type="slidenum">
               <a:rPr lang="en-US" smtClean="0"/>
-              <a:t>4</a:t>
+              <a:t>3</a:t>
             </a:fld>
             <a:endParaRPr lang="en-US"/>
           </a:p>
@@ -1113,7 +1322,7 @@
     </p:spTree>
     <p:extLst>
       <p:ext uri="{BB962C8B-B14F-4D97-AF65-F5344CB8AC3E}">
-        <p14:creationId xmlns:p14="http://schemas.microsoft.com/office/powerpoint/2010/main" val="1045274043"/>
+        <p14:creationId xmlns:p14="http://schemas.microsoft.com/office/powerpoint/2010/main" val="2430158805"/>
       </p:ext>
     </p:extLst>
   </p:cSld>
@@ -1167,6 +1376,128 @@
           <a:bodyPr/>
           <a:lstStyle/>
           <a:p>
+            <a:r>
+              <a:rPr lang="en-US" b="1" dirty="0" smtClean="0"/>
+              <a:t>Create application (REST </a:t>
+            </a:r>
+            <a:r>
+              <a:rPr lang="en-US" b="1" dirty="0" err="1" smtClean="0"/>
+              <a:t>WebAPI</a:t>
+            </a:r>
+            <a:r>
+              <a:rPr lang="en-US" b="1" dirty="0" smtClean="0"/>
+              <a:t> Controller), then tie Build</a:t>
+            </a:r>
+            <a:r>
+              <a:rPr lang="en-US" b="1" baseline="0" dirty="0" smtClean="0"/>
+              <a:t> and tests together for CI </a:t>
+            </a:r>
+            <a:endParaRPr lang="en-US" b="1" dirty="0" smtClean="0"/>
+          </a:p>
+          <a:p>
+            <a:endParaRPr lang="en-US" dirty="0" smtClean="0"/>
+          </a:p>
+          <a:p>
+            <a:r>
+              <a:rPr lang="en-US" dirty="0" smtClean="0"/>
+              <a:t>Write</a:t>
+            </a:r>
+            <a:r>
+              <a:rPr lang="en-US" baseline="0" dirty="0" smtClean="0"/>
+              <a:t> app and test code using language specific tools (again .NET in this case). Run it locally.</a:t>
+            </a:r>
+          </a:p>
+          <a:p>
+            <a:endParaRPr lang="en-US" baseline="0" dirty="0" smtClean="0"/>
+          </a:p>
+          <a:p>
+            <a:r>
+              <a:rPr lang="en-US" baseline="0" dirty="0" smtClean="0"/>
+              <a:t>Add a </a:t>
+            </a:r>
+            <a:r>
+              <a:rPr lang="en-US" baseline="0" dirty="0" err="1" smtClean="0"/>
+              <a:t>dockerFile</a:t>
+            </a:r>
+            <a:r>
+              <a:rPr lang="en-US" baseline="0" dirty="0" smtClean="0"/>
+              <a:t> to build the application image</a:t>
+            </a:r>
+          </a:p>
+          <a:p>
+            <a:endParaRPr lang="en-US" baseline="0" dirty="0" smtClean="0"/>
+          </a:p>
+          <a:p>
+            <a:r>
+              <a:rPr lang="en-US" baseline="0" dirty="0" smtClean="0"/>
+              <a:t>Tag that </a:t>
+            </a:r>
+            <a:r>
+              <a:rPr lang="en-US" baseline="0" dirty="0" err="1" smtClean="0"/>
+              <a:t>dockerFile</a:t>
+            </a:r>
+            <a:r>
+              <a:rPr lang="en-US" baseline="0" dirty="0" smtClean="0"/>
+              <a:t> so it can be recalled and used via CI</a:t>
+            </a:r>
+          </a:p>
+          <a:p>
+            <a:endParaRPr lang="en-US" baseline="0" dirty="0" smtClean="0"/>
+          </a:p>
+          <a:p>
+            <a:r>
+              <a:rPr lang="en-US" baseline="0" dirty="0" smtClean="0"/>
+              <a:t>Create a </a:t>
+            </a:r>
+            <a:r>
+              <a:rPr lang="en-US" baseline="0" dirty="0" err="1" smtClean="0"/>
+              <a:t>docker</a:t>
+            </a:r>
+            <a:r>
+              <a:rPr lang="en-US" baseline="0" dirty="0" smtClean="0"/>
+              <a:t>-compose file to tie automation together:</a:t>
+            </a:r>
+          </a:p>
+          <a:p>
+            <a:pPr marL="171450" indent="-171450">
+              <a:buFont typeface="Arial" panose="020B0604020202020204" pitchFamily="34" charset="0"/>
+              <a:buChar char="•"/>
+            </a:pPr>
+            <a:r>
+              <a:rPr lang="en-US" baseline="0" dirty="0" smtClean="0"/>
+              <a:t>Run REST image (slide 4)</a:t>
+            </a:r>
+          </a:p>
+          <a:p>
+            <a:pPr marL="171450" indent="-171450">
+              <a:buFont typeface="Arial" panose="020B0604020202020204" pitchFamily="34" charset="0"/>
+              <a:buChar char="•"/>
+            </a:pPr>
+            <a:r>
+              <a:rPr lang="en-US" baseline="0" dirty="0" smtClean="0"/>
+              <a:t>Start </a:t>
+            </a:r>
+            <a:r>
+              <a:rPr lang="en-US" baseline="0" dirty="0" err="1" smtClean="0"/>
+              <a:t>MailHog</a:t>
+            </a:r>
+            <a:r>
+              <a:rPr lang="en-US" baseline="0" dirty="0" smtClean="0"/>
+              <a:t> server (SMTP so REST can actually send an email)</a:t>
+            </a:r>
+          </a:p>
+          <a:p>
+            <a:pPr marL="171450" indent="-171450">
+              <a:buFont typeface="Arial" panose="020B0604020202020204" pitchFamily="34" charset="0"/>
+              <a:buChar char="•"/>
+            </a:pPr>
+            <a:r>
+              <a:rPr lang="en-US" baseline="0" dirty="0" smtClean="0"/>
+              <a:t>Run integration tests</a:t>
+            </a:r>
+            <a:endParaRPr lang="en-US" dirty="0" smtClean="0"/>
+          </a:p>
+          <a:p>
             <a:endParaRPr lang="en-US" dirty="0"/>
           </a:p>
         </p:txBody>
@@ -1188,7 +1519,7 @@
           <a:p>
             <a:fld id="{3115089C-FA7F-4ED1-B884-9FD8C1D022EA}" type="slidenum">
               <a:rPr lang="en-US" smtClean="0"/>
-              <a:t>5</a:t>
+              <a:t>4</a:t>
             </a:fld>
             <a:endParaRPr lang="en-US"/>
           </a:p>
@@ -1197,7 +1528,7 @@
     </p:spTree>
     <p:extLst>
       <p:ext uri="{BB962C8B-B14F-4D97-AF65-F5344CB8AC3E}">
-        <p14:creationId xmlns:p14="http://schemas.microsoft.com/office/powerpoint/2010/main" val="2255725260"/>
+        <p14:creationId xmlns:p14="http://schemas.microsoft.com/office/powerpoint/2010/main" val="1045274043"/>
       </p:ext>
     </p:extLst>
   </p:cSld>
@@ -1272,7 +1603,7 @@
           <a:p>
             <a:fld id="{3115089C-FA7F-4ED1-B884-9FD8C1D022EA}" type="slidenum">
               <a:rPr lang="en-US" smtClean="0"/>
-              <a:t>6</a:t>
+              <a:t>5</a:t>
             </a:fld>
             <a:endParaRPr lang="en-US"/>
           </a:p>
@@ -1281,7 +1612,7 @@
     </p:spTree>
     <p:extLst>
       <p:ext uri="{BB962C8B-B14F-4D97-AF65-F5344CB8AC3E}">
-        <p14:creationId xmlns:p14="http://schemas.microsoft.com/office/powerpoint/2010/main" val="2414693430"/>
+        <p14:creationId xmlns:p14="http://schemas.microsoft.com/office/powerpoint/2010/main" val="2255725260"/>
       </p:ext>
     </p:extLst>
   </p:cSld>
@@ -1335,133 +1666,6 @@
           <a:bodyPr/>
           <a:lstStyle/>
           <a:p>
-            <a:r>
-              <a:rPr lang="en-US" b="1" dirty="0" smtClean="0"/>
-              <a:t>Create Integration application, then tie Build</a:t>
-            </a:r>
-            <a:r>
-              <a:rPr lang="en-US" b="1" baseline="0" dirty="0" smtClean="0"/>
-              <a:t>, Infrastructure (</a:t>
-            </a:r>
-            <a:r>
-              <a:rPr lang="en-US" b="1" baseline="0" dirty="0" err="1" smtClean="0"/>
-              <a:t>Mailhog</a:t>
-            </a:r>
-            <a:r>
-              <a:rPr lang="en-US" b="1" baseline="0" dirty="0" smtClean="0"/>
-              <a:t>) and Integration tests together for CI </a:t>
-            </a:r>
-            <a:endParaRPr lang="en-US" b="1" dirty="0" smtClean="0"/>
-          </a:p>
-          <a:p>
-            <a:endParaRPr lang="en-US" dirty="0" smtClean="0"/>
-          </a:p>
-          <a:p>
-            <a:r>
-              <a:rPr lang="en-US" dirty="0" smtClean="0"/>
-              <a:t>Write</a:t>
-            </a:r>
-            <a:r>
-              <a:rPr lang="en-US" baseline="0" dirty="0" smtClean="0"/>
-              <a:t> integration tests and use language specific tools (again .NET in this case)</a:t>
-            </a:r>
-          </a:p>
-          <a:p>
-            <a:endParaRPr lang="en-US" baseline="0" dirty="0" smtClean="0"/>
-          </a:p>
-          <a:p>
-            <a:r>
-              <a:rPr lang="en-US" baseline="0" dirty="0" smtClean="0"/>
-              <a:t>Add a </a:t>
-            </a:r>
-            <a:r>
-              <a:rPr lang="en-US" baseline="0" dirty="0" err="1" smtClean="0"/>
-              <a:t>dockerFile</a:t>
-            </a:r>
-            <a:r>
-              <a:rPr lang="en-US" baseline="0" dirty="0" smtClean="0"/>
-              <a:t> to create a integration test image that can be run… Note: not being built every time for efficiency</a:t>
-            </a:r>
-          </a:p>
-          <a:p>
-            <a:endParaRPr lang="en-US" baseline="0" dirty="0" smtClean="0"/>
-          </a:p>
-          <a:p>
-            <a:r>
-              <a:rPr lang="en-US" baseline="0" dirty="0" smtClean="0"/>
-              <a:t>Tag that </a:t>
-            </a:r>
-            <a:r>
-              <a:rPr lang="en-US" baseline="0" dirty="0" err="1" smtClean="0"/>
-              <a:t>dockerFile</a:t>
-            </a:r>
-            <a:r>
-              <a:rPr lang="en-US" baseline="0" dirty="0" smtClean="0"/>
-              <a:t> so it can be recalled and used via CI</a:t>
-            </a:r>
-          </a:p>
-          <a:p>
-            <a:endParaRPr lang="en-US" baseline="0" dirty="0" smtClean="0"/>
-          </a:p>
-          <a:p>
-            <a:r>
-              <a:rPr lang="en-US" baseline="0" dirty="0" smtClean="0"/>
-              <a:t>Create a </a:t>
-            </a:r>
-            <a:r>
-              <a:rPr lang="en-US" baseline="0" dirty="0" err="1" smtClean="0"/>
-              <a:t>docker</a:t>
-            </a:r>
-            <a:r>
-              <a:rPr lang="en-US" baseline="0" dirty="0" smtClean="0"/>
-              <a:t>-compose file to tie automation together:</a:t>
-            </a:r>
-          </a:p>
-          <a:p>
-            <a:pPr marL="171450" indent="-171450">
-              <a:buFont typeface="Arial" panose="020B0604020202020204" pitchFamily="34" charset="0"/>
-              <a:buChar char="•"/>
-            </a:pPr>
-            <a:r>
-              <a:rPr lang="en-US" baseline="0" dirty="0" smtClean="0"/>
-              <a:t>Run </a:t>
-            </a:r>
-            <a:r>
-              <a:rPr lang="en-US" baseline="0" dirty="0" smtClean="0"/>
-              <a:t>REST </a:t>
-            </a:r>
-            <a:r>
-              <a:rPr lang="en-US" baseline="0" dirty="0" smtClean="0"/>
-              <a:t>image (slide 4)</a:t>
-            </a:r>
-          </a:p>
-          <a:p>
-            <a:pPr marL="171450" indent="-171450">
-              <a:buFont typeface="Arial" panose="020B0604020202020204" pitchFamily="34" charset="0"/>
-              <a:buChar char="•"/>
-            </a:pPr>
-            <a:r>
-              <a:rPr lang="en-US" baseline="0" dirty="0" smtClean="0"/>
-              <a:t>Start </a:t>
-            </a:r>
-            <a:r>
-              <a:rPr lang="en-US" baseline="0" dirty="0" err="1" smtClean="0"/>
-              <a:t>MailHog</a:t>
-            </a:r>
-            <a:r>
-              <a:rPr lang="en-US" baseline="0" dirty="0" smtClean="0"/>
-              <a:t> server (SMTP so REST can actually send an email)</a:t>
-            </a:r>
-          </a:p>
-          <a:p>
-            <a:pPr marL="171450" indent="-171450">
-              <a:buFont typeface="Arial" panose="020B0604020202020204" pitchFamily="34" charset="0"/>
-              <a:buChar char="•"/>
-            </a:pPr>
-            <a:r>
-              <a:rPr lang="en-US" baseline="0" dirty="0" smtClean="0"/>
-              <a:t>Run integration tests</a:t>
-            </a:r>
             <a:endParaRPr lang="en-US" dirty="0"/>
           </a:p>
         </p:txBody>
@@ -1483,7 +1687,7 @@
           <a:p>
             <a:fld id="{3115089C-FA7F-4ED1-B884-9FD8C1D022EA}" type="slidenum">
               <a:rPr lang="en-US" smtClean="0"/>
-              <a:t>7</a:t>
+              <a:t>6</a:t>
             </a:fld>
             <a:endParaRPr lang="en-US"/>
           </a:p>
@@ -1492,7 +1696,7 @@
     </p:spTree>
     <p:extLst>
       <p:ext uri="{BB962C8B-B14F-4D97-AF65-F5344CB8AC3E}">
-        <p14:creationId xmlns:p14="http://schemas.microsoft.com/office/powerpoint/2010/main" val="3542886446"/>
+        <p14:creationId xmlns:p14="http://schemas.microsoft.com/office/powerpoint/2010/main" val="2414693430"/>
       </p:ext>
     </p:extLst>
   </p:cSld>
@@ -1546,6 +1750,125 @@
           <a:bodyPr/>
           <a:lstStyle/>
           <a:p>
+            <a:r>
+              <a:rPr lang="en-US" b="1" dirty="0" smtClean="0"/>
+              <a:t>Create Integration application, then tie Build</a:t>
+            </a:r>
+            <a:r>
+              <a:rPr lang="en-US" b="1" baseline="0" dirty="0" smtClean="0"/>
+              <a:t>, Infrastructure (</a:t>
+            </a:r>
+            <a:r>
+              <a:rPr lang="en-US" b="1" baseline="0" dirty="0" err="1" smtClean="0"/>
+              <a:t>Mailhog</a:t>
+            </a:r>
+            <a:r>
+              <a:rPr lang="en-US" b="1" baseline="0" dirty="0" smtClean="0"/>
+              <a:t>) and Integration tests together for CI </a:t>
+            </a:r>
+            <a:endParaRPr lang="en-US" b="1" dirty="0" smtClean="0"/>
+          </a:p>
+          <a:p>
+            <a:endParaRPr lang="en-US" dirty="0" smtClean="0"/>
+          </a:p>
+          <a:p>
+            <a:r>
+              <a:rPr lang="en-US" dirty="0" smtClean="0"/>
+              <a:t>Write</a:t>
+            </a:r>
+            <a:r>
+              <a:rPr lang="en-US" baseline="0" dirty="0" smtClean="0"/>
+              <a:t> integration tests and use language specific tools (again .NET in this case)</a:t>
+            </a:r>
+          </a:p>
+          <a:p>
+            <a:endParaRPr lang="en-US" baseline="0" dirty="0" smtClean="0"/>
+          </a:p>
+          <a:p>
+            <a:r>
+              <a:rPr lang="en-US" baseline="0" dirty="0" smtClean="0"/>
+              <a:t>Add a </a:t>
+            </a:r>
+            <a:r>
+              <a:rPr lang="en-US" baseline="0" dirty="0" err="1" smtClean="0"/>
+              <a:t>dockerFile</a:t>
+            </a:r>
+            <a:r>
+              <a:rPr lang="en-US" baseline="0" dirty="0" smtClean="0"/>
+              <a:t> to create a integration test image that can be run… Note: not being built every time for efficiency</a:t>
+            </a:r>
+          </a:p>
+          <a:p>
+            <a:endParaRPr lang="en-US" baseline="0" dirty="0" smtClean="0"/>
+          </a:p>
+          <a:p>
+            <a:r>
+              <a:rPr lang="en-US" baseline="0" dirty="0" smtClean="0"/>
+              <a:t>Tag that </a:t>
+            </a:r>
+            <a:r>
+              <a:rPr lang="en-US" baseline="0" dirty="0" err="1" smtClean="0"/>
+              <a:t>dockerFile</a:t>
+            </a:r>
+            <a:r>
+              <a:rPr lang="en-US" baseline="0" dirty="0" smtClean="0"/>
+              <a:t> so it can be recalled and used via CI</a:t>
+            </a:r>
+          </a:p>
+          <a:p>
+            <a:endParaRPr lang="en-US" baseline="0" dirty="0" smtClean="0"/>
+          </a:p>
+          <a:p>
+            <a:r>
+              <a:rPr lang="en-US" baseline="0" dirty="0" smtClean="0"/>
+              <a:t>Create a </a:t>
+            </a:r>
+            <a:r>
+              <a:rPr lang="en-US" baseline="0" dirty="0" err="1" smtClean="0"/>
+              <a:t>docker</a:t>
+            </a:r>
+            <a:r>
+              <a:rPr lang="en-US" baseline="0" dirty="0" smtClean="0"/>
+              <a:t>-compose file to tie automation together:</a:t>
+            </a:r>
+          </a:p>
+          <a:p>
+            <a:pPr marL="171450" indent="-171450">
+              <a:buFont typeface="Arial" panose="020B0604020202020204" pitchFamily="34" charset="0"/>
+              <a:buChar char="•"/>
+            </a:pPr>
+            <a:r>
+              <a:rPr lang="en-US" baseline="0" dirty="0" smtClean="0"/>
+              <a:t>Run REST image (slide 4)</a:t>
+            </a:r>
+          </a:p>
+          <a:p>
+            <a:pPr marL="171450" indent="-171450">
+              <a:buFont typeface="Arial" panose="020B0604020202020204" pitchFamily="34" charset="0"/>
+              <a:buChar char="•"/>
+            </a:pPr>
+            <a:r>
+              <a:rPr lang="en-US" baseline="0" dirty="0" smtClean="0"/>
+              <a:t>Start </a:t>
+            </a:r>
+            <a:r>
+              <a:rPr lang="en-US" baseline="0" dirty="0" err="1" smtClean="0"/>
+              <a:t>MailHog</a:t>
+            </a:r>
+            <a:r>
+              <a:rPr lang="en-US" baseline="0" dirty="0" smtClean="0"/>
+              <a:t> server (SMTP so REST can actually send an email)</a:t>
+            </a:r>
+          </a:p>
+          <a:p>
+            <a:pPr marL="171450" indent="-171450">
+              <a:buFont typeface="Arial" panose="020B0604020202020204" pitchFamily="34" charset="0"/>
+              <a:buChar char="•"/>
+            </a:pPr>
+            <a:r>
+              <a:rPr lang="en-US" baseline="0" dirty="0" smtClean="0"/>
+              <a:t>Run integration tests</a:t>
+            </a:r>
             <a:endParaRPr lang="en-US" dirty="0"/>
           </a:p>
         </p:txBody>
@@ -1567,6 +1890,90 @@
           <a:p>
             <a:fld id="{3115089C-FA7F-4ED1-B884-9FD8C1D022EA}" type="slidenum">
               <a:rPr lang="en-US" smtClean="0"/>
+              <a:t>7</a:t>
+            </a:fld>
+            <a:endParaRPr lang="en-US"/>
+          </a:p>
+        </p:txBody>
+      </p:sp>
+    </p:spTree>
+    <p:extLst>
+      <p:ext uri="{BB962C8B-B14F-4D97-AF65-F5344CB8AC3E}">
+        <p14:creationId xmlns:p14="http://schemas.microsoft.com/office/powerpoint/2010/main" val="3542886446"/>
+      </p:ext>
+    </p:extLst>
+  </p:cSld>
+  <p:clrMapOvr>
+    <a:masterClrMapping/>
+  </p:clrMapOvr>
+</p:notes>
+</file>
+
+<file path=ppt/notesSlides/notesSlide8.xml><?xml version="1.0" encoding="utf-8"?>
+<p:notes xmlns:a="http://schemas.openxmlformats.org/drawingml/2006/main" xmlns:r="http://schemas.openxmlformats.org/officeDocument/2006/relationships" xmlns:p="http://schemas.openxmlformats.org/presentationml/2006/main">
+  <p:cSld>
+    <p:spTree>
+      <p:nvGrpSpPr>
+        <p:cNvPr id="1" name=""/>
+        <p:cNvGrpSpPr/>
+        <p:nvPr/>
+      </p:nvGrpSpPr>
+      <p:grpSpPr>
+        <a:xfrm>
+          <a:off x="0" y="0"/>
+          <a:ext cx="0" cy="0"/>
+          <a:chOff x="0" y="0"/>
+          <a:chExt cx="0" cy="0"/>
+        </a:xfrm>
+      </p:grpSpPr>
+      <p:sp>
+        <p:nvSpPr>
+          <p:cNvPr id="2" name="Slide Image Placeholder 1"/>
+          <p:cNvSpPr>
+            <a:spLocks noGrp="1" noRot="1" noChangeAspect="1"/>
+          </p:cNvSpPr>
+          <p:nvPr>
+            <p:ph type="sldImg"/>
+          </p:nvPr>
+        </p:nvSpPr>
+        <p:spPr/>
+      </p:sp>
+      <p:sp>
+        <p:nvSpPr>
+          <p:cNvPr id="3" name="Notes Placeholder 2"/>
+          <p:cNvSpPr>
+            <a:spLocks noGrp="1"/>
+          </p:cNvSpPr>
+          <p:nvPr>
+            <p:ph type="body" idx="1"/>
+          </p:nvPr>
+        </p:nvSpPr>
+        <p:spPr/>
+        <p:txBody>
+          <a:bodyPr/>
+          <a:lstStyle/>
+          <a:p>
+            <a:endParaRPr lang="en-US" dirty="0"/>
+          </a:p>
+        </p:txBody>
+      </p:sp>
+      <p:sp>
+        <p:nvSpPr>
+          <p:cNvPr id="4" name="Slide Number Placeholder 3"/>
+          <p:cNvSpPr>
+            <a:spLocks noGrp="1"/>
+          </p:cNvSpPr>
+          <p:nvPr>
+            <p:ph type="sldNum" sz="quarter" idx="10"/>
+          </p:nvPr>
+        </p:nvSpPr>
+        <p:spPr/>
+        <p:txBody>
+          <a:bodyPr/>
+          <a:lstStyle/>
+          <a:p>
+            <a:fld id="{3115089C-FA7F-4ED1-B884-9FD8C1D022EA}" type="slidenum">
+              <a:rPr lang="en-US" smtClean="0"/>
               <a:t>8</a:t>
             </a:fld>
             <a:endParaRPr lang="en-US"/>
@@ -1577,6 +1984,112 @@
     <p:extLst>
       <p:ext uri="{BB962C8B-B14F-4D97-AF65-F5344CB8AC3E}">
         <p14:creationId xmlns:p14="http://schemas.microsoft.com/office/powerpoint/2010/main" val="1220013536"/>
+      </p:ext>
+    </p:extLst>
+  </p:cSld>
+  <p:clrMapOvr>
+    <a:masterClrMapping/>
+  </p:clrMapOvr>
+</p:notes>
+</file>
+
+<file path=ppt/notesSlides/notesSlide9.xml><?xml version="1.0" encoding="utf-8"?>
+<p:notes xmlns:a="http://schemas.openxmlformats.org/drawingml/2006/main" xmlns:r="http://schemas.openxmlformats.org/officeDocument/2006/relationships" xmlns:p="http://schemas.openxmlformats.org/presentationml/2006/main">
+  <p:cSld>
+    <p:spTree>
+      <p:nvGrpSpPr>
+        <p:cNvPr id="1" name=""/>
+        <p:cNvGrpSpPr/>
+        <p:nvPr/>
+      </p:nvGrpSpPr>
+      <p:grpSpPr>
+        <a:xfrm>
+          <a:off x="0" y="0"/>
+          <a:ext cx="0" cy="0"/>
+          <a:chOff x="0" y="0"/>
+          <a:chExt cx="0" cy="0"/>
+        </a:xfrm>
+      </p:grpSpPr>
+      <p:sp>
+        <p:nvSpPr>
+          <p:cNvPr id="2" name="Slide Image Placeholder 1"/>
+          <p:cNvSpPr>
+            <a:spLocks noGrp="1" noRot="1" noChangeAspect="1"/>
+          </p:cNvSpPr>
+          <p:nvPr>
+            <p:ph type="sldImg"/>
+          </p:nvPr>
+        </p:nvSpPr>
+        <p:spPr/>
+      </p:sp>
+      <p:sp>
+        <p:nvSpPr>
+          <p:cNvPr id="3" name="Notes Placeholder 2"/>
+          <p:cNvSpPr>
+            <a:spLocks noGrp="1"/>
+          </p:cNvSpPr>
+          <p:nvPr>
+            <p:ph type="body" idx="1"/>
+          </p:nvPr>
+        </p:nvSpPr>
+        <p:spPr/>
+        <p:txBody>
+          <a:bodyPr/>
+          <a:lstStyle/>
+          <a:p>
+            <a:r>
+              <a:rPr lang="en-US" sz="1400" b="1" dirty="0" smtClean="0"/>
+              <a:t>Image Sources: </a:t>
+            </a:r>
+            <a:r>
+              <a:rPr lang="en-US" dirty="0" smtClean="0">
+                <a:hlinkClick r:id="rId3"/>
+              </a:rPr>
+              <a:t>https://app.pluralsight.com/library/courses/deployment-pipeline-aspdotnet-core-docker/table-of-contents</a:t>
+            </a:r>
+            <a:endParaRPr lang="en-US" dirty="0" smtClean="0"/>
+          </a:p>
+          <a:p>
+            <a:r>
+              <a:rPr lang="en-US" dirty="0" smtClean="0">
+                <a:hlinkClick r:id="rId4"/>
+              </a:rPr>
+              <a:t>https://github.com/dotnet-architecture/eShopModernizing/wiki/04.-How-to-deploy-your-Windows-Containers-based-apps-into-Kubernetes-in-Azure-Container-Service-(Including-CI-CD)</a:t>
+            </a:r>
+            <a:endParaRPr lang="en-US" dirty="0" smtClean="0"/>
+          </a:p>
+          <a:p>
+            <a:endParaRPr lang="en-US" dirty="0"/>
+          </a:p>
+        </p:txBody>
+      </p:sp>
+      <p:sp>
+        <p:nvSpPr>
+          <p:cNvPr id="4" name="Slide Number Placeholder 3"/>
+          <p:cNvSpPr>
+            <a:spLocks noGrp="1"/>
+          </p:cNvSpPr>
+          <p:nvPr>
+            <p:ph type="sldNum" sz="quarter" idx="10"/>
+          </p:nvPr>
+        </p:nvSpPr>
+        <p:spPr/>
+        <p:txBody>
+          <a:bodyPr/>
+          <a:lstStyle/>
+          <a:p>
+            <a:fld id="{3115089C-FA7F-4ED1-B884-9FD8C1D022EA}" type="slidenum">
+              <a:rPr lang="en-US" smtClean="0"/>
+              <a:t>9</a:t>
+            </a:fld>
+            <a:endParaRPr lang="en-US"/>
+          </a:p>
+        </p:txBody>
+      </p:sp>
+    </p:spTree>
+    <p:extLst>
+      <p:ext uri="{BB962C8B-B14F-4D97-AF65-F5344CB8AC3E}">
+        <p14:creationId xmlns:p14="http://schemas.microsoft.com/office/powerpoint/2010/main" val="1284979124"/>
       </p:ext>
     </p:extLst>
   </p:cSld>
@@ -4445,14 +4958,16 @@
       </p:grpSpPr>
       <p:pic>
         <p:nvPicPr>
-          <p:cNvPr id="2" name="Picture 1"/>
+          <p:cNvPr id="2" name="Picture 1">
+            <a:hlinkClick r:id="rId3"/>
+          </p:cNvPr>
           <p:cNvPicPr>
             <a:picLocks noChangeAspect="1"/>
           </p:cNvPicPr>
           <p:nvPr/>
         </p:nvPicPr>
         <p:blipFill>
-          <a:blip r:embed="rId3"/>
+          <a:blip r:embed="rId4"/>
           <a:stretch>
             <a:fillRect/>
           </a:stretch>
@@ -4722,10 +5237,3303 @@
           </a:p>
         </p:txBody>
       </p:sp>
+      <p:sp>
+        <p:nvSpPr>
+          <p:cNvPr id="10" name="Rectangle 9"/>
+          <p:cNvSpPr/>
+          <p:nvPr/>
+        </p:nvSpPr>
+        <p:spPr>
+          <a:xfrm>
+            <a:off x="7652" y="6466544"/>
+            <a:ext cx="12184348" cy="407804"/>
+          </a:xfrm>
+          <a:prstGeom prst="rect">
+            <a:avLst/>
+          </a:prstGeom>
+        </p:spPr>
+        <p:txBody>
+          <a:bodyPr wrap="square">
+            <a:spAutoFit/>
+          </a:bodyPr>
+          <a:lstStyle/>
+          <a:p>
+            <a:r>
+              <a:rPr lang="en-US" sz="1050" b="1" dirty="0"/>
+              <a:t>Image Sources: </a:t>
+            </a:r>
+            <a:r>
+              <a:rPr lang="en-US" sz="1000" dirty="0">
+                <a:hlinkClick r:id="rId3"/>
+              </a:rPr>
+              <a:t>https://app.pluralsight.com/library/courses/deployment-pipeline-aspdotnet-core-docker/table-of-contents</a:t>
+            </a:r>
+            <a:endParaRPr lang="en-US" sz="1000" dirty="0"/>
+          </a:p>
+          <a:p>
+            <a:r>
+              <a:rPr lang="en-US" sz="1000" dirty="0">
+                <a:hlinkClick r:id="rId5"/>
+              </a:rPr>
+              <a:t>https://github.com/dotnet-architecture/eShopModernizing/wiki/04.-How-to-deploy-your-Windows-Containers-based-apps-into-Kubernetes-in-Azure-Container-Service-(Including-CI-CD)</a:t>
+            </a:r>
+            <a:endParaRPr lang="en-US" sz="1000" dirty="0"/>
+          </a:p>
+        </p:txBody>
+      </p:sp>
     </p:spTree>
     <p:extLst>
       <p:ext uri="{BB962C8B-B14F-4D97-AF65-F5344CB8AC3E}">
         <p14:creationId xmlns:p14="http://schemas.microsoft.com/office/powerpoint/2010/main" val="3256364126"/>
+      </p:ext>
+    </p:extLst>
+  </p:cSld>
+  <p:clrMapOvr>
+    <a:masterClrMapping/>
+  </p:clrMapOvr>
+  <p:timing>
+    <p:tnLst>
+      <p:par>
+        <p:cTn id="1" dur="indefinite" restart="never" nodeType="tmRoot"/>
+      </p:par>
+    </p:tnLst>
+  </p:timing>
+</p:sld>
+</file>
+
+<file path=ppt/slides/slide10.xml><?xml version="1.0" encoding="utf-8"?>
+<p:sld xmlns:a="http://schemas.openxmlformats.org/drawingml/2006/main" xmlns:r="http://schemas.openxmlformats.org/officeDocument/2006/relationships" xmlns:p="http://schemas.openxmlformats.org/presentationml/2006/main">
+  <p:cSld>
+    <p:spTree>
+      <p:nvGrpSpPr>
+        <p:cNvPr id="1" name=""/>
+        <p:cNvGrpSpPr/>
+        <p:nvPr/>
+      </p:nvGrpSpPr>
+      <p:grpSpPr>
+        <a:xfrm>
+          <a:off x="0" y="0"/>
+          <a:ext cx="0" cy="0"/>
+          <a:chOff x="0" y="0"/>
+          <a:chExt cx="0" cy="0"/>
+        </a:xfrm>
+      </p:grpSpPr>
+      <p:sp>
+        <p:nvSpPr>
+          <p:cNvPr id="4" name="Rectangle 3"/>
+          <p:cNvSpPr/>
+          <p:nvPr/>
+        </p:nvSpPr>
+        <p:spPr>
+          <a:xfrm>
+            <a:off x="0" y="0"/>
+            <a:ext cx="11676594" cy="523220"/>
+          </a:xfrm>
+          <a:prstGeom prst="rect">
+            <a:avLst/>
+          </a:prstGeom>
+        </p:spPr>
+        <p:txBody>
+          <a:bodyPr wrap="none">
+            <a:spAutoFit/>
+          </a:bodyPr>
+          <a:lstStyle/>
+          <a:p>
+            <a:r>
+              <a:rPr lang="en-US" sz="2800" b="1" dirty="0" smtClean="0"/>
+              <a:t>Deploy via Kubernetes                                                </a:t>
+            </a:r>
+            <a:r>
+              <a:rPr lang="en-US" sz="2800" dirty="0" smtClean="0"/>
+              <a:t>Zero-downtime Deployment</a:t>
+            </a:r>
+            <a:endParaRPr lang="en-US" sz="2800" dirty="0" smtClean="0"/>
+          </a:p>
+        </p:txBody>
+      </p:sp>
+      <p:sp>
+        <p:nvSpPr>
+          <p:cNvPr id="5" name="Rectangle 4"/>
+          <p:cNvSpPr/>
+          <p:nvPr/>
+        </p:nvSpPr>
+        <p:spPr>
+          <a:xfrm>
+            <a:off x="288354" y="3085445"/>
+            <a:ext cx="11099886" cy="4770537"/>
+          </a:xfrm>
+          <a:prstGeom prst="rect">
+            <a:avLst/>
+          </a:prstGeom>
+        </p:spPr>
+        <p:txBody>
+          <a:bodyPr wrap="square">
+            <a:spAutoFit/>
+          </a:bodyPr>
+          <a:lstStyle/>
+          <a:p>
+            <a:pPr marL="457200" indent="-457200">
+              <a:buFont typeface="Arial" panose="020B0604020202020204" pitchFamily="34" charset="0"/>
+              <a:buChar char="•"/>
+            </a:pPr>
+            <a:r>
+              <a:rPr lang="en-US" sz="2800" dirty="0" smtClean="0"/>
+              <a:t>Options / Techniques</a:t>
+            </a:r>
+          </a:p>
+          <a:p>
+            <a:pPr marL="914400" lvl="1" indent="-457200">
+              <a:buFont typeface="Arial" panose="020B0604020202020204" pitchFamily="34" charset="0"/>
+              <a:buChar char="•"/>
+            </a:pPr>
+            <a:r>
+              <a:rPr lang="en-US" sz="2400" dirty="0" smtClean="0"/>
+              <a:t>Deploy local (dev box) or networked clusters (multiple resources)</a:t>
+            </a:r>
+          </a:p>
+          <a:p>
+            <a:pPr marL="914400" lvl="1" indent="-457200">
+              <a:buFont typeface="Arial" panose="020B0604020202020204" pitchFamily="34" charset="0"/>
+              <a:buChar char="•"/>
+            </a:pPr>
+            <a:r>
+              <a:rPr lang="en-US" sz="2400" dirty="0"/>
+              <a:t>Rolling Updates – deploy new and roll back </a:t>
+            </a:r>
+            <a:r>
+              <a:rPr lang="en-US" sz="2400" dirty="0" smtClean="0"/>
+              <a:t>versions – avoid duplication of services which can eat up resources unnecessarily</a:t>
+            </a:r>
+            <a:endParaRPr lang="en-US" sz="2400" dirty="0"/>
+          </a:p>
+          <a:p>
+            <a:pPr marL="914400" lvl="1" indent="-457200">
+              <a:buFont typeface="Arial" panose="020B0604020202020204" pitchFamily="34" charset="0"/>
+              <a:buChar char="•"/>
+            </a:pPr>
+            <a:r>
+              <a:rPr lang="en-US" sz="2400" dirty="0"/>
+              <a:t>Canary – roll out new code to subset of users</a:t>
+            </a:r>
+          </a:p>
+          <a:p>
+            <a:pPr marL="914400" lvl="1" indent="-457200">
+              <a:buFont typeface="Arial" panose="020B0604020202020204" pitchFamily="34" charset="0"/>
+              <a:buChar char="•"/>
+            </a:pPr>
+            <a:r>
+              <a:rPr lang="en-US" sz="2400" dirty="0"/>
+              <a:t>Blue-Green Deployments – roll out </a:t>
+            </a:r>
+            <a:r>
+              <a:rPr lang="en-US" sz="2400" dirty="0" smtClean="0"/>
+              <a:t>multiple versions, control accessible – i.e. provide access for tester/dev 1 to app A, 2 to B, etc.</a:t>
+            </a:r>
+          </a:p>
+          <a:p>
+            <a:pPr marL="914400" lvl="1" indent="-457200">
+              <a:buFont typeface="Arial" panose="020B0604020202020204" pitchFamily="34" charset="0"/>
+              <a:buChar char="•"/>
+            </a:pPr>
+            <a:r>
+              <a:rPr lang="en-US" sz="2400" dirty="0" smtClean="0"/>
+              <a:t>Rollbacks – </a:t>
+            </a:r>
+            <a:r>
+              <a:rPr lang="en-US" sz="2400" dirty="0" err="1" smtClean="0"/>
+              <a:t>kubernetes</a:t>
+            </a:r>
+            <a:r>
+              <a:rPr lang="en-US" sz="2400" dirty="0" smtClean="0"/>
+              <a:t> remembers previous deployments</a:t>
+            </a:r>
+          </a:p>
+          <a:p>
+            <a:pPr marL="914400" lvl="1" indent="-457200">
+              <a:buFont typeface="Arial" panose="020B0604020202020204" pitchFamily="34" charset="0"/>
+              <a:buChar char="•"/>
+            </a:pPr>
+            <a:r>
+              <a:rPr lang="en-US" sz="2400" dirty="0" smtClean="0"/>
+              <a:t>Running Jobs and </a:t>
+            </a:r>
+            <a:r>
+              <a:rPr lang="en-US" sz="2400" dirty="0" err="1" smtClean="0"/>
+              <a:t>CronJobs</a:t>
+            </a:r>
+            <a:endParaRPr lang="en-US" sz="2800" dirty="0" smtClean="0"/>
+          </a:p>
+          <a:p>
+            <a:pPr marL="914400" lvl="1" indent="-457200">
+              <a:buFont typeface="Arial" panose="020B0604020202020204" pitchFamily="34" charset="0"/>
+              <a:buChar char="•"/>
+            </a:pPr>
+            <a:r>
+              <a:rPr lang="en-US" sz="2400" dirty="0"/>
+              <a:t>Performance Monitoring and Troubleshooting</a:t>
+            </a:r>
+          </a:p>
+          <a:p>
+            <a:pPr lvl="1"/>
+            <a:endParaRPr lang="en-US" sz="2800" dirty="0"/>
+          </a:p>
+          <a:p>
+            <a:pPr marL="914400" lvl="1" indent="-457200">
+              <a:buFont typeface="Arial" panose="020B0604020202020204" pitchFamily="34" charset="0"/>
+              <a:buChar char="•"/>
+            </a:pPr>
+            <a:endParaRPr lang="en-US" sz="2800" dirty="0" smtClean="0"/>
+          </a:p>
+        </p:txBody>
+      </p:sp>
+      <p:pic>
+        <p:nvPicPr>
+          <p:cNvPr id="10" name="Picture 9"/>
+          <p:cNvPicPr>
+            <a:picLocks noChangeAspect="1"/>
+          </p:cNvPicPr>
+          <p:nvPr/>
+        </p:nvPicPr>
+        <p:blipFill>
+          <a:blip r:embed="rId3"/>
+          <a:stretch>
+            <a:fillRect/>
+          </a:stretch>
+        </p:blipFill>
+        <p:spPr>
+          <a:xfrm>
+            <a:off x="3753057" y="261610"/>
+            <a:ext cx="3095625" cy="2562225"/>
+          </a:xfrm>
+          <a:prstGeom prst="rect">
+            <a:avLst/>
+          </a:prstGeom>
+        </p:spPr>
+      </p:pic>
+    </p:spTree>
+    <p:extLst>
+      <p:ext uri="{BB962C8B-B14F-4D97-AF65-F5344CB8AC3E}">
+        <p14:creationId xmlns:p14="http://schemas.microsoft.com/office/powerpoint/2010/main" val="1598656233"/>
+      </p:ext>
+    </p:extLst>
+  </p:cSld>
+  <p:clrMapOvr>
+    <a:masterClrMapping/>
+  </p:clrMapOvr>
+  <p:timing>
+    <p:tnLst>
+      <p:par>
+        <p:cTn id="1" dur="indefinite" restart="never" nodeType="tmRoot"/>
+      </p:par>
+    </p:tnLst>
+  </p:timing>
+</p:sld>
+</file>
+
+<file path=ppt/slides/slide11.xml><?xml version="1.0" encoding="utf-8"?>
+<p:sld xmlns:a="http://schemas.openxmlformats.org/drawingml/2006/main" xmlns:r="http://schemas.openxmlformats.org/officeDocument/2006/relationships" xmlns:p="http://schemas.openxmlformats.org/presentationml/2006/main">
+  <p:cSld>
+    <p:spTree>
+      <p:nvGrpSpPr>
+        <p:cNvPr id="1" name=""/>
+        <p:cNvGrpSpPr/>
+        <p:nvPr/>
+      </p:nvGrpSpPr>
+      <p:grpSpPr>
+        <a:xfrm>
+          <a:off x="0" y="0"/>
+          <a:ext cx="0" cy="0"/>
+          <a:chOff x="0" y="0"/>
+          <a:chExt cx="0" cy="0"/>
+        </a:xfrm>
+      </p:grpSpPr>
+      <p:sp>
+        <p:nvSpPr>
+          <p:cNvPr id="5" name="Rectangle 4"/>
+          <p:cNvSpPr/>
+          <p:nvPr/>
+        </p:nvSpPr>
+        <p:spPr>
+          <a:xfrm>
+            <a:off x="5645428" y="4895833"/>
+            <a:ext cx="6182138" cy="1754326"/>
+          </a:xfrm>
+          <a:prstGeom prst="rect">
+            <a:avLst/>
+          </a:prstGeom>
+          <a:solidFill>
+            <a:schemeClr val="tx1"/>
+          </a:solidFill>
+        </p:spPr>
+        <p:txBody>
+          <a:bodyPr wrap="square">
+            <a:spAutoFit/>
+          </a:bodyPr>
+          <a:lstStyle/>
+          <a:p>
+            <a:r>
+              <a:rPr lang="en-US" dirty="0">
+                <a:solidFill>
+                  <a:schemeClr val="bg1"/>
+                </a:solidFill>
+              </a:rPr>
+              <a:t>&gt; </a:t>
+            </a:r>
+            <a:r>
+              <a:rPr lang="en-US" dirty="0" smtClean="0">
+                <a:solidFill>
+                  <a:schemeClr val="bg1"/>
+                </a:solidFill>
+              </a:rPr>
+              <a:t>PS …\</a:t>
+            </a:r>
+            <a:r>
+              <a:rPr lang="en-US" dirty="0" err="1" smtClean="0">
+                <a:solidFill>
+                  <a:schemeClr val="bg1"/>
+                </a:solidFill>
+              </a:rPr>
+              <a:t>aspnetcore</a:t>
+            </a:r>
+            <a:r>
+              <a:rPr lang="en-US" dirty="0" smtClean="0">
+                <a:solidFill>
+                  <a:schemeClr val="bg1"/>
+                </a:solidFill>
+              </a:rPr>
+              <a:t>-generator-</a:t>
+            </a:r>
+            <a:r>
+              <a:rPr lang="en-US" dirty="0" err="1" smtClean="0">
+                <a:solidFill>
+                  <a:schemeClr val="bg1"/>
+                </a:solidFill>
+              </a:rPr>
+              <a:t>api</a:t>
+            </a:r>
+            <a:r>
+              <a:rPr lang="en-US" dirty="0" smtClean="0">
+                <a:solidFill>
+                  <a:schemeClr val="bg1"/>
+                </a:solidFill>
+              </a:rPr>
+              <a:t>\</a:t>
+            </a:r>
+            <a:r>
+              <a:rPr lang="en-US" dirty="0" err="1" smtClean="0">
+                <a:solidFill>
+                  <a:schemeClr val="bg1"/>
+                </a:solidFill>
+              </a:rPr>
+              <a:t>api</a:t>
+            </a:r>
+            <a:r>
+              <a:rPr lang="en-US" dirty="0" smtClean="0">
+                <a:solidFill>
+                  <a:schemeClr val="bg1"/>
+                </a:solidFill>
+              </a:rPr>
+              <a:t>&gt; </a:t>
+            </a:r>
+            <a:r>
+              <a:rPr lang="en-US" dirty="0" err="1">
+                <a:solidFill>
+                  <a:schemeClr val="bg1"/>
+                </a:solidFill>
+              </a:rPr>
+              <a:t>kubectl</a:t>
+            </a:r>
+            <a:r>
+              <a:rPr lang="en-US" dirty="0">
+                <a:solidFill>
+                  <a:schemeClr val="bg1"/>
+                </a:solidFill>
+              </a:rPr>
+              <a:t> get pods</a:t>
+            </a:r>
+          </a:p>
+          <a:p>
+            <a:r>
+              <a:rPr lang="en-US" dirty="0">
+                <a:solidFill>
+                  <a:schemeClr val="bg1"/>
+                </a:solidFill>
+              </a:rPr>
+              <a:t>NAME                           READY   STATUS        RESTARTS   AGE</a:t>
+            </a:r>
+          </a:p>
+          <a:p>
+            <a:r>
+              <a:rPr lang="en-US" dirty="0">
+                <a:solidFill>
+                  <a:schemeClr val="bg1"/>
+                </a:solidFill>
+              </a:rPr>
+              <a:t>name-gen-api-6d5c9cf6c-zplqz   0/1     Terminating   0          31m</a:t>
+            </a:r>
+          </a:p>
+          <a:p>
+            <a:r>
+              <a:rPr lang="en-US" dirty="0">
+                <a:solidFill>
+                  <a:schemeClr val="bg1"/>
+                </a:solidFill>
+              </a:rPr>
+              <a:t>name-gen-api-d5f885787-8d5h6   1/1     Running       0          12s</a:t>
+            </a:r>
+          </a:p>
+          <a:p>
+            <a:r>
+              <a:rPr lang="en-US" dirty="0">
+                <a:solidFill>
+                  <a:schemeClr val="bg1"/>
+                </a:solidFill>
+              </a:rPr>
+              <a:t>name-gen-api-d5f885787-8kns8   1/1     Running       0          11s</a:t>
+            </a:r>
+          </a:p>
+          <a:p>
+            <a:r>
+              <a:rPr lang="en-US" dirty="0">
+                <a:solidFill>
+                  <a:schemeClr val="bg1"/>
+                </a:solidFill>
+              </a:rPr>
+              <a:t>name-gen-api-d5f885787-fpgzq   1/1     Running       0          14s</a:t>
+            </a:r>
+          </a:p>
+        </p:txBody>
+      </p:sp>
+      <p:pic>
+        <p:nvPicPr>
+          <p:cNvPr id="6" name="Picture 5"/>
+          <p:cNvPicPr>
+            <a:picLocks noChangeAspect="1"/>
+          </p:cNvPicPr>
+          <p:nvPr/>
+        </p:nvPicPr>
+        <p:blipFill>
+          <a:blip r:embed="rId3"/>
+          <a:stretch>
+            <a:fillRect/>
+          </a:stretch>
+        </p:blipFill>
+        <p:spPr>
+          <a:xfrm>
+            <a:off x="8980887" y="198824"/>
+            <a:ext cx="2495699" cy="2065671"/>
+          </a:xfrm>
+          <a:prstGeom prst="rect">
+            <a:avLst/>
+          </a:prstGeom>
+        </p:spPr>
+      </p:pic>
+      <p:sp>
+        <p:nvSpPr>
+          <p:cNvPr id="7" name="Rectangle 6"/>
+          <p:cNvSpPr/>
+          <p:nvPr/>
+        </p:nvSpPr>
+        <p:spPr>
+          <a:xfrm>
+            <a:off x="5688497" y="3535400"/>
+            <a:ext cx="6096000" cy="1200329"/>
+          </a:xfrm>
+          <a:prstGeom prst="rect">
+            <a:avLst/>
+          </a:prstGeom>
+          <a:solidFill>
+            <a:schemeClr val="tx1"/>
+          </a:solidFill>
+        </p:spPr>
+        <p:txBody>
+          <a:bodyPr wrap="square">
+            <a:spAutoFit/>
+          </a:bodyPr>
+          <a:lstStyle/>
+          <a:p>
+            <a:r>
+              <a:rPr lang="en-US" dirty="0" smtClean="0">
+                <a:solidFill>
+                  <a:schemeClr val="bg1"/>
+                </a:solidFill>
+              </a:rPr>
+              <a:t>&gt; …\</a:t>
+            </a:r>
+            <a:r>
+              <a:rPr lang="en-US" dirty="0" err="1">
+                <a:solidFill>
+                  <a:schemeClr val="bg1"/>
+                </a:solidFill>
+              </a:rPr>
+              <a:t>aspnetcore</a:t>
+            </a:r>
+            <a:r>
+              <a:rPr lang="en-US" dirty="0">
+                <a:solidFill>
+                  <a:schemeClr val="bg1"/>
+                </a:solidFill>
+              </a:rPr>
+              <a:t>-generator-</a:t>
+            </a:r>
+            <a:r>
+              <a:rPr lang="en-US" dirty="0" err="1">
+                <a:solidFill>
+                  <a:schemeClr val="bg1"/>
+                </a:solidFill>
+              </a:rPr>
+              <a:t>api</a:t>
+            </a:r>
+            <a:r>
+              <a:rPr lang="en-US" dirty="0">
+                <a:solidFill>
+                  <a:schemeClr val="bg1"/>
+                </a:solidFill>
+              </a:rPr>
+              <a:t>\</a:t>
+            </a:r>
+            <a:r>
+              <a:rPr lang="en-US" dirty="0" err="1">
+                <a:solidFill>
+                  <a:schemeClr val="bg1"/>
+                </a:solidFill>
+              </a:rPr>
+              <a:t>api</a:t>
+            </a:r>
+            <a:r>
+              <a:rPr lang="en-US" dirty="0">
+                <a:solidFill>
+                  <a:schemeClr val="bg1"/>
+                </a:solidFill>
+              </a:rPr>
+              <a:t>&gt; </a:t>
+            </a:r>
+            <a:r>
+              <a:rPr lang="en-US" dirty="0" err="1">
+                <a:solidFill>
+                  <a:schemeClr val="bg1"/>
+                </a:solidFill>
+              </a:rPr>
+              <a:t>kubectl</a:t>
+            </a:r>
+            <a:r>
+              <a:rPr lang="en-US" dirty="0">
+                <a:solidFill>
+                  <a:schemeClr val="bg1"/>
+                </a:solidFill>
+              </a:rPr>
+              <a:t> get </a:t>
+            </a:r>
+            <a:r>
+              <a:rPr lang="en-US" dirty="0" err="1">
+                <a:solidFill>
+                  <a:schemeClr val="bg1"/>
+                </a:solidFill>
+              </a:rPr>
+              <a:t>replicaset</a:t>
+            </a:r>
+            <a:endParaRPr lang="en-US" dirty="0">
+              <a:solidFill>
+                <a:schemeClr val="bg1"/>
+              </a:solidFill>
+            </a:endParaRPr>
+          </a:p>
+          <a:p>
+            <a:r>
+              <a:rPr lang="en-US" dirty="0">
+                <a:solidFill>
+                  <a:schemeClr val="bg1"/>
+                </a:solidFill>
+              </a:rPr>
+              <a:t>NAME                     DESIRED   CURRENT   READY   AGE</a:t>
+            </a:r>
+          </a:p>
+          <a:p>
+            <a:r>
+              <a:rPr lang="en-US" dirty="0">
+                <a:solidFill>
+                  <a:schemeClr val="bg1"/>
+                </a:solidFill>
+              </a:rPr>
+              <a:t>name-gen-api-6d5c9cf6c   0         0         0       63m</a:t>
+            </a:r>
+          </a:p>
+          <a:p>
+            <a:r>
+              <a:rPr lang="en-US" dirty="0">
+                <a:solidFill>
+                  <a:schemeClr val="bg1"/>
+                </a:solidFill>
+              </a:rPr>
+              <a:t>name-gen-api-d5f885787   3         3         3       32m</a:t>
+            </a:r>
+          </a:p>
+        </p:txBody>
+      </p:sp>
+      <p:sp>
+        <p:nvSpPr>
+          <p:cNvPr id="8" name="Rectangle 7"/>
+          <p:cNvSpPr/>
+          <p:nvPr/>
+        </p:nvSpPr>
+        <p:spPr>
+          <a:xfrm>
+            <a:off x="6096000" y="635965"/>
+            <a:ext cx="6096000" cy="338554"/>
+          </a:xfrm>
+          <a:prstGeom prst="rect">
+            <a:avLst/>
+          </a:prstGeom>
+        </p:spPr>
+        <p:txBody>
+          <a:bodyPr>
+            <a:spAutoFit/>
+          </a:bodyPr>
+          <a:lstStyle/>
+          <a:p>
+            <a:endParaRPr lang="en-US" sz="1600" dirty="0"/>
+          </a:p>
+        </p:txBody>
+      </p:sp>
+      <p:sp>
+        <p:nvSpPr>
+          <p:cNvPr id="9" name="Rectangle 8"/>
+          <p:cNvSpPr/>
+          <p:nvPr/>
+        </p:nvSpPr>
+        <p:spPr>
+          <a:xfrm>
+            <a:off x="334918" y="1121067"/>
+            <a:ext cx="6096000" cy="5693866"/>
+          </a:xfrm>
+          <a:prstGeom prst="rect">
+            <a:avLst/>
+          </a:prstGeom>
+        </p:spPr>
+        <p:txBody>
+          <a:bodyPr>
+            <a:spAutoFit/>
+          </a:bodyPr>
+          <a:lstStyle/>
+          <a:p>
+            <a:r>
+              <a:rPr lang="en-US" sz="1400" dirty="0" err="1">
+                <a:solidFill>
+                  <a:srgbClr val="569CD6"/>
+                </a:solidFill>
+                <a:latin typeface="Consolas" panose="020B0609020204030204" pitchFamily="49" charset="0"/>
+              </a:rPr>
+              <a:t>apiVersion</a:t>
+            </a:r>
+            <a:r>
+              <a:rPr lang="en-US" sz="1400" dirty="0">
+                <a:solidFill>
+                  <a:srgbClr val="D4D4D4"/>
+                </a:solidFill>
+                <a:latin typeface="Consolas" panose="020B0609020204030204" pitchFamily="49" charset="0"/>
+              </a:rPr>
+              <a:t>: </a:t>
+            </a:r>
+            <a:r>
+              <a:rPr lang="en-US" sz="1400" dirty="0">
+                <a:solidFill>
+                  <a:srgbClr val="CE9178"/>
+                </a:solidFill>
+                <a:latin typeface="Consolas" panose="020B0609020204030204" pitchFamily="49" charset="0"/>
+              </a:rPr>
+              <a:t>apps/v1</a:t>
+            </a:r>
+            <a:endParaRPr lang="en-US" sz="1400" dirty="0">
+              <a:solidFill>
+                <a:srgbClr val="D4D4D4"/>
+              </a:solidFill>
+              <a:latin typeface="Consolas" panose="020B0609020204030204" pitchFamily="49" charset="0"/>
+            </a:endParaRPr>
+          </a:p>
+          <a:p>
+            <a:r>
+              <a:rPr lang="en-US" sz="1400" dirty="0">
+                <a:solidFill>
+                  <a:srgbClr val="569CD6"/>
+                </a:solidFill>
+                <a:latin typeface="Consolas" panose="020B0609020204030204" pitchFamily="49" charset="0"/>
+              </a:rPr>
+              <a:t>kind</a:t>
+            </a:r>
+            <a:r>
+              <a:rPr lang="en-US" sz="1400" dirty="0">
+                <a:solidFill>
+                  <a:srgbClr val="D4D4D4"/>
+                </a:solidFill>
+                <a:latin typeface="Consolas" panose="020B0609020204030204" pitchFamily="49" charset="0"/>
+              </a:rPr>
+              <a:t>: </a:t>
+            </a:r>
+            <a:r>
+              <a:rPr lang="en-US" sz="1400" dirty="0">
+                <a:solidFill>
+                  <a:srgbClr val="CE9178"/>
+                </a:solidFill>
+                <a:latin typeface="Consolas" panose="020B0609020204030204" pitchFamily="49" charset="0"/>
+              </a:rPr>
+              <a:t>Deployment</a:t>
+            </a:r>
+            <a:endParaRPr lang="en-US" sz="1400" dirty="0">
+              <a:solidFill>
+                <a:srgbClr val="D4D4D4"/>
+              </a:solidFill>
+              <a:latin typeface="Consolas" panose="020B0609020204030204" pitchFamily="49" charset="0"/>
+            </a:endParaRPr>
+          </a:p>
+          <a:p>
+            <a:r>
+              <a:rPr lang="en-US" sz="1400" dirty="0">
+                <a:solidFill>
+                  <a:srgbClr val="569CD6"/>
+                </a:solidFill>
+                <a:latin typeface="Consolas" panose="020B0609020204030204" pitchFamily="49" charset="0"/>
+              </a:rPr>
+              <a:t>metadata</a:t>
+            </a:r>
+            <a:r>
+              <a:rPr lang="en-US" sz="1400" dirty="0">
+                <a:solidFill>
+                  <a:srgbClr val="D4D4D4"/>
+                </a:solidFill>
+                <a:latin typeface="Consolas" panose="020B0609020204030204" pitchFamily="49" charset="0"/>
+              </a:rPr>
+              <a:t>:</a:t>
+            </a:r>
+          </a:p>
+          <a:p>
+            <a:r>
+              <a:rPr lang="en-US" sz="1400" dirty="0">
+                <a:solidFill>
+                  <a:srgbClr val="D4D4D4"/>
+                </a:solidFill>
+                <a:latin typeface="Consolas" panose="020B0609020204030204" pitchFamily="49" charset="0"/>
+              </a:rPr>
+              <a:t>  </a:t>
+            </a:r>
+            <a:r>
+              <a:rPr lang="en-US" sz="1400" dirty="0">
+                <a:solidFill>
+                  <a:srgbClr val="569CD6"/>
+                </a:solidFill>
+                <a:latin typeface="Consolas" panose="020B0609020204030204" pitchFamily="49" charset="0"/>
+              </a:rPr>
+              <a:t>name</a:t>
+            </a:r>
+            <a:r>
+              <a:rPr lang="en-US" sz="1400" dirty="0">
+                <a:solidFill>
+                  <a:srgbClr val="D4D4D4"/>
+                </a:solidFill>
+                <a:latin typeface="Consolas" panose="020B0609020204030204" pitchFamily="49" charset="0"/>
+              </a:rPr>
+              <a:t>: </a:t>
+            </a:r>
+            <a:r>
+              <a:rPr lang="en-US" sz="1400" dirty="0">
+                <a:solidFill>
+                  <a:srgbClr val="CE9178"/>
+                </a:solidFill>
+                <a:latin typeface="Consolas" panose="020B0609020204030204" pitchFamily="49" charset="0"/>
+              </a:rPr>
+              <a:t>name-gen-</a:t>
+            </a:r>
+            <a:r>
+              <a:rPr lang="en-US" sz="1400" dirty="0" err="1">
+                <a:solidFill>
+                  <a:srgbClr val="CE9178"/>
+                </a:solidFill>
+                <a:latin typeface="Consolas" panose="020B0609020204030204" pitchFamily="49" charset="0"/>
+              </a:rPr>
+              <a:t>api</a:t>
+            </a:r>
+            <a:endParaRPr lang="en-US" sz="1400" dirty="0">
+              <a:solidFill>
+                <a:srgbClr val="D4D4D4"/>
+              </a:solidFill>
+              <a:latin typeface="Consolas" panose="020B0609020204030204" pitchFamily="49" charset="0"/>
+            </a:endParaRPr>
+          </a:p>
+          <a:p>
+            <a:r>
+              <a:rPr lang="en-US" sz="1400" dirty="0">
+                <a:solidFill>
+                  <a:srgbClr val="D4D4D4"/>
+                </a:solidFill>
+                <a:latin typeface="Consolas" panose="020B0609020204030204" pitchFamily="49" charset="0"/>
+              </a:rPr>
+              <a:t>  </a:t>
+            </a:r>
+            <a:r>
+              <a:rPr lang="en-US" sz="1400" dirty="0">
+                <a:solidFill>
+                  <a:srgbClr val="569CD6"/>
+                </a:solidFill>
+                <a:latin typeface="Consolas" panose="020B0609020204030204" pitchFamily="49" charset="0"/>
+              </a:rPr>
+              <a:t>labels</a:t>
+            </a:r>
+            <a:r>
+              <a:rPr lang="en-US" sz="1400" dirty="0">
+                <a:solidFill>
+                  <a:srgbClr val="D4D4D4"/>
+                </a:solidFill>
+                <a:latin typeface="Consolas" panose="020B0609020204030204" pitchFamily="49" charset="0"/>
+              </a:rPr>
+              <a:t>:</a:t>
+            </a:r>
+          </a:p>
+          <a:p>
+            <a:r>
+              <a:rPr lang="en-US" sz="1400" dirty="0">
+                <a:solidFill>
+                  <a:srgbClr val="D4D4D4"/>
+                </a:solidFill>
+                <a:latin typeface="Consolas" panose="020B0609020204030204" pitchFamily="49" charset="0"/>
+              </a:rPr>
+              <a:t>    </a:t>
+            </a:r>
+            <a:r>
+              <a:rPr lang="en-US" sz="1400" dirty="0">
+                <a:solidFill>
+                  <a:srgbClr val="569CD6"/>
+                </a:solidFill>
+                <a:latin typeface="Consolas" panose="020B0609020204030204" pitchFamily="49" charset="0"/>
+              </a:rPr>
+              <a:t>app</a:t>
+            </a:r>
+            <a:r>
+              <a:rPr lang="en-US" sz="1400" dirty="0">
+                <a:solidFill>
+                  <a:srgbClr val="D4D4D4"/>
+                </a:solidFill>
+                <a:latin typeface="Consolas" panose="020B0609020204030204" pitchFamily="49" charset="0"/>
+              </a:rPr>
+              <a:t>: </a:t>
+            </a:r>
+            <a:r>
+              <a:rPr lang="en-US" sz="1400" dirty="0">
+                <a:solidFill>
+                  <a:srgbClr val="CE9178"/>
+                </a:solidFill>
+                <a:latin typeface="Consolas" panose="020B0609020204030204" pitchFamily="49" charset="0"/>
+              </a:rPr>
+              <a:t>name-gen-</a:t>
+            </a:r>
+            <a:r>
+              <a:rPr lang="en-US" sz="1400" dirty="0" err="1">
+                <a:solidFill>
+                  <a:srgbClr val="CE9178"/>
+                </a:solidFill>
+                <a:latin typeface="Consolas" panose="020B0609020204030204" pitchFamily="49" charset="0"/>
+              </a:rPr>
+              <a:t>api</a:t>
+            </a:r>
+            <a:endParaRPr lang="en-US" sz="1400" dirty="0">
+              <a:solidFill>
+                <a:srgbClr val="D4D4D4"/>
+              </a:solidFill>
+              <a:latin typeface="Consolas" panose="020B0609020204030204" pitchFamily="49" charset="0"/>
+            </a:endParaRPr>
+          </a:p>
+          <a:p>
+            <a:r>
+              <a:rPr lang="en-US" sz="1400" dirty="0">
+                <a:solidFill>
+                  <a:srgbClr val="569CD6"/>
+                </a:solidFill>
+                <a:latin typeface="Consolas" panose="020B0609020204030204" pitchFamily="49" charset="0"/>
+              </a:rPr>
+              <a:t>spec</a:t>
+            </a:r>
+            <a:r>
+              <a:rPr lang="en-US" sz="1400" dirty="0">
+                <a:solidFill>
+                  <a:srgbClr val="D4D4D4"/>
+                </a:solidFill>
+                <a:latin typeface="Consolas" panose="020B0609020204030204" pitchFamily="49" charset="0"/>
+              </a:rPr>
+              <a:t>:</a:t>
+            </a:r>
+          </a:p>
+          <a:p>
+            <a:r>
+              <a:rPr lang="en-US" sz="1400" dirty="0">
+                <a:solidFill>
+                  <a:srgbClr val="D4D4D4"/>
+                </a:solidFill>
+                <a:latin typeface="Consolas" panose="020B0609020204030204" pitchFamily="49" charset="0"/>
+              </a:rPr>
+              <a:t>  </a:t>
+            </a:r>
+            <a:r>
+              <a:rPr lang="en-US" sz="1400" dirty="0">
+                <a:solidFill>
+                  <a:srgbClr val="569CD6"/>
+                </a:solidFill>
+                <a:latin typeface="Consolas" panose="020B0609020204030204" pitchFamily="49" charset="0"/>
+              </a:rPr>
+              <a:t>replicas</a:t>
+            </a:r>
+            <a:r>
+              <a:rPr lang="en-US" sz="1400" dirty="0">
+                <a:solidFill>
+                  <a:srgbClr val="D4D4D4"/>
+                </a:solidFill>
+                <a:latin typeface="Consolas" panose="020B0609020204030204" pitchFamily="49" charset="0"/>
+              </a:rPr>
+              <a:t>: </a:t>
+            </a:r>
+            <a:r>
+              <a:rPr lang="en-US" sz="1400" dirty="0">
+                <a:solidFill>
+                  <a:srgbClr val="B5CEA8"/>
+                </a:solidFill>
+                <a:latin typeface="Consolas" panose="020B0609020204030204" pitchFamily="49" charset="0"/>
+              </a:rPr>
+              <a:t>3</a:t>
+            </a:r>
+            <a:endParaRPr lang="en-US" sz="1400" dirty="0">
+              <a:solidFill>
+                <a:srgbClr val="D4D4D4"/>
+              </a:solidFill>
+              <a:latin typeface="Consolas" panose="020B0609020204030204" pitchFamily="49" charset="0"/>
+            </a:endParaRPr>
+          </a:p>
+          <a:p>
+            <a:r>
+              <a:rPr lang="en-US" sz="1400" dirty="0">
+                <a:solidFill>
+                  <a:srgbClr val="D4D4D4"/>
+                </a:solidFill>
+                <a:latin typeface="Consolas" panose="020B0609020204030204" pitchFamily="49" charset="0"/>
+              </a:rPr>
+              <a:t>  </a:t>
+            </a:r>
+            <a:r>
+              <a:rPr lang="en-US" sz="1400" dirty="0">
+                <a:solidFill>
+                  <a:srgbClr val="569CD6"/>
+                </a:solidFill>
+                <a:latin typeface="Consolas" panose="020B0609020204030204" pitchFamily="49" charset="0"/>
+              </a:rPr>
+              <a:t>selector</a:t>
+            </a:r>
+            <a:r>
+              <a:rPr lang="en-US" sz="1400" dirty="0">
+                <a:solidFill>
+                  <a:srgbClr val="D4D4D4"/>
+                </a:solidFill>
+                <a:latin typeface="Consolas" panose="020B0609020204030204" pitchFamily="49" charset="0"/>
+              </a:rPr>
+              <a:t>:</a:t>
+            </a:r>
+          </a:p>
+          <a:p>
+            <a:r>
+              <a:rPr lang="en-US" sz="1400" dirty="0">
+                <a:solidFill>
+                  <a:srgbClr val="D4D4D4"/>
+                </a:solidFill>
+                <a:latin typeface="Consolas" panose="020B0609020204030204" pitchFamily="49" charset="0"/>
+              </a:rPr>
+              <a:t>    </a:t>
+            </a:r>
+            <a:r>
+              <a:rPr lang="en-US" sz="1400" dirty="0" err="1">
+                <a:solidFill>
+                  <a:srgbClr val="569CD6"/>
+                </a:solidFill>
+                <a:latin typeface="Consolas" panose="020B0609020204030204" pitchFamily="49" charset="0"/>
+              </a:rPr>
+              <a:t>matchLabels</a:t>
+            </a:r>
+            <a:r>
+              <a:rPr lang="en-US" sz="1400" dirty="0">
+                <a:solidFill>
+                  <a:srgbClr val="D4D4D4"/>
+                </a:solidFill>
+                <a:latin typeface="Consolas" panose="020B0609020204030204" pitchFamily="49" charset="0"/>
+              </a:rPr>
+              <a:t>:</a:t>
+            </a:r>
+          </a:p>
+          <a:p>
+            <a:r>
+              <a:rPr lang="en-US" sz="1400" dirty="0">
+                <a:solidFill>
+                  <a:srgbClr val="D4D4D4"/>
+                </a:solidFill>
+                <a:latin typeface="Consolas" panose="020B0609020204030204" pitchFamily="49" charset="0"/>
+              </a:rPr>
+              <a:t>      </a:t>
+            </a:r>
+            <a:r>
+              <a:rPr lang="en-US" sz="1400" dirty="0">
+                <a:solidFill>
+                  <a:srgbClr val="569CD6"/>
+                </a:solidFill>
+                <a:latin typeface="Consolas" panose="020B0609020204030204" pitchFamily="49" charset="0"/>
+              </a:rPr>
+              <a:t>app</a:t>
+            </a:r>
+            <a:r>
+              <a:rPr lang="en-US" sz="1400" dirty="0">
+                <a:solidFill>
+                  <a:srgbClr val="D4D4D4"/>
+                </a:solidFill>
+                <a:latin typeface="Consolas" panose="020B0609020204030204" pitchFamily="49" charset="0"/>
+              </a:rPr>
+              <a:t>: </a:t>
+            </a:r>
+            <a:r>
+              <a:rPr lang="en-US" sz="1400" dirty="0">
+                <a:solidFill>
+                  <a:srgbClr val="CE9178"/>
+                </a:solidFill>
+                <a:latin typeface="Consolas" panose="020B0609020204030204" pitchFamily="49" charset="0"/>
+              </a:rPr>
+              <a:t>name-gen-</a:t>
+            </a:r>
+            <a:r>
+              <a:rPr lang="en-US" sz="1400" dirty="0" err="1">
+                <a:solidFill>
+                  <a:srgbClr val="CE9178"/>
+                </a:solidFill>
+                <a:latin typeface="Consolas" panose="020B0609020204030204" pitchFamily="49" charset="0"/>
+              </a:rPr>
+              <a:t>api</a:t>
+            </a:r>
+            <a:endParaRPr lang="en-US" sz="1400" dirty="0">
+              <a:solidFill>
+                <a:srgbClr val="D4D4D4"/>
+              </a:solidFill>
+              <a:latin typeface="Consolas" panose="020B0609020204030204" pitchFamily="49" charset="0"/>
+            </a:endParaRPr>
+          </a:p>
+          <a:p>
+            <a:r>
+              <a:rPr lang="en-US" sz="1400" dirty="0">
+                <a:solidFill>
+                  <a:srgbClr val="D4D4D4"/>
+                </a:solidFill>
+                <a:latin typeface="Consolas" panose="020B0609020204030204" pitchFamily="49" charset="0"/>
+              </a:rPr>
+              <a:t>  </a:t>
+            </a:r>
+            <a:r>
+              <a:rPr lang="en-US" sz="1400" dirty="0">
+                <a:solidFill>
+                  <a:srgbClr val="569CD6"/>
+                </a:solidFill>
+                <a:latin typeface="Consolas" panose="020B0609020204030204" pitchFamily="49" charset="0"/>
+              </a:rPr>
+              <a:t>template</a:t>
+            </a:r>
+            <a:r>
+              <a:rPr lang="en-US" sz="1400" dirty="0">
+                <a:solidFill>
+                  <a:srgbClr val="D4D4D4"/>
+                </a:solidFill>
+                <a:latin typeface="Consolas" panose="020B0609020204030204" pitchFamily="49" charset="0"/>
+              </a:rPr>
+              <a:t>:</a:t>
+            </a:r>
+          </a:p>
+          <a:p>
+            <a:r>
+              <a:rPr lang="en-US" sz="1400" dirty="0">
+                <a:solidFill>
+                  <a:srgbClr val="D4D4D4"/>
+                </a:solidFill>
+                <a:latin typeface="Consolas" panose="020B0609020204030204" pitchFamily="49" charset="0"/>
+              </a:rPr>
+              <a:t>    </a:t>
+            </a:r>
+            <a:r>
+              <a:rPr lang="en-US" sz="1400" dirty="0">
+                <a:solidFill>
+                  <a:srgbClr val="569CD6"/>
+                </a:solidFill>
+                <a:latin typeface="Consolas" panose="020B0609020204030204" pitchFamily="49" charset="0"/>
+              </a:rPr>
+              <a:t>metadata</a:t>
+            </a:r>
+            <a:r>
+              <a:rPr lang="en-US" sz="1400" dirty="0">
+                <a:solidFill>
+                  <a:srgbClr val="D4D4D4"/>
+                </a:solidFill>
+                <a:latin typeface="Consolas" panose="020B0609020204030204" pitchFamily="49" charset="0"/>
+              </a:rPr>
+              <a:t>:</a:t>
+            </a:r>
+          </a:p>
+          <a:p>
+            <a:r>
+              <a:rPr lang="en-US" sz="1400" dirty="0">
+                <a:solidFill>
+                  <a:srgbClr val="D4D4D4"/>
+                </a:solidFill>
+                <a:latin typeface="Consolas" panose="020B0609020204030204" pitchFamily="49" charset="0"/>
+              </a:rPr>
+              <a:t>      </a:t>
+            </a:r>
+            <a:r>
+              <a:rPr lang="en-US" sz="1400" dirty="0">
+                <a:solidFill>
+                  <a:srgbClr val="569CD6"/>
+                </a:solidFill>
+                <a:latin typeface="Consolas" panose="020B0609020204030204" pitchFamily="49" charset="0"/>
+              </a:rPr>
+              <a:t>labels</a:t>
+            </a:r>
+            <a:r>
+              <a:rPr lang="en-US" sz="1400" dirty="0">
+                <a:solidFill>
+                  <a:srgbClr val="D4D4D4"/>
+                </a:solidFill>
+                <a:latin typeface="Consolas" panose="020B0609020204030204" pitchFamily="49" charset="0"/>
+              </a:rPr>
+              <a:t>:</a:t>
+            </a:r>
+          </a:p>
+          <a:p>
+            <a:r>
+              <a:rPr lang="en-US" sz="1400" dirty="0">
+                <a:solidFill>
+                  <a:srgbClr val="D4D4D4"/>
+                </a:solidFill>
+                <a:latin typeface="Consolas" panose="020B0609020204030204" pitchFamily="49" charset="0"/>
+              </a:rPr>
+              <a:t>        </a:t>
+            </a:r>
+            <a:r>
+              <a:rPr lang="en-US" sz="1400" dirty="0">
+                <a:solidFill>
+                  <a:srgbClr val="569CD6"/>
+                </a:solidFill>
+                <a:latin typeface="Consolas" panose="020B0609020204030204" pitchFamily="49" charset="0"/>
+              </a:rPr>
+              <a:t>app</a:t>
+            </a:r>
+            <a:r>
+              <a:rPr lang="en-US" sz="1400" dirty="0">
+                <a:solidFill>
+                  <a:srgbClr val="D4D4D4"/>
+                </a:solidFill>
+                <a:latin typeface="Consolas" panose="020B0609020204030204" pitchFamily="49" charset="0"/>
+              </a:rPr>
+              <a:t>: </a:t>
+            </a:r>
+            <a:r>
+              <a:rPr lang="en-US" sz="1400" dirty="0">
+                <a:solidFill>
+                  <a:srgbClr val="CE9178"/>
+                </a:solidFill>
+                <a:latin typeface="Consolas" panose="020B0609020204030204" pitchFamily="49" charset="0"/>
+              </a:rPr>
+              <a:t>name-gen-</a:t>
+            </a:r>
+            <a:r>
+              <a:rPr lang="en-US" sz="1400" dirty="0" err="1">
+                <a:solidFill>
+                  <a:srgbClr val="CE9178"/>
+                </a:solidFill>
+                <a:latin typeface="Consolas" panose="020B0609020204030204" pitchFamily="49" charset="0"/>
+              </a:rPr>
+              <a:t>api</a:t>
+            </a:r>
+            <a:endParaRPr lang="en-US" sz="1400" dirty="0">
+              <a:solidFill>
+                <a:srgbClr val="D4D4D4"/>
+              </a:solidFill>
+              <a:latin typeface="Consolas" panose="020B0609020204030204" pitchFamily="49" charset="0"/>
+            </a:endParaRPr>
+          </a:p>
+          <a:p>
+            <a:r>
+              <a:rPr lang="en-US" sz="1400" dirty="0">
+                <a:solidFill>
+                  <a:srgbClr val="D4D4D4"/>
+                </a:solidFill>
+                <a:latin typeface="Consolas" panose="020B0609020204030204" pitchFamily="49" charset="0"/>
+              </a:rPr>
+              <a:t>    </a:t>
+            </a:r>
+            <a:r>
+              <a:rPr lang="en-US" sz="1400" dirty="0">
+                <a:solidFill>
+                  <a:srgbClr val="569CD6"/>
+                </a:solidFill>
+                <a:latin typeface="Consolas" panose="020B0609020204030204" pitchFamily="49" charset="0"/>
+              </a:rPr>
+              <a:t>spec</a:t>
+            </a:r>
+            <a:r>
+              <a:rPr lang="en-US" sz="1400" dirty="0">
+                <a:solidFill>
+                  <a:srgbClr val="D4D4D4"/>
+                </a:solidFill>
+                <a:latin typeface="Consolas" panose="020B0609020204030204" pitchFamily="49" charset="0"/>
+              </a:rPr>
+              <a:t>:</a:t>
+            </a:r>
+          </a:p>
+          <a:p>
+            <a:r>
+              <a:rPr lang="en-US" sz="1400" dirty="0">
+                <a:solidFill>
+                  <a:srgbClr val="D4D4D4"/>
+                </a:solidFill>
+                <a:latin typeface="Consolas" panose="020B0609020204030204" pitchFamily="49" charset="0"/>
+              </a:rPr>
+              <a:t>      </a:t>
+            </a:r>
+            <a:r>
+              <a:rPr lang="en-US" sz="1400" dirty="0">
+                <a:solidFill>
+                  <a:srgbClr val="569CD6"/>
+                </a:solidFill>
+                <a:latin typeface="Consolas" panose="020B0609020204030204" pitchFamily="49" charset="0"/>
+              </a:rPr>
+              <a:t>containers</a:t>
+            </a:r>
+            <a:r>
+              <a:rPr lang="en-US" sz="1400" dirty="0">
+                <a:solidFill>
+                  <a:srgbClr val="D4D4D4"/>
+                </a:solidFill>
+                <a:latin typeface="Consolas" panose="020B0609020204030204" pitchFamily="49" charset="0"/>
+              </a:rPr>
+              <a:t>:</a:t>
+            </a:r>
+          </a:p>
+          <a:p>
+            <a:r>
+              <a:rPr lang="en-US" sz="1400" dirty="0">
+                <a:solidFill>
+                  <a:srgbClr val="D4D4D4"/>
+                </a:solidFill>
+                <a:latin typeface="Consolas" panose="020B0609020204030204" pitchFamily="49" charset="0"/>
+              </a:rPr>
+              <a:t>      - </a:t>
+            </a:r>
+            <a:r>
+              <a:rPr lang="en-US" sz="1400" dirty="0">
+                <a:solidFill>
+                  <a:srgbClr val="569CD6"/>
+                </a:solidFill>
+                <a:latin typeface="Consolas" panose="020B0609020204030204" pitchFamily="49" charset="0"/>
+              </a:rPr>
+              <a:t>name</a:t>
+            </a:r>
+            <a:r>
+              <a:rPr lang="en-US" sz="1400" dirty="0">
+                <a:solidFill>
+                  <a:srgbClr val="D4D4D4"/>
+                </a:solidFill>
+                <a:latin typeface="Consolas" panose="020B0609020204030204" pitchFamily="49" charset="0"/>
+              </a:rPr>
+              <a:t>: </a:t>
+            </a:r>
+            <a:r>
+              <a:rPr lang="en-US" sz="1400" dirty="0">
+                <a:solidFill>
+                  <a:srgbClr val="CE9178"/>
+                </a:solidFill>
+                <a:latin typeface="Consolas" panose="020B0609020204030204" pitchFamily="49" charset="0"/>
+              </a:rPr>
+              <a:t>name-gen-</a:t>
+            </a:r>
+            <a:r>
+              <a:rPr lang="en-US" sz="1400" dirty="0" err="1">
+                <a:solidFill>
+                  <a:srgbClr val="CE9178"/>
+                </a:solidFill>
+                <a:latin typeface="Consolas" panose="020B0609020204030204" pitchFamily="49" charset="0"/>
+              </a:rPr>
+              <a:t>api</a:t>
+            </a:r>
+            <a:endParaRPr lang="en-US" sz="1400" dirty="0">
+              <a:solidFill>
+                <a:srgbClr val="D4D4D4"/>
+              </a:solidFill>
+              <a:latin typeface="Consolas" panose="020B0609020204030204" pitchFamily="49" charset="0"/>
+            </a:endParaRPr>
+          </a:p>
+          <a:p>
+            <a:r>
+              <a:rPr lang="en-US" sz="1400" dirty="0">
+                <a:solidFill>
+                  <a:srgbClr val="D4D4D4"/>
+                </a:solidFill>
+                <a:latin typeface="Consolas" panose="020B0609020204030204" pitchFamily="49" charset="0"/>
+              </a:rPr>
+              <a:t>        </a:t>
+            </a:r>
+            <a:r>
+              <a:rPr lang="en-US" sz="1400" dirty="0">
+                <a:solidFill>
+                  <a:srgbClr val="569CD6"/>
+                </a:solidFill>
+                <a:latin typeface="Consolas" panose="020B0609020204030204" pitchFamily="49" charset="0"/>
+              </a:rPr>
+              <a:t>image</a:t>
+            </a:r>
+            <a:r>
+              <a:rPr lang="en-US" sz="1400" dirty="0">
+                <a:solidFill>
+                  <a:srgbClr val="D4D4D4"/>
+                </a:solidFill>
+                <a:latin typeface="Consolas" panose="020B0609020204030204" pitchFamily="49" charset="0"/>
+              </a:rPr>
+              <a:t>: </a:t>
+            </a:r>
+            <a:r>
+              <a:rPr lang="en-US" sz="1400" dirty="0" err="1">
+                <a:solidFill>
+                  <a:srgbClr val="CE9178"/>
+                </a:solidFill>
+                <a:latin typeface="Consolas" panose="020B0609020204030204" pitchFamily="49" charset="0"/>
+              </a:rPr>
+              <a:t>aspnetcore</a:t>
+            </a:r>
+            <a:r>
+              <a:rPr lang="en-US" sz="1400" dirty="0">
+                <a:solidFill>
+                  <a:srgbClr val="CE9178"/>
+                </a:solidFill>
+                <a:latin typeface="Consolas" panose="020B0609020204030204" pitchFamily="49" charset="0"/>
+              </a:rPr>
+              <a:t>/</a:t>
+            </a:r>
+            <a:r>
+              <a:rPr lang="en-US" sz="1400" dirty="0" err="1">
+                <a:solidFill>
+                  <a:srgbClr val="CE9178"/>
+                </a:solidFill>
+                <a:latin typeface="Consolas" panose="020B0609020204030204" pitchFamily="49" charset="0"/>
+              </a:rPr>
+              <a:t>generator:multi</a:t>
+            </a:r>
+            <a:endParaRPr lang="en-US" sz="1400" dirty="0">
+              <a:solidFill>
+                <a:srgbClr val="D4D4D4"/>
+              </a:solidFill>
+              <a:latin typeface="Consolas" panose="020B0609020204030204" pitchFamily="49" charset="0"/>
+            </a:endParaRPr>
+          </a:p>
+          <a:p>
+            <a:r>
+              <a:rPr lang="en-US" sz="1400" dirty="0">
+                <a:solidFill>
+                  <a:srgbClr val="D4D4D4"/>
+                </a:solidFill>
+                <a:latin typeface="Consolas" panose="020B0609020204030204" pitchFamily="49" charset="0"/>
+              </a:rPr>
+              <a:t>        </a:t>
+            </a:r>
+            <a:r>
+              <a:rPr lang="en-US" sz="1400" dirty="0">
+                <a:solidFill>
+                  <a:srgbClr val="569CD6"/>
+                </a:solidFill>
+                <a:latin typeface="Consolas" panose="020B0609020204030204" pitchFamily="49" charset="0"/>
+              </a:rPr>
+              <a:t>ports</a:t>
+            </a:r>
+            <a:r>
+              <a:rPr lang="en-US" sz="1400" dirty="0">
+                <a:solidFill>
+                  <a:srgbClr val="D4D4D4"/>
+                </a:solidFill>
+                <a:latin typeface="Consolas" panose="020B0609020204030204" pitchFamily="49" charset="0"/>
+              </a:rPr>
+              <a:t>:</a:t>
+            </a:r>
+          </a:p>
+          <a:p>
+            <a:r>
+              <a:rPr lang="en-US" sz="1400" dirty="0">
+                <a:solidFill>
+                  <a:srgbClr val="D4D4D4"/>
+                </a:solidFill>
+                <a:latin typeface="Consolas" panose="020B0609020204030204" pitchFamily="49" charset="0"/>
+              </a:rPr>
+              <a:t>        - </a:t>
+            </a:r>
+            <a:r>
+              <a:rPr lang="en-US" sz="1400" dirty="0" err="1">
+                <a:solidFill>
+                  <a:srgbClr val="569CD6"/>
+                </a:solidFill>
+                <a:latin typeface="Consolas" panose="020B0609020204030204" pitchFamily="49" charset="0"/>
+              </a:rPr>
+              <a:t>containerPort</a:t>
+            </a:r>
+            <a:r>
+              <a:rPr lang="en-US" sz="1400" dirty="0">
+                <a:solidFill>
+                  <a:srgbClr val="D4D4D4"/>
+                </a:solidFill>
+                <a:latin typeface="Consolas" panose="020B0609020204030204" pitchFamily="49" charset="0"/>
+              </a:rPr>
+              <a:t>: </a:t>
+            </a:r>
+            <a:r>
+              <a:rPr lang="en-US" sz="1400" dirty="0">
+                <a:solidFill>
+                  <a:srgbClr val="B5CEA8"/>
+                </a:solidFill>
+                <a:latin typeface="Consolas" panose="020B0609020204030204" pitchFamily="49" charset="0"/>
+              </a:rPr>
+              <a:t>80</a:t>
+            </a:r>
+            <a:endParaRPr lang="en-US" sz="1400" dirty="0">
+              <a:solidFill>
+                <a:srgbClr val="D4D4D4"/>
+              </a:solidFill>
+              <a:latin typeface="Consolas" panose="020B0609020204030204" pitchFamily="49" charset="0"/>
+            </a:endParaRPr>
+          </a:p>
+          <a:p>
+            <a:r>
+              <a:rPr lang="en-US" sz="1400" dirty="0">
+                <a:solidFill>
+                  <a:srgbClr val="D4D4D4"/>
+                </a:solidFill>
+                <a:latin typeface="Consolas" panose="020B0609020204030204" pitchFamily="49" charset="0"/>
+              </a:rPr>
+              <a:t>        </a:t>
+            </a:r>
+            <a:r>
+              <a:rPr lang="en-US" sz="1400" dirty="0">
+                <a:solidFill>
+                  <a:srgbClr val="569CD6"/>
+                </a:solidFill>
+                <a:latin typeface="Consolas" panose="020B0609020204030204" pitchFamily="49" charset="0"/>
+              </a:rPr>
+              <a:t>resources</a:t>
+            </a:r>
+            <a:r>
+              <a:rPr lang="en-US" sz="1400" dirty="0">
+                <a:solidFill>
+                  <a:srgbClr val="D4D4D4"/>
+                </a:solidFill>
+                <a:latin typeface="Consolas" panose="020B0609020204030204" pitchFamily="49" charset="0"/>
+              </a:rPr>
+              <a:t>:</a:t>
+            </a:r>
+          </a:p>
+          <a:p>
+            <a:r>
+              <a:rPr lang="en-US" sz="1400" dirty="0">
+                <a:solidFill>
+                  <a:srgbClr val="D4D4D4"/>
+                </a:solidFill>
+                <a:latin typeface="Consolas" panose="020B0609020204030204" pitchFamily="49" charset="0"/>
+              </a:rPr>
+              <a:t>          </a:t>
+            </a:r>
+            <a:r>
+              <a:rPr lang="en-US" sz="1400" dirty="0">
+                <a:solidFill>
+                  <a:srgbClr val="569CD6"/>
+                </a:solidFill>
+                <a:latin typeface="Consolas" panose="020B0609020204030204" pitchFamily="49" charset="0"/>
+              </a:rPr>
+              <a:t>limits</a:t>
+            </a:r>
+            <a:r>
+              <a:rPr lang="en-US" sz="1400" dirty="0">
+                <a:solidFill>
+                  <a:srgbClr val="D4D4D4"/>
+                </a:solidFill>
+                <a:latin typeface="Consolas" panose="020B0609020204030204" pitchFamily="49" charset="0"/>
+              </a:rPr>
+              <a:t>:</a:t>
+            </a:r>
+          </a:p>
+          <a:p>
+            <a:r>
+              <a:rPr lang="en-US" sz="1400" dirty="0">
+                <a:solidFill>
+                  <a:srgbClr val="D4D4D4"/>
+                </a:solidFill>
+                <a:latin typeface="Consolas" panose="020B0609020204030204" pitchFamily="49" charset="0"/>
+              </a:rPr>
+              <a:t>            </a:t>
+            </a:r>
+            <a:r>
+              <a:rPr lang="en-US" sz="1400" dirty="0">
+                <a:solidFill>
+                  <a:srgbClr val="569CD6"/>
+                </a:solidFill>
+                <a:latin typeface="Consolas" panose="020B0609020204030204" pitchFamily="49" charset="0"/>
+              </a:rPr>
+              <a:t>memory</a:t>
+            </a:r>
+            <a:r>
+              <a:rPr lang="en-US" sz="1400" dirty="0">
+                <a:solidFill>
+                  <a:srgbClr val="D4D4D4"/>
+                </a:solidFill>
+                <a:latin typeface="Consolas" panose="020B0609020204030204" pitchFamily="49" charset="0"/>
+              </a:rPr>
+              <a:t>: </a:t>
+            </a:r>
+            <a:r>
+              <a:rPr lang="en-US" sz="1400" dirty="0">
+                <a:solidFill>
+                  <a:srgbClr val="CE9178"/>
+                </a:solidFill>
+                <a:latin typeface="Consolas" panose="020B0609020204030204" pitchFamily="49" charset="0"/>
+              </a:rPr>
+              <a:t>"128Mi"</a:t>
+            </a:r>
+            <a:r>
+              <a:rPr lang="en-US" sz="1400" dirty="0">
+                <a:solidFill>
+                  <a:srgbClr val="D4D4D4"/>
+                </a:solidFill>
+                <a:latin typeface="Consolas" panose="020B0609020204030204" pitchFamily="49" charset="0"/>
+              </a:rPr>
+              <a:t> </a:t>
+            </a:r>
+            <a:r>
+              <a:rPr lang="en-US" sz="1400" dirty="0">
+                <a:solidFill>
+                  <a:srgbClr val="6A9955"/>
+                </a:solidFill>
+                <a:latin typeface="Consolas" panose="020B0609020204030204" pitchFamily="49" charset="0"/>
+              </a:rPr>
+              <a:t>#128 MB</a:t>
+            </a:r>
+            <a:endParaRPr lang="en-US" sz="1400" dirty="0">
+              <a:solidFill>
+                <a:srgbClr val="D4D4D4"/>
+              </a:solidFill>
+              <a:latin typeface="Consolas" panose="020B0609020204030204" pitchFamily="49" charset="0"/>
+            </a:endParaRPr>
+          </a:p>
+          <a:p>
+            <a:r>
+              <a:rPr lang="en-US" sz="1400" dirty="0">
+                <a:solidFill>
+                  <a:srgbClr val="D4D4D4"/>
+                </a:solidFill>
+                <a:latin typeface="Consolas" panose="020B0609020204030204" pitchFamily="49" charset="0"/>
+              </a:rPr>
+              <a:t>            </a:t>
+            </a:r>
+            <a:r>
+              <a:rPr lang="en-US" sz="1400" dirty="0" err="1">
+                <a:solidFill>
+                  <a:srgbClr val="569CD6"/>
+                </a:solidFill>
+                <a:latin typeface="Consolas" panose="020B0609020204030204" pitchFamily="49" charset="0"/>
+              </a:rPr>
+              <a:t>cpu</a:t>
+            </a:r>
+            <a:r>
+              <a:rPr lang="en-US" sz="1400" dirty="0">
+                <a:solidFill>
+                  <a:srgbClr val="D4D4D4"/>
+                </a:solidFill>
+                <a:latin typeface="Consolas" panose="020B0609020204030204" pitchFamily="49" charset="0"/>
+              </a:rPr>
+              <a:t>: </a:t>
+            </a:r>
+            <a:r>
+              <a:rPr lang="en-US" sz="1400" dirty="0">
+                <a:solidFill>
+                  <a:srgbClr val="CE9178"/>
+                </a:solidFill>
+                <a:latin typeface="Consolas" panose="020B0609020204030204" pitchFamily="49" charset="0"/>
+              </a:rPr>
+              <a:t>"200m"</a:t>
+            </a:r>
+            <a:r>
+              <a:rPr lang="en-US" sz="1400" dirty="0">
+                <a:solidFill>
+                  <a:srgbClr val="D4D4D4"/>
+                </a:solidFill>
+                <a:latin typeface="Consolas" panose="020B0609020204030204" pitchFamily="49" charset="0"/>
+              </a:rPr>
+              <a:t> </a:t>
+            </a:r>
+            <a:r>
+              <a:rPr lang="en-US" sz="1400" dirty="0">
+                <a:solidFill>
+                  <a:srgbClr val="6A9955"/>
+                </a:solidFill>
+                <a:latin typeface="Consolas" panose="020B0609020204030204" pitchFamily="49" charset="0"/>
+              </a:rPr>
+              <a:t>#200 </a:t>
+            </a:r>
+            <a:r>
+              <a:rPr lang="en-US" sz="1400" dirty="0" err="1">
+                <a:solidFill>
+                  <a:srgbClr val="6A9955"/>
+                </a:solidFill>
+                <a:latin typeface="Consolas" panose="020B0609020204030204" pitchFamily="49" charset="0"/>
+              </a:rPr>
+              <a:t>millicpu</a:t>
+            </a:r>
+            <a:r>
+              <a:rPr lang="en-US" sz="1400" dirty="0">
+                <a:solidFill>
+                  <a:srgbClr val="6A9955"/>
+                </a:solidFill>
+                <a:latin typeface="Consolas" panose="020B0609020204030204" pitchFamily="49" charset="0"/>
+              </a:rPr>
+              <a:t> </a:t>
+            </a:r>
+            <a:r>
+              <a:rPr lang="en-US" sz="1400" dirty="0" smtClean="0">
+                <a:solidFill>
+                  <a:srgbClr val="6A9955"/>
+                </a:solidFill>
+                <a:latin typeface="Consolas" panose="020B0609020204030204" pitchFamily="49" charset="0"/>
+              </a:rPr>
+              <a:t>(20%</a:t>
+            </a:r>
+            <a:r>
+              <a:rPr lang="en-US" sz="1400" dirty="0">
+                <a:solidFill>
+                  <a:srgbClr val="6A9955"/>
+                </a:solidFill>
+                <a:latin typeface="Consolas" panose="020B0609020204030204" pitchFamily="49" charset="0"/>
+              </a:rPr>
+              <a:t> </a:t>
+            </a:r>
+            <a:r>
+              <a:rPr lang="en-US" sz="1400" dirty="0" err="1" smtClean="0">
+                <a:solidFill>
+                  <a:srgbClr val="6A9955"/>
+                </a:solidFill>
+                <a:latin typeface="Consolas" panose="020B0609020204030204" pitchFamily="49" charset="0"/>
+              </a:rPr>
+              <a:t>cpu</a:t>
+            </a:r>
+            <a:r>
+              <a:rPr lang="en-US" sz="1400" dirty="0" smtClean="0">
+                <a:solidFill>
+                  <a:srgbClr val="6A9955"/>
+                </a:solidFill>
+                <a:latin typeface="Consolas" panose="020B0609020204030204" pitchFamily="49" charset="0"/>
+              </a:rPr>
+              <a:t>)</a:t>
+            </a:r>
+            <a:endParaRPr lang="en-US" sz="1400" b="0" dirty="0">
+              <a:solidFill>
+                <a:srgbClr val="D4D4D4"/>
+              </a:solidFill>
+              <a:effectLst/>
+              <a:latin typeface="Consolas" panose="020B0609020204030204" pitchFamily="49" charset="0"/>
+            </a:endParaRPr>
+          </a:p>
+        </p:txBody>
+      </p:sp>
+      <p:sp>
+        <p:nvSpPr>
+          <p:cNvPr id="10" name="Rectangle 9"/>
+          <p:cNvSpPr/>
+          <p:nvPr/>
+        </p:nvSpPr>
+        <p:spPr>
+          <a:xfrm>
+            <a:off x="0" y="0"/>
+            <a:ext cx="6519157" cy="523220"/>
+          </a:xfrm>
+          <a:prstGeom prst="rect">
+            <a:avLst/>
+          </a:prstGeom>
+        </p:spPr>
+        <p:txBody>
+          <a:bodyPr wrap="none">
+            <a:spAutoFit/>
+          </a:bodyPr>
+          <a:lstStyle/>
+          <a:p>
+            <a:r>
+              <a:rPr lang="en-US" sz="2800" b="1" dirty="0" smtClean="0"/>
+              <a:t>CLI </a:t>
+            </a:r>
+            <a:r>
+              <a:rPr lang="en-US" sz="2800" b="1" dirty="0" smtClean="0"/>
+              <a:t>Deploy via Kubernetes </a:t>
+            </a:r>
+            <a:r>
+              <a:rPr lang="en-US" sz="2800" b="1" dirty="0" smtClean="0"/>
+              <a:t>Deployment </a:t>
+            </a:r>
+            <a:r>
+              <a:rPr lang="en-US" sz="2800" b="1" dirty="0" err="1" smtClean="0"/>
+              <a:t>IaC</a:t>
+            </a:r>
+            <a:endParaRPr lang="en-US" sz="2800" b="1" dirty="0"/>
+          </a:p>
+        </p:txBody>
+      </p:sp>
+      <p:sp>
+        <p:nvSpPr>
+          <p:cNvPr id="11" name="Rectangle 10"/>
+          <p:cNvSpPr/>
+          <p:nvPr/>
+        </p:nvSpPr>
+        <p:spPr>
+          <a:xfrm>
+            <a:off x="5774635" y="2502564"/>
+            <a:ext cx="6096000" cy="923330"/>
+          </a:xfrm>
+          <a:prstGeom prst="rect">
+            <a:avLst/>
+          </a:prstGeom>
+          <a:solidFill>
+            <a:schemeClr val="tx1"/>
+          </a:solidFill>
+        </p:spPr>
+        <p:txBody>
+          <a:bodyPr wrap="square">
+            <a:spAutoFit/>
+          </a:bodyPr>
+          <a:lstStyle/>
+          <a:p>
+            <a:r>
+              <a:rPr lang="en-US" dirty="0">
+                <a:solidFill>
+                  <a:schemeClr val="bg1"/>
+                </a:solidFill>
+              </a:rPr>
+              <a:t>&gt; …\</a:t>
+            </a:r>
+            <a:r>
+              <a:rPr lang="en-US" dirty="0" err="1">
+                <a:solidFill>
+                  <a:schemeClr val="bg1"/>
+                </a:solidFill>
+              </a:rPr>
+              <a:t>aspnetcore</a:t>
+            </a:r>
+            <a:r>
+              <a:rPr lang="en-US" dirty="0">
+                <a:solidFill>
+                  <a:schemeClr val="bg1"/>
+                </a:solidFill>
+              </a:rPr>
+              <a:t>-generator-</a:t>
+            </a:r>
+            <a:r>
+              <a:rPr lang="en-US" dirty="0" err="1">
+                <a:solidFill>
+                  <a:schemeClr val="bg1"/>
+                </a:solidFill>
+              </a:rPr>
+              <a:t>api</a:t>
+            </a:r>
+            <a:r>
+              <a:rPr lang="en-US" dirty="0">
+                <a:solidFill>
+                  <a:schemeClr val="bg1"/>
+                </a:solidFill>
+              </a:rPr>
+              <a:t>\</a:t>
+            </a:r>
+            <a:r>
+              <a:rPr lang="en-US" dirty="0" err="1">
+                <a:solidFill>
+                  <a:schemeClr val="bg1"/>
+                </a:solidFill>
+              </a:rPr>
+              <a:t>api</a:t>
+            </a:r>
+            <a:r>
+              <a:rPr lang="en-US" dirty="0">
+                <a:solidFill>
+                  <a:schemeClr val="bg1"/>
+                </a:solidFill>
+              </a:rPr>
+              <a:t>&gt; </a:t>
+            </a:r>
+            <a:r>
+              <a:rPr lang="en-US" dirty="0" err="1">
+                <a:solidFill>
+                  <a:schemeClr val="bg1"/>
+                </a:solidFill>
+              </a:rPr>
+              <a:t>kubectl</a:t>
+            </a:r>
+            <a:r>
+              <a:rPr lang="en-US" dirty="0">
+                <a:solidFill>
+                  <a:schemeClr val="bg1"/>
+                </a:solidFill>
+              </a:rPr>
+              <a:t> get deployment</a:t>
+            </a:r>
+          </a:p>
+          <a:p>
+            <a:r>
+              <a:rPr lang="en-US" dirty="0">
+                <a:solidFill>
+                  <a:schemeClr val="bg1"/>
+                </a:solidFill>
+              </a:rPr>
+              <a:t>NAME           READY   UP-TO-DATE   AVAILABLE   AGE</a:t>
+            </a:r>
+          </a:p>
+          <a:p>
+            <a:r>
+              <a:rPr lang="en-US" dirty="0">
+                <a:solidFill>
+                  <a:schemeClr val="bg1"/>
+                </a:solidFill>
+              </a:rPr>
+              <a:t>name-gen-</a:t>
+            </a:r>
+            <a:r>
+              <a:rPr lang="en-US" dirty="0" err="1">
+                <a:solidFill>
+                  <a:schemeClr val="bg1"/>
+                </a:solidFill>
+              </a:rPr>
+              <a:t>api</a:t>
+            </a:r>
+            <a:r>
+              <a:rPr lang="en-US" dirty="0">
+                <a:solidFill>
+                  <a:schemeClr val="bg1"/>
+                </a:solidFill>
+              </a:rPr>
+              <a:t>   3/3     3            3           77m</a:t>
+            </a:r>
+          </a:p>
+        </p:txBody>
+      </p:sp>
+      <p:sp>
+        <p:nvSpPr>
+          <p:cNvPr id="13" name="Rectangle 12"/>
+          <p:cNvSpPr/>
+          <p:nvPr/>
+        </p:nvSpPr>
+        <p:spPr>
+          <a:xfrm>
+            <a:off x="2828238" y="615619"/>
+            <a:ext cx="5120619" cy="1477328"/>
+          </a:xfrm>
+          <a:prstGeom prst="rect">
+            <a:avLst/>
+          </a:prstGeom>
+          <a:solidFill>
+            <a:schemeClr val="tx1"/>
+          </a:solidFill>
+        </p:spPr>
+        <p:txBody>
+          <a:bodyPr wrap="square">
+            <a:spAutoFit/>
+          </a:bodyPr>
+          <a:lstStyle/>
+          <a:p>
+            <a:r>
+              <a:rPr lang="en-US" dirty="0" smtClean="0">
+                <a:solidFill>
+                  <a:schemeClr val="accent6">
+                    <a:lumMod val="60000"/>
+                    <a:lumOff val="40000"/>
+                  </a:schemeClr>
+                </a:solidFill>
+              </a:rPr>
+              <a:t># </a:t>
+            </a:r>
+            <a:r>
+              <a:rPr lang="en-US" dirty="0">
+                <a:solidFill>
+                  <a:schemeClr val="accent6">
+                    <a:lumMod val="60000"/>
+                    <a:lumOff val="40000"/>
+                  </a:schemeClr>
+                </a:solidFill>
+              </a:rPr>
+              <a:t>Create something </a:t>
+            </a:r>
+            <a:r>
+              <a:rPr lang="en-US" dirty="0" smtClean="0">
+                <a:solidFill>
+                  <a:schemeClr val="accent6">
+                    <a:lumMod val="60000"/>
+                    <a:lumOff val="40000"/>
+                  </a:schemeClr>
+                </a:solidFill>
+              </a:rPr>
+              <a:t>new, expect errors when existing</a:t>
+            </a:r>
+          </a:p>
+          <a:p>
+            <a:r>
+              <a:rPr lang="en-US" dirty="0" err="1" smtClean="0">
+                <a:solidFill>
+                  <a:schemeClr val="bg1"/>
+                </a:solidFill>
+              </a:rPr>
+              <a:t>kubectl</a:t>
+            </a:r>
+            <a:r>
+              <a:rPr lang="en-US" dirty="0" smtClean="0">
+                <a:solidFill>
+                  <a:schemeClr val="bg1"/>
+                </a:solidFill>
+              </a:rPr>
+              <a:t> </a:t>
+            </a:r>
+            <a:r>
+              <a:rPr lang="en-US" dirty="0">
+                <a:solidFill>
+                  <a:schemeClr val="bg1"/>
+                </a:solidFill>
+              </a:rPr>
+              <a:t>create –f .\</a:t>
+            </a:r>
+            <a:r>
+              <a:rPr lang="en-US" dirty="0" err="1">
+                <a:solidFill>
+                  <a:schemeClr val="bg1"/>
+                </a:solidFill>
+              </a:rPr>
+              <a:t>api.service.yml</a:t>
+            </a:r>
+            <a:r>
+              <a:rPr lang="en-US" dirty="0">
+                <a:solidFill>
+                  <a:schemeClr val="bg1"/>
+                </a:solidFill>
+              </a:rPr>
+              <a:t> --save-</a:t>
+            </a:r>
+            <a:r>
+              <a:rPr lang="en-US" dirty="0" err="1">
+                <a:solidFill>
+                  <a:schemeClr val="bg1"/>
+                </a:solidFill>
+              </a:rPr>
+              <a:t>config</a:t>
+            </a:r>
+            <a:endParaRPr lang="en-US" dirty="0">
+              <a:solidFill>
+                <a:schemeClr val="bg1"/>
+              </a:solidFill>
+            </a:endParaRPr>
+          </a:p>
+          <a:p>
+            <a:r>
+              <a:rPr lang="en-US" dirty="0">
+                <a:solidFill>
+                  <a:schemeClr val="bg1"/>
+                </a:solidFill>
+              </a:rPr>
+              <a:t>Or </a:t>
+            </a:r>
+            <a:endParaRPr lang="en-US" dirty="0" smtClean="0">
+              <a:solidFill>
+                <a:schemeClr val="bg1"/>
+              </a:solidFill>
+            </a:endParaRPr>
+          </a:p>
+          <a:p>
+            <a:r>
+              <a:rPr lang="en-US" dirty="0">
+                <a:solidFill>
+                  <a:schemeClr val="accent6">
+                    <a:lumMod val="60000"/>
+                    <a:lumOff val="40000"/>
+                  </a:schemeClr>
+                </a:solidFill>
+              </a:rPr>
+              <a:t># </a:t>
+            </a:r>
+            <a:r>
+              <a:rPr lang="en-US" dirty="0">
+                <a:solidFill>
+                  <a:schemeClr val="accent6">
+                    <a:lumMod val="60000"/>
+                    <a:lumOff val="40000"/>
+                  </a:schemeClr>
+                </a:solidFill>
+              </a:rPr>
+              <a:t>Create if not exist, otherwise update </a:t>
+            </a:r>
+            <a:r>
+              <a:rPr lang="en-US" dirty="0" smtClean="0">
+                <a:solidFill>
+                  <a:schemeClr val="accent6">
+                    <a:lumMod val="60000"/>
+                    <a:lumOff val="40000"/>
+                  </a:schemeClr>
+                </a:solidFill>
+              </a:rPr>
+              <a:t>existing</a:t>
+            </a:r>
+            <a:endParaRPr lang="en-US" dirty="0">
+              <a:solidFill>
+                <a:schemeClr val="accent6">
+                  <a:lumMod val="60000"/>
+                  <a:lumOff val="40000"/>
+                </a:schemeClr>
+              </a:solidFill>
+            </a:endParaRPr>
+          </a:p>
+          <a:p>
+            <a:r>
+              <a:rPr lang="en-US" dirty="0" err="1" smtClean="0">
+                <a:solidFill>
+                  <a:schemeClr val="bg1"/>
+                </a:solidFill>
+              </a:rPr>
+              <a:t>kubectl</a:t>
+            </a:r>
+            <a:r>
+              <a:rPr lang="en-US" dirty="0" smtClean="0">
+                <a:solidFill>
+                  <a:schemeClr val="bg1"/>
+                </a:solidFill>
+              </a:rPr>
+              <a:t> </a:t>
+            </a:r>
+            <a:r>
+              <a:rPr lang="en-US" dirty="0">
+                <a:solidFill>
+                  <a:schemeClr val="bg1"/>
+                </a:solidFill>
+              </a:rPr>
+              <a:t>apply </a:t>
+            </a:r>
+            <a:r>
+              <a:rPr lang="en-US" dirty="0">
+                <a:solidFill>
+                  <a:schemeClr val="bg1"/>
+                </a:solidFill>
+              </a:rPr>
+              <a:t>–f .\</a:t>
+            </a:r>
+            <a:r>
+              <a:rPr lang="en-US" dirty="0" err="1">
+                <a:solidFill>
+                  <a:schemeClr val="bg1"/>
+                </a:solidFill>
+              </a:rPr>
+              <a:t>api.service.yml</a:t>
+            </a:r>
+            <a:endParaRPr lang="en-US" dirty="0">
+              <a:solidFill>
+                <a:schemeClr val="bg1"/>
+              </a:solidFill>
+            </a:endParaRPr>
+          </a:p>
+        </p:txBody>
+      </p:sp>
+    </p:spTree>
+    <p:extLst>
+      <p:ext uri="{BB962C8B-B14F-4D97-AF65-F5344CB8AC3E}">
+        <p14:creationId xmlns:p14="http://schemas.microsoft.com/office/powerpoint/2010/main" val="2792973379"/>
+      </p:ext>
+    </p:extLst>
+  </p:cSld>
+  <p:clrMapOvr>
+    <a:masterClrMapping/>
+  </p:clrMapOvr>
+  <p:timing>
+    <p:tnLst>
+      <p:par>
+        <p:cTn id="1" dur="indefinite" restart="never" nodeType="tmRoot"/>
+      </p:par>
+    </p:tnLst>
+  </p:timing>
+</p:sld>
+</file>
+
+<file path=ppt/slides/slide12.xml><?xml version="1.0" encoding="utf-8"?>
+<p:sld xmlns:a="http://schemas.openxmlformats.org/drawingml/2006/main" xmlns:r="http://schemas.openxmlformats.org/officeDocument/2006/relationships" xmlns:p="http://schemas.openxmlformats.org/presentationml/2006/main">
+  <p:cSld>
+    <p:spTree>
+      <p:nvGrpSpPr>
+        <p:cNvPr id="1" name=""/>
+        <p:cNvGrpSpPr/>
+        <p:nvPr/>
+      </p:nvGrpSpPr>
+      <p:grpSpPr>
+        <a:xfrm>
+          <a:off x="0" y="0"/>
+          <a:ext cx="0" cy="0"/>
+          <a:chOff x="0" y="0"/>
+          <a:chExt cx="0" cy="0"/>
+        </a:xfrm>
+      </p:grpSpPr>
+      <p:sp>
+        <p:nvSpPr>
+          <p:cNvPr id="5" name="Rectangle 4"/>
+          <p:cNvSpPr/>
+          <p:nvPr/>
+        </p:nvSpPr>
+        <p:spPr>
+          <a:xfrm>
+            <a:off x="5688496" y="4221562"/>
+            <a:ext cx="6182138" cy="1754326"/>
+          </a:xfrm>
+          <a:prstGeom prst="rect">
+            <a:avLst/>
+          </a:prstGeom>
+          <a:solidFill>
+            <a:schemeClr val="tx1"/>
+          </a:solidFill>
+        </p:spPr>
+        <p:txBody>
+          <a:bodyPr wrap="square">
+            <a:spAutoFit/>
+          </a:bodyPr>
+          <a:lstStyle/>
+          <a:p>
+            <a:r>
+              <a:rPr lang="en-US" dirty="0">
+                <a:solidFill>
+                  <a:schemeClr val="bg1"/>
+                </a:solidFill>
+              </a:rPr>
+              <a:t>&gt; </a:t>
+            </a:r>
+            <a:r>
+              <a:rPr lang="en-US" dirty="0" smtClean="0">
+                <a:solidFill>
+                  <a:schemeClr val="bg1"/>
+                </a:solidFill>
+              </a:rPr>
+              <a:t>PS …\</a:t>
+            </a:r>
+            <a:r>
+              <a:rPr lang="en-US" dirty="0" err="1" smtClean="0">
+                <a:solidFill>
+                  <a:schemeClr val="bg1"/>
+                </a:solidFill>
+              </a:rPr>
+              <a:t>aspnetcore</a:t>
+            </a:r>
+            <a:r>
+              <a:rPr lang="en-US" dirty="0" smtClean="0">
+                <a:solidFill>
+                  <a:schemeClr val="bg1"/>
+                </a:solidFill>
+              </a:rPr>
+              <a:t>-generator-</a:t>
+            </a:r>
+            <a:r>
+              <a:rPr lang="en-US" dirty="0" err="1" smtClean="0">
+                <a:solidFill>
+                  <a:schemeClr val="bg1"/>
+                </a:solidFill>
+              </a:rPr>
+              <a:t>api</a:t>
+            </a:r>
+            <a:r>
+              <a:rPr lang="en-US" dirty="0" smtClean="0">
+                <a:solidFill>
+                  <a:schemeClr val="bg1"/>
+                </a:solidFill>
+              </a:rPr>
+              <a:t>\</a:t>
+            </a:r>
+            <a:r>
+              <a:rPr lang="en-US" dirty="0" err="1" smtClean="0">
+                <a:solidFill>
+                  <a:schemeClr val="bg1"/>
+                </a:solidFill>
+              </a:rPr>
+              <a:t>api</a:t>
+            </a:r>
+            <a:r>
+              <a:rPr lang="en-US" dirty="0" smtClean="0">
+                <a:solidFill>
+                  <a:schemeClr val="bg1"/>
+                </a:solidFill>
+              </a:rPr>
+              <a:t>&gt; </a:t>
+            </a:r>
+            <a:r>
+              <a:rPr lang="en-US" dirty="0" err="1">
+                <a:solidFill>
+                  <a:schemeClr val="bg1"/>
+                </a:solidFill>
+              </a:rPr>
+              <a:t>kubectl</a:t>
+            </a:r>
+            <a:r>
+              <a:rPr lang="en-US" dirty="0">
+                <a:solidFill>
+                  <a:schemeClr val="bg1"/>
+                </a:solidFill>
+              </a:rPr>
+              <a:t> get pods</a:t>
+            </a:r>
+          </a:p>
+          <a:p>
+            <a:r>
+              <a:rPr lang="en-US" dirty="0">
+                <a:solidFill>
+                  <a:schemeClr val="bg1"/>
+                </a:solidFill>
+              </a:rPr>
+              <a:t>NAME                           READY   STATUS        RESTARTS   AGE</a:t>
+            </a:r>
+          </a:p>
+          <a:p>
+            <a:r>
+              <a:rPr lang="en-US" dirty="0">
+                <a:solidFill>
+                  <a:schemeClr val="bg1"/>
+                </a:solidFill>
+              </a:rPr>
+              <a:t>name-gen-api-6d5c9cf6c-zplqz   0/1     Terminating   0          31m</a:t>
+            </a:r>
+          </a:p>
+          <a:p>
+            <a:r>
+              <a:rPr lang="en-US" dirty="0">
+                <a:solidFill>
+                  <a:schemeClr val="bg1"/>
+                </a:solidFill>
+              </a:rPr>
+              <a:t>name-gen-api-d5f885787-8d5h6   1/1     Running       0          12s</a:t>
+            </a:r>
+          </a:p>
+          <a:p>
+            <a:r>
+              <a:rPr lang="en-US" dirty="0">
+                <a:solidFill>
+                  <a:schemeClr val="bg1"/>
+                </a:solidFill>
+              </a:rPr>
+              <a:t>name-gen-api-d5f885787-8kns8   1/1     Running       0          11s</a:t>
+            </a:r>
+          </a:p>
+          <a:p>
+            <a:r>
+              <a:rPr lang="en-US" dirty="0">
+                <a:solidFill>
+                  <a:schemeClr val="bg1"/>
+                </a:solidFill>
+              </a:rPr>
+              <a:t>name-gen-api-d5f885787-fpgzq   1/1     Running       0          14s</a:t>
+            </a:r>
+          </a:p>
+        </p:txBody>
+      </p:sp>
+      <p:pic>
+        <p:nvPicPr>
+          <p:cNvPr id="6" name="Picture 5"/>
+          <p:cNvPicPr>
+            <a:picLocks noChangeAspect="1"/>
+          </p:cNvPicPr>
+          <p:nvPr/>
+        </p:nvPicPr>
+        <p:blipFill>
+          <a:blip r:embed="rId3"/>
+          <a:stretch>
+            <a:fillRect/>
+          </a:stretch>
+        </p:blipFill>
+        <p:spPr>
+          <a:xfrm>
+            <a:off x="7231753" y="161328"/>
+            <a:ext cx="3095625" cy="2562225"/>
+          </a:xfrm>
+          <a:prstGeom prst="rect">
+            <a:avLst/>
+          </a:prstGeom>
+        </p:spPr>
+      </p:pic>
+      <p:sp>
+        <p:nvSpPr>
+          <p:cNvPr id="7" name="Rectangle 6"/>
+          <p:cNvSpPr/>
+          <p:nvPr/>
+        </p:nvSpPr>
+        <p:spPr>
+          <a:xfrm>
+            <a:off x="5688496" y="2892830"/>
+            <a:ext cx="6096000" cy="1200329"/>
+          </a:xfrm>
+          <a:prstGeom prst="rect">
+            <a:avLst/>
+          </a:prstGeom>
+          <a:solidFill>
+            <a:schemeClr val="tx1"/>
+          </a:solidFill>
+        </p:spPr>
+        <p:txBody>
+          <a:bodyPr wrap="square">
+            <a:spAutoFit/>
+          </a:bodyPr>
+          <a:lstStyle/>
+          <a:p>
+            <a:r>
+              <a:rPr lang="en-US" dirty="0" smtClean="0">
+                <a:solidFill>
+                  <a:schemeClr val="bg1"/>
+                </a:solidFill>
+              </a:rPr>
+              <a:t>&gt; …\</a:t>
+            </a:r>
+            <a:r>
+              <a:rPr lang="en-US" dirty="0" err="1">
+                <a:solidFill>
+                  <a:schemeClr val="bg1"/>
+                </a:solidFill>
+              </a:rPr>
+              <a:t>aspnetcore</a:t>
+            </a:r>
+            <a:r>
+              <a:rPr lang="en-US" dirty="0">
+                <a:solidFill>
+                  <a:schemeClr val="bg1"/>
+                </a:solidFill>
+              </a:rPr>
+              <a:t>-generator-</a:t>
+            </a:r>
+            <a:r>
+              <a:rPr lang="en-US" dirty="0" err="1">
+                <a:solidFill>
+                  <a:schemeClr val="bg1"/>
+                </a:solidFill>
+              </a:rPr>
+              <a:t>api</a:t>
+            </a:r>
+            <a:r>
+              <a:rPr lang="en-US" dirty="0">
+                <a:solidFill>
+                  <a:schemeClr val="bg1"/>
+                </a:solidFill>
+              </a:rPr>
+              <a:t>\</a:t>
+            </a:r>
+            <a:r>
+              <a:rPr lang="en-US" dirty="0" err="1">
+                <a:solidFill>
+                  <a:schemeClr val="bg1"/>
+                </a:solidFill>
+              </a:rPr>
+              <a:t>api</a:t>
+            </a:r>
+            <a:r>
+              <a:rPr lang="en-US" dirty="0">
+                <a:solidFill>
+                  <a:schemeClr val="bg1"/>
+                </a:solidFill>
+              </a:rPr>
+              <a:t>&gt; </a:t>
+            </a:r>
+            <a:r>
+              <a:rPr lang="en-US" dirty="0" err="1">
+                <a:solidFill>
+                  <a:schemeClr val="bg1"/>
+                </a:solidFill>
+              </a:rPr>
+              <a:t>kubectl</a:t>
+            </a:r>
+            <a:r>
+              <a:rPr lang="en-US" dirty="0">
+                <a:solidFill>
+                  <a:schemeClr val="bg1"/>
+                </a:solidFill>
+              </a:rPr>
+              <a:t> get </a:t>
+            </a:r>
+            <a:r>
+              <a:rPr lang="en-US" dirty="0" err="1">
+                <a:solidFill>
+                  <a:schemeClr val="bg1"/>
+                </a:solidFill>
+              </a:rPr>
+              <a:t>replicaset</a:t>
+            </a:r>
+            <a:endParaRPr lang="en-US" dirty="0">
+              <a:solidFill>
+                <a:schemeClr val="bg1"/>
+              </a:solidFill>
+            </a:endParaRPr>
+          </a:p>
+          <a:p>
+            <a:r>
+              <a:rPr lang="en-US" dirty="0">
+                <a:solidFill>
+                  <a:schemeClr val="bg1"/>
+                </a:solidFill>
+              </a:rPr>
+              <a:t>NAME                     DESIRED   CURRENT   READY   AGE</a:t>
+            </a:r>
+          </a:p>
+          <a:p>
+            <a:r>
+              <a:rPr lang="en-US" dirty="0">
+                <a:solidFill>
+                  <a:schemeClr val="bg1"/>
+                </a:solidFill>
+              </a:rPr>
+              <a:t>name-gen-api-6d5c9cf6c   0         0         0       63m</a:t>
+            </a:r>
+          </a:p>
+          <a:p>
+            <a:r>
+              <a:rPr lang="en-US" dirty="0">
+                <a:solidFill>
+                  <a:schemeClr val="bg1"/>
+                </a:solidFill>
+              </a:rPr>
+              <a:t>name-gen-api-d5f885787   3         3         3       32m</a:t>
+            </a:r>
+          </a:p>
+        </p:txBody>
+      </p:sp>
+      <p:sp>
+        <p:nvSpPr>
+          <p:cNvPr id="8" name="Rectangle 7"/>
+          <p:cNvSpPr/>
+          <p:nvPr/>
+        </p:nvSpPr>
+        <p:spPr>
+          <a:xfrm>
+            <a:off x="6096000" y="635965"/>
+            <a:ext cx="6096000" cy="338554"/>
+          </a:xfrm>
+          <a:prstGeom prst="rect">
+            <a:avLst/>
+          </a:prstGeom>
+        </p:spPr>
+        <p:txBody>
+          <a:bodyPr>
+            <a:spAutoFit/>
+          </a:bodyPr>
+          <a:lstStyle/>
+          <a:p>
+            <a:endParaRPr lang="en-US" sz="1600" dirty="0"/>
+          </a:p>
+        </p:txBody>
+      </p:sp>
+      <p:sp>
+        <p:nvSpPr>
+          <p:cNvPr id="10" name="Rectangle 9"/>
+          <p:cNvSpPr/>
+          <p:nvPr/>
+        </p:nvSpPr>
+        <p:spPr>
+          <a:xfrm>
+            <a:off x="0" y="0"/>
+            <a:ext cx="7103996" cy="830997"/>
+          </a:xfrm>
+          <a:prstGeom prst="rect">
+            <a:avLst/>
+          </a:prstGeom>
+        </p:spPr>
+        <p:txBody>
+          <a:bodyPr wrap="none">
+            <a:spAutoFit/>
+          </a:bodyPr>
+          <a:lstStyle/>
+          <a:p>
+            <a:r>
+              <a:rPr lang="en-US" sz="2800" b="1" dirty="0"/>
+              <a:t>CLI Deploy </a:t>
+            </a:r>
+            <a:r>
+              <a:rPr lang="en-US" sz="2800" b="1" dirty="0" smtClean="0"/>
+              <a:t>via Kubernetes </a:t>
+            </a:r>
+            <a:r>
+              <a:rPr lang="en-US" sz="2800" b="1" dirty="0" smtClean="0"/>
+              <a:t>Service </a:t>
+            </a:r>
+            <a:r>
+              <a:rPr lang="en-US" sz="2800" b="1" dirty="0" err="1" smtClean="0"/>
+              <a:t>IaC</a:t>
+            </a:r>
+            <a:r>
+              <a:rPr lang="en-US" sz="2800" b="1" dirty="0" smtClean="0"/>
+              <a:t> Example</a:t>
+            </a:r>
+          </a:p>
+          <a:p>
+            <a:r>
+              <a:rPr lang="en-US" sz="2000" dirty="0" smtClean="0"/>
+              <a:t>Provide access, forward ports to API</a:t>
+            </a:r>
+            <a:endParaRPr lang="en-US" sz="2000" dirty="0"/>
+          </a:p>
+        </p:txBody>
+      </p:sp>
+      <p:sp>
+        <p:nvSpPr>
+          <p:cNvPr id="2" name="Rectangle 1"/>
+          <p:cNvSpPr/>
+          <p:nvPr/>
+        </p:nvSpPr>
+        <p:spPr>
+          <a:xfrm>
+            <a:off x="567877" y="2559568"/>
+            <a:ext cx="6096000" cy="3416320"/>
+          </a:xfrm>
+          <a:prstGeom prst="rect">
+            <a:avLst/>
+          </a:prstGeom>
+        </p:spPr>
+        <p:txBody>
+          <a:bodyPr>
+            <a:spAutoFit/>
+          </a:bodyPr>
+          <a:lstStyle/>
+          <a:p>
+            <a:r>
+              <a:rPr lang="en-US" dirty="0" err="1">
+                <a:solidFill>
+                  <a:srgbClr val="569CD6"/>
+                </a:solidFill>
+                <a:latin typeface="Consolas" panose="020B0609020204030204" pitchFamily="49" charset="0"/>
+              </a:rPr>
+              <a:t>apiVersion</a:t>
+            </a:r>
+            <a:r>
+              <a:rPr lang="en-US" dirty="0">
+                <a:solidFill>
+                  <a:srgbClr val="D4D4D4"/>
+                </a:solidFill>
+                <a:latin typeface="Consolas" panose="020B0609020204030204" pitchFamily="49" charset="0"/>
+              </a:rPr>
+              <a:t>: </a:t>
+            </a:r>
+            <a:r>
+              <a:rPr lang="en-US" dirty="0">
+                <a:solidFill>
+                  <a:srgbClr val="CE9178"/>
+                </a:solidFill>
+                <a:latin typeface="Consolas" panose="020B0609020204030204" pitchFamily="49" charset="0"/>
+              </a:rPr>
+              <a:t>v1</a:t>
+            </a:r>
+            <a:endParaRPr lang="en-US" dirty="0">
+              <a:solidFill>
+                <a:srgbClr val="D4D4D4"/>
+              </a:solidFill>
+              <a:latin typeface="Consolas" panose="020B0609020204030204" pitchFamily="49" charset="0"/>
+            </a:endParaRPr>
+          </a:p>
+          <a:p>
+            <a:r>
+              <a:rPr lang="en-US" dirty="0">
+                <a:solidFill>
+                  <a:srgbClr val="569CD6"/>
+                </a:solidFill>
+                <a:latin typeface="Consolas" panose="020B0609020204030204" pitchFamily="49" charset="0"/>
+              </a:rPr>
+              <a:t>kind</a:t>
+            </a:r>
+            <a:r>
+              <a:rPr lang="en-US" dirty="0">
+                <a:solidFill>
+                  <a:srgbClr val="D4D4D4"/>
+                </a:solidFill>
+                <a:latin typeface="Consolas" panose="020B0609020204030204" pitchFamily="49" charset="0"/>
+              </a:rPr>
+              <a:t>: </a:t>
+            </a:r>
+            <a:r>
+              <a:rPr lang="en-US" dirty="0">
+                <a:solidFill>
+                  <a:srgbClr val="CE9178"/>
+                </a:solidFill>
+                <a:latin typeface="Consolas" panose="020B0609020204030204" pitchFamily="49" charset="0"/>
+              </a:rPr>
+              <a:t>Service</a:t>
+            </a:r>
+            <a:endParaRPr lang="en-US" dirty="0">
+              <a:solidFill>
+                <a:srgbClr val="D4D4D4"/>
+              </a:solidFill>
+              <a:latin typeface="Consolas" panose="020B0609020204030204" pitchFamily="49" charset="0"/>
+            </a:endParaRPr>
+          </a:p>
+          <a:p>
+            <a:r>
+              <a:rPr lang="en-US" dirty="0">
+                <a:solidFill>
+                  <a:srgbClr val="569CD6"/>
+                </a:solidFill>
+                <a:latin typeface="Consolas" panose="020B0609020204030204" pitchFamily="49" charset="0"/>
+              </a:rPr>
+              <a:t>metadata</a:t>
+            </a:r>
+            <a:r>
+              <a:rPr lang="en-US" dirty="0">
+                <a:solidFill>
+                  <a:srgbClr val="D4D4D4"/>
+                </a:solidFill>
+                <a:latin typeface="Consolas" panose="020B0609020204030204" pitchFamily="49" charset="0"/>
+              </a:rPr>
+              <a:t>:</a:t>
+            </a:r>
+          </a:p>
+          <a:p>
+            <a:r>
+              <a:rPr lang="en-US" dirty="0">
+                <a:solidFill>
+                  <a:srgbClr val="D4D4D4"/>
+                </a:solidFill>
+                <a:latin typeface="Consolas" panose="020B0609020204030204" pitchFamily="49" charset="0"/>
+              </a:rPr>
+              <a:t>  </a:t>
+            </a:r>
+            <a:r>
+              <a:rPr lang="en-US" dirty="0">
+                <a:solidFill>
+                  <a:srgbClr val="569CD6"/>
+                </a:solidFill>
+                <a:latin typeface="Consolas" panose="020B0609020204030204" pitchFamily="49" charset="0"/>
+              </a:rPr>
+              <a:t>name</a:t>
+            </a:r>
+            <a:r>
+              <a:rPr lang="en-US" dirty="0">
+                <a:solidFill>
+                  <a:srgbClr val="D4D4D4"/>
+                </a:solidFill>
+                <a:latin typeface="Consolas" panose="020B0609020204030204" pitchFamily="49" charset="0"/>
+              </a:rPr>
+              <a:t>: </a:t>
+            </a:r>
+            <a:r>
+              <a:rPr lang="en-US" dirty="0">
+                <a:solidFill>
+                  <a:srgbClr val="CE9178"/>
+                </a:solidFill>
+                <a:latin typeface="Consolas" panose="020B0609020204030204" pitchFamily="49" charset="0"/>
+              </a:rPr>
+              <a:t>name-gen-</a:t>
+            </a:r>
+            <a:r>
+              <a:rPr lang="en-US" dirty="0" err="1">
+                <a:solidFill>
+                  <a:srgbClr val="CE9178"/>
+                </a:solidFill>
+                <a:latin typeface="Consolas" panose="020B0609020204030204" pitchFamily="49" charset="0"/>
+              </a:rPr>
+              <a:t>api</a:t>
+            </a:r>
+            <a:endParaRPr lang="en-US" dirty="0">
+              <a:solidFill>
+                <a:srgbClr val="D4D4D4"/>
+              </a:solidFill>
+              <a:latin typeface="Consolas" panose="020B0609020204030204" pitchFamily="49" charset="0"/>
+            </a:endParaRPr>
+          </a:p>
+          <a:p>
+            <a:r>
+              <a:rPr lang="en-US" dirty="0">
+                <a:solidFill>
+                  <a:srgbClr val="D4D4D4"/>
+                </a:solidFill>
+                <a:latin typeface="Consolas" panose="020B0609020204030204" pitchFamily="49" charset="0"/>
+              </a:rPr>
+              <a:t>  </a:t>
+            </a:r>
+            <a:r>
+              <a:rPr lang="en-US" dirty="0">
+                <a:solidFill>
+                  <a:srgbClr val="569CD6"/>
+                </a:solidFill>
+                <a:latin typeface="Consolas" panose="020B0609020204030204" pitchFamily="49" charset="0"/>
+              </a:rPr>
+              <a:t>labels</a:t>
+            </a:r>
+            <a:r>
+              <a:rPr lang="en-US" dirty="0">
+                <a:solidFill>
+                  <a:srgbClr val="D4D4D4"/>
+                </a:solidFill>
+                <a:latin typeface="Consolas" panose="020B0609020204030204" pitchFamily="49" charset="0"/>
+              </a:rPr>
+              <a:t>:</a:t>
+            </a:r>
+          </a:p>
+          <a:p>
+            <a:r>
+              <a:rPr lang="en-US" dirty="0">
+                <a:solidFill>
+                  <a:srgbClr val="D4D4D4"/>
+                </a:solidFill>
+                <a:latin typeface="Consolas" panose="020B0609020204030204" pitchFamily="49" charset="0"/>
+              </a:rPr>
+              <a:t>    </a:t>
+            </a:r>
+            <a:r>
+              <a:rPr lang="en-US" dirty="0">
+                <a:solidFill>
+                  <a:srgbClr val="569CD6"/>
+                </a:solidFill>
+                <a:latin typeface="Consolas" panose="020B0609020204030204" pitchFamily="49" charset="0"/>
+              </a:rPr>
+              <a:t>app</a:t>
+            </a:r>
+            <a:r>
+              <a:rPr lang="en-US" dirty="0">
+                <a:solidFill>
+                  <a:srgbClr val="D4D4D4"/>
+                </a:solidFill>
+                <a:latin typeface="Consolas" panose="020B0609020204030204" pitchFamily="49" charset="0"/>
+              </a:rPr>
+              <a:t>: </a:t>
+            </a:r>
+            <a:r>
+              <a:rPr lang="en-US" dirty="0" smtClean="0">
+                <a:solidFill>
+                  <a:srgbClr val="CE9178"/>
+                </a:solidFill>
+                <a:latin typeface="Consolas" panose="020B0609020204030204" pitchFamily="49" charset="0"/>
+              </a:rPr>
+              <a:t>name-gen-</a:t>
+            </a:r>
+            <a:r>
+              <a:rPr lang="en-US" dirty="0" err="1" smtClean="0">
+                <a:solidFill>
+                  <a:srgbClr val="CE9178"/>
+                </a:solidFill>
+                <a:latin typeface="Consolas" panose="020B0609020204030204" pitchFamily="49" charset="0"/>
+              </a:rPr>
+              <a:t>api</a:t>
+            </a:r>
+            <a:endParaRPr lang="en-US" dirty="0" smtClean="0">
+              <a:solidFill>
+                <a:srgbClr val="D4D4D4"/>
+              </a:solidFill>
+              <a:latin typeface="Consolas" panose="020B0609020204030204" pitchFamily="49" charset="0"/>
+            </a:endParaRPr>
+          </a:p>
+          <a:p>
+            <a:r>
+              <a:rPr lang="en-US" dirty="0" smtClean="0">
+                <a:solidFill>
+                  <a:srgbClr val="569CD6"/>
+                </a:solidFill>
+                <a:latin typeface="Consolas" panose="020B0609020204030204" pitchFamily="49" charset="0"/>
+              </a:rPr>
+              <a:t>spec</a:t>
+            </a:r>
+            <a:r>
+              <a:rPr lang="en-US" dirty="0" smtClean="0">
+                <a:solidFill>
+                  <a:srgbClr val="D4D4D4"/>
+                </a:solidFill>
+                <a:latin typeface="Consolas" panose="020B0609020204030204" pitchFamily="49" charset="0"/>
+              </a:rPr>
+              <a:t>:</a:t>
+            </a:r>
+          </a:p>
+          <a:p>
+            <a:r>
+              <a:rPr lang="en-US" dirty="0">
+                <a:solidFill>
+                  <a:srgbClr val="D4D4D4"/>
+                </a:solidFill>
+                <a:latin typeface="Consolas" panose="020B0609020204030204" pitchFamily="49" charset="0"/>
+              </a:rPr>
+              <a:t>  </a:t>
+            </a:r>
+            <a:r>
+              <a:rPr lang="en-US" dirty="0">
+                <a:solidFill>
+                  <a:srgbClr val="569CD6"/>
+                </a:solidFill>
+                <a:latin typeface="Consolas" panose="020B0609020204030204" pitchFamily="49" charset="0"/>
+              </a:rPr>
+              <a:t>ports</a:t>
+            </a:r>
+            <a:r>
+              <a:rPr lang="en-US" dirty="0">
+                <a:solidFill>
+                  <a:srgbClr val="D4D4D4"/>
+                </a:solidFill>
+                <a:latin typeface="Consolas" panose="020B0609020204030204" pitchFamily="49" charset="0"/>
+              </a:rPr>
+              <a:t>:</a:t>
+            </a:r>
+          </a:p>
+          <a:p>
+            <a:r>
+              <a:rPr lang="en-US" dirty="0">
+                <a:solidFill>
+                  <a:srgbClr val="D4D4D4"/>
+                </a:solidFill>
+                <a:latin typeface="Consolas" panose="020B0609020204030204" pitchFamily="49" charset="0"/>
+              </a:rPr>
+              <a:t>  - </a:t>
+            </a:r>
+            <a:r>
+              <a:rPr lang="en-US" dirty="0">
+                <a:solidFill>
+                  <a:srgbClr val="569CD6"/>
+                </a:solidFill>
+                <a:latin typeface="Consolas" panose="020B0609020204030204" pitchFamily="49" charset="0"/>
+              </a:rPr>
+              <a:t>port</a:t>
+            </a:r>
+            <a:r>
+              <a:rPr lang="en-US" dirty="0">
+                <a:solidFill>
+                  <a:srgbClr val="D4D4D4"/>
+                </a:solidFill>
+                <a:latin typeface="Consolas" panose="020B0609020204030204" pitchFamily="49" charset="0"/>
+              </a:rPr>
+              <a:t>: </a:t>
+            </a:r>
+            <a:r>
+              <a:rPr lang="en-US" dirty="0">
+                <a:solidFill>
+                  <a:srgbClr val="B5CEA8"/>
+                </a:solidFill>
+                <a:latin typeface="Consolas" panose="020B0609020204030204" pitchFamily="49" charset="0"/>
+              </a:rPr>
+              <a:t>80</a:t>
+            </a:r>
+            <a:endParaRPr lang="en-US" dirty="0">
+              <a:solidFill>
+                <a:srgbClr val="D4D4D4"/>
+              </a:solidFill>
+              <a:latin typeface="Consolas" panose="020B0609020204030204" pitchFamily="49" charset="0"/>
+            </a:endParaRPr>
+          </a:p>
+          <a:p>
+            <a:r>
+              <a:rPr lang="en-US" dirty="0">
+                <a:solidFill>
+                  <a:srgbClr val="D4D4D4"/>
+                </a:solidFill>
+                <a:latin typeface="Consolas" panose="020B0609020204030204" pitchFamily="49" charset="0"/>
+              </a:rPr>
+              <a:t>    </a:t>
+            </a:r>
+            <a:r>
+              <a:rPr lang="en-US" dirty="0" err="1">
+                <a:solidFill>
+                  <a:srgbClr val="569CD6"/>
+                </a:solidFill>
+                <a:latin typeface="Consolas" panose="020B0609020204030204" pitchFamily="49" charset="0"/>
+              </a:rPr>
+              <a:t>targetPort</a:t>
+            </a:r>
+            <a:r>
+              <a:rPr lang="en-US" dirty="0">
+                <a:solidFill>
+                  <a:srgbClr val="D4D4D4"/>
+                </a:solidFill>
+                <a:latin typeface="Consolas" panose="020B0609020204030204" pitchFamily="49" charset="0"/>
+              </a:rPr>
+              <a:t>: </a:t>
+            </a:r>
+            <a:r>
+              <a:rPr lang="en-US" dirty="0">
+                <a:solidFill>
+                  <a:srgbClr val="B5CEA8"/>
+                </a:solidFill>
+                <a:latin typeface="Consolas" panose="020B0609020204030204" pitchFamily="49" charset="0"/>
+              </a:rPr>
+              <a:t>80</a:t>
+            </a:r>
+            <a:endParaRPr lang="en-US" dirty="0">
+              <a:solidFill>
+                <a:srgbClr val="D4D4D4"/>
+              </a:solidFill>
+              <a:latin typeface="Consolas" panose="020B0609020204030204" pitchFamily="49" charset="0"/>
+            </a:endParaRPr>
+          </a:p>
+          <a:p>
+            <a:r>
+              <a:rPr lang="en-US" dirty="0">
+                <a:solidFill>
+                  <a:srgbClr val="D4D4D4"/>
+                </a:solidFill>
+                <a:latin typeface="Consolas" panose="020B0609020204030204" pitchFamily="49" charset="0"/>
+              </a:rPr>
+              <a:t>  </a:t>
+            </a:r>
+            <a:r>
+              <a:rPr lang="en-US" dirty="0">
+                <a:solidFill>
+                  <a:srgbClr val="569CD6"/>
+                </a:solidFill>
+                <a:latin typeface="Consolas" panose="020B0609020204030204" pitchFamily="49" charset="0"/>
+              </a:rPr>
+              <a:t>selector</a:t>
+            </a:r>
+            <a:r>
+              <a:rPr lang="en-US" dirty="0">
+                <a:solidFill>
+                  <a:srgbClr val="D4D4D4"/>
+                </a:solidFill>
+                <a:latin typeface="Consolas" panose="020B0609020204030204" pitchFamily="49" charset="0"/>
+              </a:rPr>
+              <a:t>:</a:t>
+            </a:r>
+          </a:p>
+          <a:p>
+            <a:r>
+              <a:rPr lang="en-US" dirty="0">
+                <a:solidFill>
+                  <a:srgbClr val="D4D4D4"/>
+                </a:solidFill>
+                <a:latin typeface="Consolas" panose="020B0609020204030204" pitchFamily="49" charset="0"/>
+              </a:rPr>
+              <a:t>    </a:t>
+            </a:r>
+            <a:r>
+              <a:rPr lang="en-US" dirty="0">
+                <a:solidFill>
+                  <a:srgbClr val="569CD6"/>
+                </a:solidFill>
+                <a:latin typeface="Consolas" panose="020B0609020204030204" pitchFamily="49" charset="0"/>
+              </a:rPr>
+              <a:t>app</a:t>
+            </a:r>
+            <a:r>
+              <a:rPr lang="en-US" dirty="0">
+                <a:solidFill>
+                  <a:srgbClr val="D4D4D4"/>
+                </a:solidFill>
+                <a:latin typeface="Consolas" panose="020B0609020204030204" pitchFamily="49" charset="0"/>
+              </a:rPr>
+              <a:t>: </a:t>
+            </a:r>
+            <a:r>
+              <a:rPr lang="en-US" dirty="0" smtClean="0">
+                <a:solidFill>
+                  <a:srgbClr val="CE9178"/>
+                </a:solidFill>
+                <a:latin typeface="Consolas" panose="020B0609020204030204" pitchFamily="49" charset="0"/>
+              </a:rPr>
+              <a:t>name-gen-</a:t>
+            </a:r>
+            <a:r>
+              <a:rPr lang="en-US" dirty="0" err="1" smtClean="0">
+                <a:solidFill>
+                  <a:srgbClr val="CE9178"/>
+                </a:solidFill>
+                <a:latin typeface="Consolas" panose="020B0609020204030204" pitchFamily="49" charset="0"/>
+              </a:rPr>
+              <a:t>api</a:t>
+            </a:r>
+            <a:endParaRPr lang="en-US" b="0" dirty="0">
+              <a:solidFill>
+                <a:srgbClr val="D4D4D4"/>
+              </a:solidFill>
+              <a:effectLst/>
+              <a:latin typeface="Consolas" panose="020B0609020204030204" pitchFamily="49" charset="0"/>
+            </a:endParaRPr>
+          </a:p>
+        </p:txBody>
+      </p:sp>
+      <p:sp>
+        <p:nvSpPr>
+          <p:cNvPr id="3" name="Rectangle 1"/>
+          <p:cNvSpPr>
+            <a:spLocks noChangeArrowheads="1"/>
+          </p:cNvSpPr>
+          <p:nvPr/>
+        </p:nvSpPr>
+        <p:spPr bwMode="auto">
+          <a:xfrm>
+            <a:off x="906268" y="6139873"/>
+            <a:ext cx="6512841" cy="646331"/>
+          </a:xfrm>
+          <a:prstGeom prst="rect">
+            <a:avLst/>
+          </a:prstGeom>
+          <a:solidFill>
+            <a:schemeClr val="tx1"/>
+          </a:solidFill>
+        </p:spPr>
+        <p:txBody>
+          <a:bodyPr wrap="square">
+            <a:spAutoFit/>
+          </a:bodyPr>
+          <a:lstStyle/>
+          <a:p>
+            <a:r>
+              <a:rPr lang="en-US" altLang="en-US" dirty="0">
+                <a:solidFill>
+                  <a:schemeClr val="bg1"/>
+                </a:solidFill>
+              </a:rPr>
+              <a:t># Change redis-master-765d459796-258hz to the name of the </a:t>
+            </a:r>
+            <a:r>
+              <a:rPr lang="en-US" altLang="en-US" dirty="0" smtClean="0">
+                <a:solidFill>
+                  <a:schemeClr val="bg1"/>
+                </a:solidFill>
+              </a:rPr>
+              <a:t>Pod</a:t>
+            </a:r>
+          </a:p>
+          <a:p>
+            <a:r>
+              <a:rPr lang="en-US" altLang="en-US" dirty="0" err="1" smtClean="0">
+                <a:solidFill>
+                  <a:schemeClr val="bg1"/>
+                </a:solidFill>
+              </a:rPr>
+              <a:t>kubectl</a:t>
+            </a:r>
+            <a:r>
+              <a:rPr lang="en-US" altLang="en-US" dirty="0" smtClean="0">
+                <a:solidFill>
+                  <a:schemeClr val="bg1"/>
+                </a:solidFill>
+              </a:rPr>
+              <a:t> </a:t>
+            </a:r>
+            <a:r>
+              <a:rPr lang="en-US" altLang="en-US" dirty="0">
+                <a:solidFill>
+                  <a:schemeClr val="bg1"/>
+                </a:solidFill>
+              </a:rPr>
+              <a:t>port-forward name-gen-api-d5f885787-8d5h6 8080:80 </a:t>
+            </a:r>
+          </a:p>
+        </p:txBody>
+      </p:sp>
+      <p:sp>
+        <p:nvSpPr>
+          <p:cNvPr id="4" name="Rectangle 3"/>
+          <p:cNvSpPr/>
+          <p:nvPr/>
+        </p:nvSpPr>
+        <p:spPr>
+          <a:xfrm>
+            <a:off x="487691" y="918255"/>
+            <a:ext cx="5120619" cy="1477328"/>
+          </a:xfrm>
+          <a:prstGeom prst="rect">
+            <a:avLst/>
+          </a:prstGeom>
+          <a:solidFill>
+            <a:schemeClr val="tx1"/>
+          </a:solidFill>
+        </p:spPr>
+        <p:txBody>
+          <a:bodyPr wrap="square">
+            <a:spAutoFit/>
+          </a:bodyPr>
+          <a:lstStyle/>
+          <a:p>
+            <a:r>
+              <a:rPr lang="en-US" dirty="0" smtClean="0">
+                <a:solidFill>
+                  <a:schemeClr val="accent6">
+                    <a:lumMod val="60000"/>
+                    <a:lumOff val="40000"/>
+                  </a:schemeClr>
+                </a:solidFill>
+              </a:rPr>
+              <a:t># </a:t>
+            </a:r>
+            <a:r>
+              <a:rPr lang="en-US" dirty="0">
+                <a:solidFill>
+                  <a:schemeClr val="accent6">
+                    <a:lumMod val="60000"/>
+                    <a:lumOff val="40000"/>
+                  </a:schemeClr>
+                </a:solidFill>
+              </a:rPr>
+              <a:t>Create something </a:t>
+            </a:r>
+            <a:r>
+              <a:rPr lang="en-US" dirty="0" smtClean="0">
+                <a:solidFill>
+                  <a:schemeClr val="accent6">
+                    <a:lumMod val="60000"/>
+                    <a:lumOff val="40000"/>
+                  </a:schemeClr>
+                </a:solidFill>
+              </a:rPr>
+              <a:t>new, expect errors when existing</a:t>
+            </a:r>
+          </a:p>
+          <a:p>
+            <a:r>
+              <a:rPr lang="en-US" dirty="0" err="1" smtClean="0">
+                <a:solidFill>
+                  <a:schemeClr val="bg1"/>
+                </a:solidFill>
+              </a:rPr>
+              <a:t>kubectl</a:t>
+            </a:r>
+            <a:r>
+              <a:rPr lang="en-US" dirty="0" smtClean="0">
+                <a:solidFill>
+                  <a:schemeClr val="bg1"/>
+                </a:solidFill>
+              </a:rPr>
+              <a:t> </a:t>
+            </a:r>
+            <a:r>
+              <a:rPr lang="en-US" dirty="0">
+                <a:solidFill>
+                  <a:schemeClr val="bg1"/>
+                </a:solidFill>
+              </a:rPr>
+              <a:t>create –f .\</a:t>
+            </a:r>
+            <a:r>
+              <a:rPr lang="en-US" dirty="0" err="1">
+                <a:solidFill>
+                  <a:schemeClr val="bg1"/>
+                </a:solidFill>
+              </a:rPr>
+              <a:t>api.service.yml</a:t>
+            </a:r>
+            <a:r>
+              <a:rPr lang="en-US" dirty="0">
+                <a:solidFill>
+                  <a:schemeClr val="bg1"/>
+                </a:solidFill>
+              </a:rPr>
+              <a:t> --save-</a:t>
+            </a:r>
+            <a:r>
+              <a:rPr lang="en-US" dirty="0" err="1">
+                <a:solidFill>
+                  <a:schemeClr val="bg1"/>
+                </a:solidFill>
+              </a:rPr>
+              <a:t>config</a:t>
+            </a:r>
+            <a:endParaRPr lang="en-US" dirty="0">
+              <a:solidFill>
+                <a:schemeClr val="bg1"/>
+              </a:solidFill>
+            </a:endParaRPr>
+          </a:p>
+          <a:p>
+            <a:r>
+              <a:rPr lang="en-US" dirty="0">
+                <a:solidFill>
+                  <a:schemeClr val="bg1"/>
+                </a:solidFill>
+              </a:rPr>
+              <a:t>Or </a:t>
+            </a:r>
+            <a:endParaRPr lang="en-US" dirty="0" smtClean="0">
+              <a:solidFill>
+                <a:schemeClr val="bg1"/>
+              </a:solidFill>
+            </a:endParaRPr>
+          </a:p>
+          <a:p>
+            <a:r>
+              <a:rPr lang="en-US" dirty="0">
+                <a:solidFill>
+                  <a:schemeClr val="accent6">
+                    <a:lumMod val="60000"/>
+                    <a:lumOff val="40000"/>
+                  </a:schemeClr>
+                </a:solidFill>
+              </a:rPr>
+              <a:t># </a:t>
+            </a:r>
+            <a:r>
+              <a:rPr lang="en-US" dirty="0">
+                <a:solidFill>
+                  <a:schemeClr val="accent6">
+                    <a:lumMod val="60000"/>
+                    <a:lumOff val="40000"/>
+                  </a:schemeClr>
+                </a:solidFill>
+              </a:rPr>
+              <a:t>Create if not exist, otherwise update </a:t>
+            </a:r>
+            <a:r>
+              <a:rPr lang="en-US" dirty="0" smtClean="0">
+                <a:solidFill>
+                  <a:schemeClr val="accent6">
+                    <a:lumMod val="60000"/>
+                    <a:lumOff val="40000"/>
+                  </a:schemeClr>
+                </a:solidFill>
+              </a:rPr>
+              <a:t>existing</a:t>
+            </a:r>
+            <a:endParaRPr lang="en-US" dirty="0">
+              <a:solidFill>
+                <a:schemeClr val="accent6">
+                  <a:lumMod val="60000"/>
+                  <a:lumOff val="40000"/>
+                </a:schemeClr>
+              </a:solidFill>
+            </a:endParaRPr>
+          </a:p>
+          <a:p>
+            <a:r>
+              <a:rPr lang="en-US" dirty="0" err="1" smtClean="0">
+                <a:solidFill>
+                  <a:schemeClr val="bg1"/>
+                </a:solidFill>
+              </a:rPr>
+              <a:t>kubectl</a:t>
+            </a:r>
+            <a:r>
+              <a:rPr lang="en-US" dirty="0" smtClean="0">
+                <a:solidFill>
+                  <a:schemeClr val="bg1"/>
+                </a:solidFill>
+              </a:rPr>
+              <a:t> </a:t>
+            </a:r>
+            <a:r>
+              <a:rPr lang="en-US" dirty="0">
+                <a:solidFill>
+                  <a:schemeClr val="bg1"/>
+                </a:solidFill>
+              </a:rPr>
+              <a:t>apply </a:t>
+            </a:r>
+            <a:r>
+              <a:rPr lang="en-US" dirty="0">
+                <a:solidFill>
+                  <a:schemeClr val="bg1"/>
+                </a:solidFill>
+              </a:rPr>
+              <a:t>–f .\</a:t>
+            </a:r>
+            <a:r>
+              <a:rPr lang="en-US" dirty="0" err="1">
+                <a:solidFill>
+                  <a:schemeClr val="bg1"/>
+                </a:solidFill>
+              </a:rPr>
+              <a:t>api.service.yml</a:t>
+            </a:r>
+            <a:endParaRPr lang="en-US" dirty="0">
+              <a:solidFill>
+                <a:schemeClr val="bg1"/>
+              </a:solidFill>
+            </a:endParaRPr>
+          </a:p>
+        </p:txBody>
+      </p:sp>
+    </p:spTree>
+    <p:extLst>
+      <p:ext uri="{BB962C8B-B14F-4D97-AF65-F5344CB8AC3E}">
+        <p14:creationId xmlns:p14="http://schemas.microsoft.com/office/powerpoint/2010/main" val="1870335621"/>
       </p:ext>
     </p:extLst>
   </p:cSld>
@@ -4768,7 +8576,7 @@
           <p:nvPr/>
         </p:nvPicPr>
         <p:blipFill>
-          <a:blip r:embed="rId2"/>
+          <a:blip r:embed="rId3"/>
           <a:stretch>
             <a:fillRect/>
           </a:stretch>
@@ -4832,6 +8640,50 @@
               <a:rPr lang="en-US" dirty="0" smtClean="0"/>
               <a:t>CI Server (TeamCity, Jenkins works the same)</a:t>
             </a:r>
+          </a:p>
+        </p:txBody>
+      </p:sp>
+      <p:sp>
+        <p:nvSpPr>
+          <p:cNvPr id="5" name="Rectangle 4"/>
+          <p:cNvSpPr/>
+          <p:nvPr/>
+        </p:nvSpPr>
+        <p:spPr>
+          <a:xfrm>
+            <a:off x="7652" y="6466544"/>
+            <a:ext cx="12184348" cy="407804"/>
+          </a:xfrm>
+          <a:prstGeom prst="rect">
+            <a:avLst/>
+          </a:prstGeom>
+        </p:spPr>
+        <p:txBody>
+          <a:bodyPr wrap="square">
+            <a:spAutoFit/>
+          </a:bodyPr>
+          <a:lstStyle/>
+          <a:p>
+            <a:r>
+              <a:rPr lang="en-US" sz="1050" b="1" dirty="0"/>
+              <a:t>Image Sources: </a:t>
+            </a:r>
+            <a:r>
+              <a:rPr lang="en-US" sz="1000" dirty="0">
+                <a:hlinkClick r:id="rId4"/>
+              </a:rPr>
+              <a:t>https://app.pluralsight.com/library/courses/deployment-pipeline-aspdotnet-core-docker/table-of-contents</a:t>
+            </a:r>
+            <a:endParaRPr lang="en-US" sz="1000" dirty="0"/>
+          </a:p>
+          <a:p>
+            <a:r>
+              <a:rPr lang="en-US" sz="1000" dirty="0">
+                <a:hlinkClick r:id="rId5"/>
+              </a:rPr>
+              <a:t>https://github.com/dotnet-architecture/eShopModernizing/wiki/04.-How-to-deploy-your-Windows-Containers-based-apps-into-Kubernetes-in-Azure-Container-Service-(Including-CI-CD)</a:t>
+            </a:r>
+            <a:endParaRPr lang="en-US" sz="1000" dirty="0"/>
           </a:p>
         </p:txBody>
       </p:sp>
@@ -4874,14 +8726,16 @@
       </p:grpSpPr>
       <p:pic>
         <p:nvPicPr>
-          <p:cNvPr id="4" name="Picture 3"/>
+          <p:cNvPr id="4" name="Picture 3">
+            <a:hlinkClick r:id="rId3"/>
+          </p:cNvPr>
           <p:cNvPicPr>
             <a:picLocks noChangeAspect="1"/>
           </p:cNvPicPr>
           <p:nvPr/>
         </p:nvPicPr>
         <p:blipFill>
-          <a:blip r:embed="rId3"/>
+          <a:blip r:embed="rId4"/>
           <a:stretch>
             <a:fillRect/>
           </a:stretch>
@@ -4904,8 +8758,8 @@
         </p:nvSpPr>
         <p:spPr>
           <a:xfrm>
-            <a:off x="1059626" y="845105"/>
-            <a:ext cx="1975926" cy="800219"/>
+            <a:off x="415058" y="-26556"/>
+            <a:ext cx="11776942" cy="400110"/>
           </a:xfrm>
           <a:prstGeom prst="rect">
             <a:avLst/>
@@ -4918,18 +8772,14 @@
           <a:lstStyle/>
           <a:p>
             <a:r>
-              <a:rPr lang="en-US" sz="2800" b="1" dirty="0" smtClean="0"/>
-              <a:t>The APP</a:t>
-            </a:r>
-          </a:p>
-          <a:p>
-            <a:r>
-              <a:rPr lang="en-US" dirty="0" smtClean="0"/>
-              <a:t>.NET CORE </a:t>
-            </a:r>
-            <a:r>
-              <a:rPr lang="en-US" dirty="0" err="1" smtClean="0"/>
-              <a:t>WebAPI</a:t>
+              <a:rPr lang="en-US" sz="2000" b="1" dirty="0" smtClean="0"/>
+              <a:t>Image Source: </a:t>
+            </a:r>
+            <a:r>
+              <a:rPr lang="en-US" dirty="0">
+                <a:hlinkClick r:id="rId3"/>
+              </a:rPr>
+              <a:t>https://app.pluralsight.com/library/courses/deployment-pipeline-aspdotnet-core-docker/table-of-contents</a:t>
             </a:r>
             <a:endParaRPr lang="en-US" dirty="0"/>
           </a:p>
@@ -5268,7 +9118,7 @@
           <a:p>
             <a:r>
               <a:rPr lang="en-US" dirty="0">
-                <a:hlinkClick r:id="rId4"/>
+                <a:hlinkClick r:id="rId5"/>
               </a:rPr>
               <a:t>http://localhost:8025/api/v2/messages</a:t>
             </a:r>
@@ -5299,11 +9149,55 @@
           <a:p>
             <a:r>
               <a:rPr lang="en-US" dirty="0">
-                <a:hlinkClick r:id="rId5"/>
+                <a:hlinkClick r:id="rId6"/>
               </a:rPr>
               <a:t>http://localhost:8080/swagger/</a:t>
             </a:r>
             <a:endParaRPr lang="en-US" dirty="0"/>
+          </a:p>
+        </p:txBody>
+      </p:sp>
+      <p:sp>
+        <p:nvSpPr>
+          <p:cNvPr id="15" name="Rectangle 14"/>
+          <p:cNvSpPr/>
+          <p:nvPr/>
+        </p:nvSpPr>
+        <p:spPr>
+          <a:xfrm>
+            <a:off x="7652" y="6466544"/>
+            <a:ext cx="12184348" cy="407804"/>
+          </a:xfrm>
+          <a:prstGeom prst="rect">
+            <a:avLst/>
+          </a:prstGeom>
+        </p:spPr>
+        <p:txBody>
+          <a:bodyPr wrap="square">
+            <a:spAutoFit/>
+          </a:bodyPr>
+          <a:lstStyle/>
+          <a:p>
+            <a:r>
+              <a:rPr lang="en-US" sz="1050" b="1" dirty="0"/>
+              <a:t>Image Sources: </a:t>
+            </a:r>
+            <a:r>
+              <a:rPr lang="en-US" sz="1000" dirty="0">
+                <a:hlinkClick r:id="rId3"/>
+              </a:rPr>
+              <a:t>https://app.pluralsight.com/library/courses/deployment-pipeline-aspdotnet-core-docker/table-of-contents</a:t>
+            </a:r>
+            <a:endParaRPr lang="en-US" sz="1000" dirty="0"/>
+          </a:p>
+          <a:p>
+            <a:r>
+              <a:rPr lang="en-US" sz="1000" dirty="0">
+                <a:hlinkClick r:id="rId7"/>
+              </a:rPr>
+              <a:t>https://github.com/dotnet-architecture/eShopModernizing/wiki/04.-How-to-deploy-your-Windows-Containers-based-apps-into-Kubernetes-in-Azure-Container-Service-(Including-CI-CD)</a:t>
+            </a:r>
+            <a:endParaRPr lang="en-US" sz="1000" dirty="0"/>
           </a:p>
         </p:txBody>
       </p:sp>
@@ -5500,7 +9394,6 @@
               <a:rPr lang="en-US" b="1" dirty="0" smtClean="0"/>
               <a:t>)</a:t>
             </a:r>
-            <a:endParaRPr lang="en-US" b="1" dirty="0" smtClean="0"/>
           </a:p>
         </p:txBody>
       </p:sp>
@@ -7150,13 +11043,8 @@
           <a:p>
             <a:r>
               <a:rPr lang="en-US" sz="2800" b="1" dirty="0" smtClean="0"/>
-              <a:t>CI Server </a:t>
-            </a:r>
-            <a:r>
-              <a:rPr lang="en-US" sz="2800" b="1" dirty="0" smtClean="0"/>
-              <a:t>– Attach build with Repository</a:t>
-            </a:r>
-            <a:endParaRPr lang="en-US" sz="2800" b="1" dirty="0" smtClean="0"/>
+              <a:t>CI Server – Attach build with Repository</a:t>
+            </a:r>
           </a:p>
         </p:txBody>
       </p:sp>
@@ -7496,13 +11384,8 @@
           <a:p>
             <a:r>
               <a:rPr lang="en-US" sz="2800" b="1" dirty="0" smtClean="0"/>
-              <a:t>Integration </a:t>
-            </a:r>
-            <a:r>
-              <a:rPr lang="en-US" sz="2800" b="1" dirty="0" smtClean="0"/>
-              <a:t>Testing</a:t>
-            </a:r>
-            <a:endParaRPr lang="en-US" sz="2800" b="1" dirty="0" smtClean="0"/>
+              <a:t>Integration Testing</a:t>
+            </a:r>
           </a:p>
         </p:txBody>
       </p:sp>
@@ -9117,11 +13000,6 @@
               </a:rPr>
               <a:t>up –d</a:t>
             </a:r>
-            <a:endParaRPr lang="en-US" dirty="0">
-              <a:solidFill>
-                <a:schemeClr val="bg1"/>
-              </a:solidFill>
-            </a:endParaRPr>
           </a:p>
         </p:txBody>
       </p:sp>
@@ -9335,21 +13213,8 @@
                   <a:srgbClr val="00B050"/>
                 </a:solidFill>
               </a:rPr>
-              <a:t>Build Multi-stage </a:t>
-            </a:r>
-            <a:r>
-              <a:rPr lang="en-US" b="1" dirty="0" smtClean="0">
-                <a:solidFill>
-                  <a:srgbClr val="00B050"/>
-                </a:solidFill>
-              </a:rPr>
-              <a:t>Image</a:t>
-            </a:r>
-            <a:endParaRPr lang="en-US" b="1" dirty="0" smtClean="0">
-              <a:solidFill>
-                <a:srgbClr val="00B050"/>
-              </a:solidFill>
-            </a:endParaRPr>
+              <a:t>Build Multi-stage Image</a:t>
+            </a:r>
           </a:p>
           <a:p>
             <a:pPr algn="r"/>
@@ -9429,13 +13294,8 @@
           <a:p>
             <a:r>
               <a:rPr lang="en-US" sz="2800" b="1" dirty="0" smtClean="0"/>
-              <a:t>CI Server </a:t>
-            </a:r>
-            <a:r>
-              <a:rPr lang="en-US" sz="2800" b="1" dirty="0" smtClean="0"/>
-              <a:t>– Add Integration stage</a:t>
-            </a:r>
-            <a:endParaRPr lang="en-US" sz="2800" b="1" dirty="0" smtClean="0"/>
+              <a:t>CI Server – Add Integration stage</a:t>
+            </a:r>
           </a:p>
         </p:txBody>
       </p:sp>
@@ -9489,20 +13349,519 @@
           <a:p>
             <a:r>
               <a:rPr lang="en-US" sz="2400" b="1" dirty="0" smtClean="0"/>
-              <a:t>Build </a:t>
-            </a:r>
+              <a:t>Build &amp; Test code, Tag &amp; Push Image to Registry</a:t>
+            </a:r>
+            <a:endParaRPr lang="en-US" sz="2800" b="1" dirty="0" smtClean="0"/>
+          </a:p>
+        </p:txBody>
+      </p:sp>
+      <p:sp>
+        <p:nvSpPr>
+          <p:cNvPr id="5" name="Rectangle 4"/>
+          <p:cNvSpPr/>
+          <p:nvPr/>
+        </p:nvSpPr>
+        <p:spPr>
+          <a:xfrm>
+            <a:off x="3165719" y="3495344"/>
+            <a:ext cx="6422592" cy="461665"/>
+          </a:xfrm>
+          <a:prstGeom prst="rect">
+            <a:avLst/>
+          </a:prstGeom>
+          <a:solidFill>
+            <a:schemeClr val="accent2"/>
+          </a:solidFill>
+        </p:spPr>
+        <p:txBody>
+          <a:bodyPr wrap="none">
+            <a:spAutoFit/>
+          </a:bodyPr>
+          <a:lstStyle/>
+          <a:p>
             <a:r>
               <a:rPr lang="en-US" sz="2400" b="1" dirty="0" smtClean="0"/>
-              <a:t>&amp; Test code, Tag &amp; Push Image to Registry</a:t>
+              <a:t>Pull Tag, Run code</a:t>
+            </a:r>
+            <a:r>
+              <a:rPr lang="en-US" sz="2400" b="1" dirty="0" smtClean="0"/>
+              <a:t>, </a:t>
+            </a:r>
+            <a:r>
+              <a:rPr lang="en-US" sz="2400" b="1" dirty="0" smtClean="0"/>
+              <a:t>Run tests against running app</a:t>
             </a:r>
             <a:endParaRPr lang="en-US" sz="2800" b="1" dirty="0" smtClean="0"/>
           </a:p>
         </p:txBody>
       </p:sp>
+      <p:cxnSp>
+        <p:nvCxnSpPr>
+          <p:cNvPr id="7" name="Straight Connector 6"/>
+          <p:cNvCxnSpPr>
+            <a:stCxn id="5" idx="1"/>
+          </p:cNvCxnSpPr>
+          <p:nvPr/>
+        </p:nvCxnSpPr>
+        <p:spPr>
+          <a:xfrm flipH="1" flipV="1">
+            <a:off x="1848255" y="3151762"/>
+            <a:ext cx="1317464" cy="574415"/>
+          </a:xfrm>
+          <a:prstGeom prst="line">
+            <a:avLst/>
+          </a:prstGeom>
+          <a:ln w="63500">
+            <a:headEnd type="none"/>
+            <a:tailEnd type="triangle"/>
+          </a:ln>
+        </p:spPr>
+        <p:style>
+          <a:lnRef idx="1">
+            <a:schemeClr val="accent1"/>
+          </a:lnRef>
+          <a:fillRef idx="0">
+            <a:schemeClr val="accent1"/>
+          </a:fillRef>
+          <a:effectRef idx="0">
+            <a:schemeClr val="accent1"/>
+          </a:effectRef>
+          <a:fontRef idx="minor">
+            <a:schemeClr val="tx1"/>
+          </a:fontRef>
+        </p:style>
+      </p:cxnSp>
+      <p:cxnSp>
+        <p:nvCxnSpPr>
+          <p:cNvPr id="9" name="Straight Connector 8"/>
+          <p:cNvCxnSpPr/>
+          <p:nvPr/>
+        </p:nvCxnSpPr>
+        <p:spPr>
+          <a:xfrm flipH="1">
+            <a:off x="1108953" y="2042809"/>
+            <a:ext cx="3947175" cy="243513"/>
+          </a:xfrm>
+          <a:prstGeom prst="line">
+            <a:avLst/>
+          </a:prstGeom>
+          <a:ln w="63500">
+            <a:headEnd type="none"/>
+            <a:tailEnd type="triangle"/>
+          </a:ln>
+        </p:spPr>
+        <p:style>
+          <a:lnRef idx="1">
+            <a:schemeClr val="accent1"/>
+          </a:lnRef>
+          <a:fillRef idx="0">
+            <a:schemeClr val="accent1"/>
+          </a:fillRef>
+          <a:effectRef idx="0">
+            <a:schemeClr val="accent1"/>
+          </a:effectRef>
+          <a:fontRef idx="minor">
+            <a:schemeClr val="tx1"/>
+          </a:fontRef>
+        </p:style>
+      </p:cxnSp>
     </p:spTree>
     <p:extLst>
       <p:ext uri="{BB962C8B-B14F-4D97-AF65-F5344CB8AC3E}">
         <p14:creationId xmlns:p14="http://schemas.microsoft.com/office/powerpoint/2010/main" val="3325914770"/>
+      </p:ext>
+    </p:extLst>
+  </p:cSld>
+  <p:clrMapOvr>
+    <a:masterClrMapping/>
+  </p:clrMapOvr>
+  <p:timing>
+    <p:tnLst>
+      <p:par>
+        <p:cTn id="1" dur="indefinite" restart="never" nodeType="tmRoot"/>
+      </p:par>
+    </p:tnLst>
+  </p:timing>
+</p:sld>
+</file>
+
+<file path=ppt/slides/slide9.xml><?xml version="1.0" encoding="utf-8"?>
+<p:sld xmlns:a="http://schemas.openxmlformats.org/drawingml/2006/main" xmlns:r="http://schemas.openxmlformats.org/officeDocument/2006/relationships" xmlns:p="http://schemas.openxmlformats.org/presentationml/2006/main">
+  <p:cSld>
+    <p:spTree>
+      <p:nvGrpSpPr>
+        <p:cNvPr id="1" name=""/>
+        <p:cNvGrpSpPr/>
+        <p:nvPr/>
+      </p:nvGrpSpPr>
+      <p:grpSpPr>
+        <a:xfrm>
+          <a:off x="0" y="0"/>
+          <a:ext cx="0" cy="0"/>
+          <a:chOff x="0" y="0"/>
+          <a:chExt cx="0" cy="0"/>
+        </a:xfrm>
+      </p:grpSpPr>
+      <p:sp>
+        <p:nvSpPr>
+          <p:cNvPr id="4" name="Rectangle 3"/>
+          <p:cNvSpPr/>
+          <p:nvPr/>
+        </p:nvSpPr>
+        <p:spPr>
+          <a:xfrm>
+            <a:off x="0" y="0"/>
+            <a:ext cx="9471695" cy="523220"/>
+          </a:xfrm>
+          <a:prstGeom prst="rect">
+            <a:avLst/>
+          </a:prstGeom>
+        </p:spPr>
+        <p:txBody>
+          <a:bodyPr wrap="none">
+            <a:spAutoFit/>
+          </a:bodyPr>
+          <a:lstStyle/>
+          <a:p>
+            <a:r>
+              <a:rPr lang="en-US" sz="2800" b="1" dirty="0" smtClean="0"/>
+              <a:t>Deploy, </a:t>
+            </a:r>
+            <a:r>
+              <a:rPr lang="en-US" sz="2800" b="1" dirty="0" smtClean="0">
+                <a:solidFill>
+                  <a:schemeClr val="accent1"/>
+                </a:solidFill>
+              </a:rPr>
+              <a:t>On Demand Testing</a:t>
+            </a:r>
+            <a:r>
+              <a:rPr lang="en-US" sz="2800" b="1" dirty="0" smtClean="0"/>
+              <a:t>, Production Deployment - Options</a:t>
+            </a:r>
+            <a:endParaRPr lang="en-US" sz="2800" b="1" dirty="0" smtClean="0"/>
+          </a:p>
+        </p:txBody>
+      </p:sp>
+      <p:pic>
+        <p:nvPicPr>
+          <p:cNvPr id="5" name="Picture 4">
+            <a:hlinkClick r:id="rId3"/>
+          </p:cNvPr>
+          <p:cNvPicPr>
+            <a:picLocks noChangeAspect="1"/>
+          </p:cNvPicPr>
+          <p:nvPr/>
+        </p:nvPicPr>
+        <p:blipFill>
+          <a:blip r:embed="rId4"/>
+          <a:stretch>
+            <a:fillRect/>
+          </a:stretch>
+        </p:blipFill>
+        <p:spPr>
+          <a:xfrm>
+            <a:off x="1392570" y="2219615"/>
+            <a:ext cx="1447423" cy="2993881"/>
+          </a:xfrm>
+          <a:prstGeom prst="rect">
+            <a:avLst/>
+          </a:prstGeom>
+        </p:spPr>
+      </p:pic>
+      <p:pic>
+        <p:nvPicPr>
+          <p:cNvPr id="6" name="Picture 5">
+            <a:hlinkClick r:id="rId3"/>
+          </p:cNvPr>
+          <p:cNvPicPr>
+            <a:picLocks noChangeAspect="1"/>
+          </p:cNvPicPr>
+          <p:nvPr/>
+        </p:nvPicPr>
+        <p:blipFill>
+          <a:blip r:embed="rId5"/>
+          <a:stretch>
+            <a:fillRect/>
+          </a:stretch>
+        </p:blipFill>
+        <p:spPr>
+          <a:xfrm>
+            <a:off x="7227311" y="1287173"/>
+            <a:ext cx="3782239" cy="2429383"/>
+          </a:xfrm>
+          <a:prstGeom prst="rect">
+            <a:avLst/>
+          </a:prstGeom>
+        </p:spPr>
+      </p:pic>
+      <p:sp>
+        <p:nvSpPr>
+          <p:cNvPr id="7" name="Rectangle 6"/>
+          <p:cNvSpPr/>
+          <p:nvPr/>
+        </p:nvSpPr>
+        <p:spPr>
+          <a:xfrm>
+            <a:off x="7446974" y="674364"/>
+            <a:ext cx="2024721" cy="461665"/>
+          </a:xfrm>
+          <a:prstGeom prst="rect">
+            <a:avLst/>
+          </a:prstGeom>
+          <a:solidFill>
+            <a:schemeClr val="accent2"/>
+          </a:solidFill>
+        </p:spPr>
+        <p:txBody>
+          <a:bodyPr wrap="none">
+            <a:spAutoFit/>
+          </a:bodyPr>
+          <a:lstStyle/>
+          <a:p>
+            <a:r>
+              <a:rPr lang="en-US" sz="2400" b="1" dirty="0" smtClean="0"/>
+              <a:t>Docker Swarm</a:t>
+            </a:r>
+            <a:endParaRPr lang="en-US" sz="2800" b="1" dirty="0" smtClean="0"/>
+          </a:p>
+        </p:txBody>
+      </p:sp>
+      <p:pic>
+        <p:nvPicPr>
+          <p:cNvPr id="1026" name="Picture 2" descr="image">
+            <a:hlinkClick r:id="rId6"/>
+          </p:cNvPr>
+          <p:cNvPicPr>
+            <a:picLocks noChangeAspect="1" noChangeArrowheads="1"/>
+          </p:cNvPicPr>
+          <p:nvPr/>
+        </p:nvPicPr>
+        <p:blipFill>
+          <a:blip r:embed="rId7" cstate="print">
+            <a:extLst>
+              <a:ext uri="{28A0092B-C50C-407E-A947-70E740481C1C}">
+                <a14:useLocalDpi xmlns:a14="http://schemas.microsoft.com/office/drawing/2010/main" val="0"/>
+              </a:ext>
+            </a:extLst>
+          </a:blip>
+          <a:srcRect/>
+          <a:stretch>
+            <a:fillRect/>
+          </a:stretch>
+        </p:blipFill>
+        <p:spPr bwMode="auto">
+          <a:xfrm>
+            <a:off x="4852844" y="3605493"/>
+            <a:ext cx="4748934" cy="2775453"/>
+          </a:xfrm>
+          <a:prstGeom prst="rect">
+            <a:avLst/>
+          </a:prstGeom>
+          <a:noFill/>
+          <a:extLst>
+            <a:ext uri="{909E8E84-426E-40DD-AFC4-6F175D3DCCD1}">
+              <a14:hiddenFill xmlns:a14="http://schemas.microsoft.com/office/drawing/2010/main">
+                <a:solidFill>
+                  <a:srgbClr val="FFFFFF"/>
+                </a:solidFill>
+              </a14:hiddenFill>
+            </a:ext>
+          </a:extLst>
+        </p:spPr>
+      </p:pic>
+      <p:sp>
+        <p:nvSpPr>
+          <p:cNvPr id="8" name="Rectangle 7"/>
+          <p:cNvSpPr/>
+          <p:nvPr/>
+        </p:nvSpPr>
+        <p:spPr>
+          <a:xfrm>
+            <a:off x="9791445" y="3704842"/>
+            <a:ext cx="1645387" cy="461665"/>
+          </a:xfrm>
+          <a:prstGeom prst="rect">
+            <a:avLst/>
+          </a:prstGeom>
+          <a:solidFill>
+            <a:schemeClr val="accent2"/>
+          </a:solidFill>
+        </p:spPr>
+        <p:txBody>
+          <a:bodyPr wrap="none">
+            <a:spAutoFit/>
+          </a:bodyPr>
+          <a:lstStyle/>
+          <a:p>
+            <a:r>
+              <a:rPr lang="en-US" sz="2400" b="1" dirty="0" smtClean="0"/>
+              <a:t>Kubernetes</a:t>
+            </a:r>
+            <a:endParaRPr lang="en-US" sz="2800" b="1" dirty="0" smtClean="0"/>
+          </a:p>
+        </p:txBody>
+      </p:sp>
+      <p:sp>
+        <p:nvSpPr>
+          <p:cNvPr id="9" name="Rectangle 8"/>
+          <p:cNvSpPr/>
+          <p:nvPr/>
+        </p:nvSpPr>
+        <p:spPr>
+          <a:xfrm>
+            <a:off x="48292" y="6500214"/>
+            <a:ext cx="12143707" cy="353943"/>
+          </a:xfrm>
+          <a:prstGeom prst="rect">
+            <a:avLst/>
+          </a:prstGeom>
+        </p:spPr>
+        <p:txBody>
+          <a:bodyPr wrap="square">
+            <a:spAutoFit/>
+          </a:bodyPr>
+          <a:lstStyle/>
+          <a:p>
+            <a:r>
+              <a:rPr lang="en-US" sz="900" b="1" dirty="0"/>
+              <a:t>Image Sources: </a:t>
+            </a:r>
+            <a:r>
+              <a:rPr lang="en-US" sz="800" dirty="0">
+                <a:hlinkClick r:id="rId3"/>
+              </a:rPr>
+              <a:t>https://app.pluralsight.com/library/courses/deployment-pipeline-aspdotnet-core-docker/table-of-contents</a:t>
+            </a:r>
+            <a:endParaRPr lang="en-US" sz="800" dirty="0"/>
+          </a:p>
+          <a:p>
+            <a:r>
+              <a:rPr lang="en-US" sz="800" dirty="0">
+                <a:hlinkClick r:id="rId6"/>
+              </a:rPr>
+              <a:t>https://github.com/dotnet-architecture/eShopModernizing/wiki/04.-How-to-deploy-your-Windows-Containers-based-apps-into-Kubernetes-in-Azure-Container-Service-(Including-CI-CD)</a:t>
+            </a:r>
+            <a:endParaRPr lang="en-US" sz="800" dirty="0"/>
+          </a:p>
+        </p:txBody>
+      </p:sp>
+      <p:sp>
+        <p:nvSpPr>
+          <p:cNvPr id="12" name="Rectangle 11"/>
+          <p:cNvSpPr/>
+          <p:nvPr/>
+        </p:nvSpPr>
+        <p:spPr>
+          <a:xfrm>
+            <a:off x="809580" y="1470451"/>
+            <a:ext cx="2476897" cy="461665"/>
+          </a:xfrm>
+          <a:prstGeom prst="rect">
+            <a:avLst/>
+          </a:prstGeom>
+          <a:solidFill>
+            <a:schemeClr val="accent2"/>
+          </a:solidFill>
+        </p:spPr>
+        <p:txBody>
+          <a:bodyPr wrap="none">
+            <a:spAutoFit/>
+          </a:bodyPr>
+          <a:lstStyle/>
+          <a:p>
+            <a:r>
+              <a:rPr lang="en-US" sz="2400" b="1" dirty="0" smtClean="0"/>
+              <a:t>Local Deployment</a:t>
+            </a:r>
+            <a:endParaRPr lang="en-US" sz="2800" b="1" dirty="0" smtClean="0"/>
+          </a:p>
+        </p:txBody>
+      </p:sp>
+      <p:sp>
+        <p:nvSpPr>
+          <p:cNvPr id="13" name="Rectangle 12"/>
+          <p:cNvSpPr/>
+          <p:nvPr/>
+        </p:nvSpPr>
+        <p:spPr>
+          <a:xfrm>
+            <a:off x="5214460" y="2273562"/>
+            <a:ext cx="1196353" cy="461665"/>
+          </a:xfrm>
+          <a:prstGeom prst="rect">
+            <a:avLst/>
+          </a:prstGeom>
+          <a:solidFill>
+            <a:schemeClr val="accent2"/>
+          </a:solidFill>
+        </p:spPr>
+        <p:txBody>
+          <a:bodyPr wrap="none">
+            <a:spAutoFit/>
+          </a:bodyPr>
+          <a:lstStyle/>
+          <a:p>
+            <a:r>
+              <a:rPr lang="en-US" sz="2400" b="1" dirty="0" smtClean="0"/>
+              <a:t>Clusters</a:t>
+            </a:r>
+            <a:endParaRPr lang="en-US" sz="2800" b="1" dirty="0" smtClean="0"/>
+          </a:p>
+        </p:txBody>
+      </p:sp>
+      <p:sp>
+        <p:nvSpPr>
+          <p:cNvPr id="14" name="Rectangle 13"/>
+          <p:cNvSpPr/>
+          <p:nvPr/>
+        </p:nvSpPr>
+        <p:spPr>
+          <a:xfrm>
+            <a:off x="2048028" y="381749"/>
+            <a:ext cx="2212337" cy="523220"/>
+          </a:xfrm>
+          <a:prstGeom prst="rect">
+            <a:avLst/>
+          </a:prstGeom>
+          <a:noFill/>
+        </p:spPr>
+        <p:txBody>
+          <a:bodyPr wrap="none">
+            <a:spAutoFit/>
+          </a:bodyPr>
+          <a:lstStyle/>
+          <a:p>
+            <a:r>
+              <a:rPr lang="en-US" sz="1400" b="1" dirty="0" smtClean="0">
+                <a:solidFill>
+                  <a:schemeClr val="accent1"/>
+                </a:solidFill>
+              </a:rPr>
+              <a:t>Button push</a:t>
+            </a:r>
+          </a:p>
+          <a:p>
+            <a:r>
+              <a:rPr lang="en-US" sz="1400" b="1" dirty="0" smtClean="0">
+                <a:solidFill>
+                  <a:schemeClr val="accent1"/>
+                </a:solidFill>
+              </a:rPr>
+              <a:t>N Environments, selectable</a:t>
+            </a:r>
+            <a:endParaRPr lang="en-US" sz="1600" b="1" dirty="0" smtClean="0">
+              <a:solidFill>
+                <a:schemeClr val="accent1"/>
+              </a:solidFill>
+            </a:endParaRPr>
+          </a:p>
+        </p:txBody>
+      </p:sp>
+    </p:spTree>
+    <p:extLst>
+      <p:ext uri="{BB962C8B-B14F-4D97-AF65-F5344CB8AC3E}">
+        <p14:creationId xmlns:p14="http://schemas.microsoft.com/office/powerpoint/2010/main" val="2983178240"/>
       </p:ext>
     </p:extLst>
   </p:cSld>
